--- a/L03-intersection.pptx
+++ b/L03-intersection.pptx
@@ -5,10 +5,10 @@
     <p:sldMasterId id="2147483744" r:id="rId1"/>
   </p:sldMasterIdLst>
   <p:notesMasterIdLst>
-    <p:notesMasterId r:id="rId49"/>
+    <p:notesMasterId r:id="rId45"/>
   </p:notesMasterIdLst>
   <p:handoutMasterIdLst>
-    <p:handoutMasterId r:id="rId50"/>
+    <p:handoutMasterId r:id="rId46"/>
   </p:handoutMasterIdLst>
   <p:sldIdLst>
     <p:sldId id="256" r:id="rId2"/>
@@ -36,28 +36,24 @@
     <p:sldId id="924" r:id="rId24"/>
     <p:sldId id="697" r:id="rId25"/>
     <p:sldId id="925" r:id="rId26"/>
-    <p:sldId id="926" r:id="rId27"/>
-    <p:sldId id="927" r:id="rId28"/>
-    <p:sldId id="698" r:id="rId29"/>
-    <p:sldId id="699" r:id="rId30"/>
-    <p:sldId id="928" r:id="rId31"/>
-    <p:sldId id="912" r:id="rId32"/>
-    <p:sldId id="913" r:id="rId33"/>
-    <p:sldId id="914" r:id="rId34"/>
-    <p:sldId id="737" r:id="rId35"/>
-    <p:sldId id="686" r:id="rId36"/>
-    <p:sldId id="687" r:id="rId37"/>
-    <p:sldId id="688" r:id="rId38"/>
-    <p:sldId id="929" r:id="rId39"/>
-    <p:sldId id="910" r:id="rId40"/>
-    <p:sldId id="917" r:id="rId41"/>
-    <p:sldId id="692" r:id="rId42"/>
-    <p:sldId id="930" r:id="rId43"/>
-    <p:sldId id="931" r:id="rId44"/>
-    <p:sldId id="932" r:id="rId45"/>
-    <p:sldId id="933" r:id="rId46"/>
-    <p:sldId id="934" r:id="rId47"/>
-    <p:sldId id="908" r:id="rId48"/>
+    <p:sldId id="935" r:id="rId27"/>
+    <p:sldId id="936" r:id="rId28"/>
+    <p:sldId id="926" r:id="rId29"/>
+    <p:sldId id="927" r:id="rId30"/>
+    <p:sldId id="699" r:id="rId31"/>
+    <p:sldId id="928" r:id="rId32"/>
+    <p:sldId id="912" r:id="rId33"/>
+    <p:sldId id="913" r:id="rId34"/>
+    <p:sldId id="914" r:id="rId35"/>
+    <p:sldId id="737" r:id="rId36"/>
+    <p:sldId id="686" r:id="rId37"/>
+    <p:sldId id="687" r:id="rId38"/>
+    <p:sldId id="688" r:id="rId39"/>
+    <p:sldId id="929" r:id="rId40"/>
+    <p:sldId id="910" r:id="rId41"/>
+    <p:sldId id="917" r:id="rId42"/>
+    <p:sldId id="692" r:id="rId43"/>
+    <p:sldId id="908" r:id="rId44"/>
   </p:sldIdLst>
   <p:sldSz cx="12192000" cy="6858000"/>
   <p:notesSz cx="7010400" cy="9296400"/>
@@ -257,7 +253,7 @@
           <a:p>
             <a:fld id="{C787A165-4FDD-49E5-9F6D-D505BB88ABC6}" type="datetimeFigureOut">
               <a:rPr lang="en-US" smtClean="0"/>
-              <a:t>9/4/18</a:t>
+              <a:t>7/25/19</a:t>
             </a:fld>
             <a:endParaRPr lang="en-US"/>
           </a:p>
@@ -423,7 +419,7 @@
           <a:p>
             <a:fld id="{5D612DD9-5214-4F09-A917-0755DC49A4D5}" type="datetimeFigureOut">
               <a:rPr lang="en-US" smtClean="0"/>
-              <a:t>9/4/18</a:t>
+              <a:t>7/25/19</a:t>
             </a:fld>
             <a:endParaRPr lang="en-US"/>
           </a:p>
@@ -7495,7 +7491,7 @@
           <a:p>
             <a:fld id="{6E39BF48-6E0A-4E37-BB05-8DF70571673D}" type="datetimeFigureOut">
               <a:rPr lang="en-US" smtClean="0"/>
-              <a:t>9/4/18</a:t>
+              <a:t>7/25/19</a:t>
             </a:fld>
             <a:endParaRPr lang="en-US"/>
           </a:p>
@@ -16400,7 +16396,6 @@
             <a:tailEnd/>
           </a:ln>
           <a:effectLst/>
-          <a:extLst/>
         </p:spPr>
         <p:txBody>
           <a:bodyPr wrap="none" anchor="ctr"/>
@@ -16575,7 +16570,6 @@
             <a:tailEnd/>
           </a:ln>
           <a:effectLst/>
-          <a:extLst/>
         </p:spPr>
         <p:txBody>
           <a:bodyPr wrap="none" anchor="ctr"/>
@@ -16750,7 +16744,6 @@
             <a:tailEnd/>
           </a:ln>
           <a:effectLst/>
-          <a:extLst/>
         </p:spPr>
         <p:txBody>
           <a:bodyPr wrap="none" anchor="ctr"/>
@@ -16925,7 +16918,6 @@
             <a:tailEnd/>
           </a:ln>
           <a:effectLst/>
-          <a:extLst/>
         </p:spPr>
         <p:txBody>
           <a:bodyPr wrap="none" anchor="ctr"/>
@@ -17100,7 +17092,6 @@
             <a:tailEnd/>
           </a:ln>
           <a:effectLst/>
-          <a:extLst/>
         </p:spPr>
         <p:txBody>
           <a:bodyPr wrap="none" anchor="ctr"/>
@@ -17275,7 +17266,6 @@
             <a:tailEnd/>
           </a:ln>
           <a:effectLst/>
-          <a:extLst/>
         </p:spPr>
         <p:txBody>
           <a:bodyPr wrap="none" anchor="ctr"/>
@@ -17450,7 +17440,6 @@
             <a:tailEnd/>
           </a:ln>
           <a:effectLst/>
-          <a:extLst/>
         </p:spPr>
         <p:txBody>
           <a:bodyPr wrap="none" anchor="ctr"/>
@@ -17625,7 +17614,6 @@
             <a:tailEnd/>
           </a:ln>
           <a:effectLst/>
-          <a:extLst/>
         </p:spPr>
         <p:txBody>
           <a:bodyPr wrap="none" anchor="ctr"/>
@@ -24515,7 +24503,6 @@
             <a:tailEnd/>
           </a:ln>
           <a:effectLst/>
-          <a:extLst/>
         </p:spPr>
         <p:txBody>
           <a:bodyPr wrap="none" anchor="ctr"/>
@@ -24696,7 +24683,6 @@
             <a:tailEnd/>
           </a:ln>
           <a:effectLst/>
-          <a:extLst/>
         </p:spPr>
         <p:txBody>
           <a:bodyPr wrap="none" anchor="ctr"/>
@@ -24877,7 +24863,6 @@
             <a:tailEnd/>
           </a:ln>
           <a:effectLst/>
-          <a:extLst/>
         </p:spPr>
         <p:txBody>
           <a:bodyPr wrap="none" anchor="ctr"/>
@@ -25058,7 +25043,6 @@
             <a:tailEnd/>
           </a:ln>
           <a:effectLst/>
-          <a:extLst/>
         </p:spPr>
         <p:txBody>
           <a:bodyPr wrap="none" anchor="ctr"/>
@@ -25239,7 +25223,6 @@
             <a:tailEnd/>
           </a:ln>
           <a:effectLst/>
-          <a:extLst/>
         </p:spPr>
         <p:txBody>
           <a:bodyPr wrap="none" anchor="ctr"/>
@@ -25420,7 +25403,6 @@
             <a:tailEnd/>
           </a:ln>
           <a:effectLst/>
-          <a:extLst/>
         </p:spPr>
         <p:txBody>
           <a:bodyPr wrap="none" anchor="ctr"/>
@@ -25601,7 +25583,6 @@
             <a:tailEnd/>
           </a:ln>
           <a:effectLst/>
-          <a:extLst/>
         </p:spPr>
         <p:txBody>
           <a:bodyPr wrap="none" anchor="ctr"/>
@@ -25782,7 +25763,6 @@
             <a:tailEnd/>
           </a:ln>
           <a:effectLst/>
-          <a:extLst/>
         </p:spPr>
         <p:txBody>
           <a:bodyPr wrap="none" anchor="ctr"/>
@@ -28496,6 +28476,867 @@
       </p:grpSpPr>
       <p:sp>
         <p:nvSpPr>
+          <p:cNvPr id="5" name="Content Placeholder 4">
+            <a:extLst>
+              <a:ext uri="{FF2B5EF4-FFF2-40B4-BE49-F238E27FC236}">
+                <a16:creationId xmlns:a16="http://schemas.microsoft.com/office/drawing/2014/main" id="{C72E2128-D59A-7845-863D-61EDAC6FB83A}"/>
+              </a:ext>
+            </a:extLst>
+          </p:cNvPr>
+          <p:cNvSpPr>
+            <a:spLocks noGrp="1"/>
+          </p:cNvSpPr>
+          <p:nvPr>
+            <p:ph sz="half" idx="1"/>
+          </p:nvPr>
+        </p:nvSpPr>
+        <p:spPr>
+          <a:xfrm>
+            <a:off x="511480" y="1898054"/>
+            <a:ext cx="5562599" cy="4052492"/>
+          </a:xfrm>
+        </p:spPr>
+        <p:txBody>
+          <a:bodyPr>
+            <a:normAutofit fontScale="70000" lnSpcReduction="20000"/>
+          </a:bodyPr>
+          <a:lstStyle/>
+          <a:p>
+            <a:pPr marL="0" indent="0">
+              <a:buNone/>
+            </a:pPr>
+            <a:r>
+              <a:rPr lang="en-US" altLang="en-US" dirty="0"/>
+              <a:t>Algorithm using interval trees</a:t>
+            </a:r>
+          </a:p>
+          <a:p>
+            <a:pPr marL="0" indent="0">
+              <a:buNone/>
+            </a:pPr>
+            <a:endParaRPr lang="en-US" altLang="en-US" dirty="0"/>
+          </a:p>
+          <a:p>
+            <a:r>
+              <a:rPr lang="en-US" altLang="en-US" dirty="0"/>
+              <a:t>Plane sweep algorithm, vertical (top-to-bottom) sweep Event points are Beginning and end of rectangle intervals</a:t>
+            </a:r>
+          </a:p>
+          <a:p>
+            <a:r>
+              <a:rPr lang="en-US" altLang="en-US" dirty="0"/>
+              <a:t>At the starting interval:</a:t>
+            </a:r>
+          </a:p>
+          <a:p>
+            <a:r>
+              <a:rPr lang="en-US" altLang="en-US" dirty="0"/>
+              <a:t>	Compare rectangle x-interval to 			active set for overlap.</a:t>
+            </a:r>
+          </a:p>
+          <a:p>
+            <a:r>
+              <a:rPr lang="en-US" altLang="en-US" dirty="0"/>
+              <a:t>	Add rectangle x-interval to active 		set.</a:t>
+            </a:r>
+          </a:p>
+          <a:p>
+            <a:r>
+              <a:rPr lang="en-US" altLang="en-US" dirty="0"/>
+              <a:t>At the ending interval:</a:t>
+            </a:r>
+          </a:p>
+          <a:p>
+            <a:r>
+              <a:rPr lang="en-US" altLang="en-US" dirty="0"/>
+              <a:t>	Remove rectangle X-interval from active set.</a:t>
+            </a:r>
+          </a:p>
+        </p:txBody>
+      </p:sp>
+      <p:sp>
+        <p:nvSpPr>
+          <p:cNvPr id="7" name="Content Placeholder 6">
+            <a:extLst>
+              <a:ext uri="{FF2B5EF4-FFF2-40B4-BE49-F238E27FC236}">
+                <a16:creationId xmlns:a16="http://schemas.microsoft.com/office/drawing/2014/main" id="{175EDE22-3773-074A-9CE1-8A7464A4A9CE}"/>
+              </a:ext>
+            </a:extLst>
+          </p:cNvPr>
+          <p:cNvSpPr>
+            <a:spLocks noGrp="1"/>
+          </p:cNvSpPr>
+          <p:nvPr>
+            <p:ph sz="half" idx="11"/>
+          </p:nvPr>
+        </p:nvSpPr>
+        <p:spPr/>
+        <p:txBody>
+          <a:bodyPr/>
+          <a:lstStyle/>
+          <a:p>
+            <a:r>
+              <a:rPr lang="en-US" altLang="en-US"/>
+              <a:t>Intersection of rectangles</a:t>
+            </a:r>
+            <a:endParaRPr lang="en-US" dirty="0"/>
+          </a:p>
+        </p:txBody>
+      </p:sp>
+      <p:sp>
+        <p:nvSpPr>
+          <p:cNvPr id="29" name="Rectangle 28">
+            <a:extLst>
+              <a:ext uri="{FF2B5EF4-FFF2-40B4-BE49-F238E27FC236}">
+                <a16:creationId xmlns:a16="http://schemas.microsoft.com/office/drawing/2014/main" id="{0E0F838E-608A-5D49-86E4-A6C417CF657D}"/>
+              </a:ext>
+            </a:extLst>
+          </p:cNvPr>
+          <p:cNvSpPr/>
+          <p:nvPr/>
+        </p:nvSpPr>
+        <p:spPr>
+          <a:xfrm>
+            <a:off x="6096000" y="2133600"/>
+            <a:ext cx="3048000" cy="1143000"/>
+          </a:xfrm>
+          <a:prstGeom prst="rect">
+            <a:avLst/>
+          </a:prstGeom>
+          <a:solidFill>
+            <a:schemeClr val="tx1">
+              <a:alpha val="15000"/>
+            </a:schemeClr>
+          </a:solidFill>
+          <a:ln w="25400">
+            <a:solidFill>
+              <a:schemeClr val="tx1"/>
+            </a:solidFill>
+          </a:ln>
+        </p:spPr>
+        <p:style>
+          <a:lnRef idx="2">
+            <a:schemeClr val="accent1">
+              <a:shade val="50000"/>
+            </a:schemeClr>
+          </a:lnRef>
+          <a:fillRef idx="1">
+            <a:schemeClr val="accent1"/>
+          </a:fillRef>
+          <a:effectRef idx="0">
+            <a:schemeClr val="accent1"/>
+          </a:effectRef>
+          <a:fontRef idx="minor">
+            <a:schemeClr val="lt1"/>
+          </a:fontRef>
+        </p:style>
+        <p:txBody>
+          <a:bodyPr rtlCol="0" anchor="ctr"/>
+          <a:lstStyle/>
+          <a:p>
+            <a:pPr algn="ctr"/>
+            <a:endParaRPr lang="en-US" dirty="0"/>
+          </a:p>
+        </p:txBody>
+      </p:sp>
+      <p:sp>
+        <p:nvSpPr>
+          <p:cNvPr id="30" name="Rectangle 29">
+            <a:extLst>
+              <a:ext uri="{FF2B5EF4-FFF2-40B4-BE49-F238E27FC236}">
+                <a16:creationId xmlns:a16="http://schemas.microsoft.com/office/drawing/2014/main" id="{5F6B09F7-15E4-144E-BEFA-0D1279519DC4}"/>
+              </a:ext>
+            </a:extLst>
+          </p:cNvPr>
+          <p:cNvSpPr/>
+          <p:nvPr/>
+        </p:nvSpPr>
+        <p:spPr>
+          <a:xfrm>
+            <a:off x="6934200" y="1981200"/>
+            <a:ext cx="1600200" cy="1371600"/>
+          </a:xfrm>
+          <a:prstGeom prst="rect">
+            <a:avLst/>
+          </a:prstGeom>
+          <a:solidFill>
+            <a:schemeClr val="tx1">
+              <a:alpha val="15000"/>
+            </a:schemeClr>
+          </a:solidFill>
+          <a:ln w="25400">
+            <a:solidFill>
+              <a:schemeClr val="tx1"/>
+            </a:solidFill>
+          </a:ln>
+        </p:spPr>
+        <p:style>
+          <a:lnRef idx="2">
+            <a:schemeClr val="accent1">
+              <a:shade val="50000"/>
+            </a:schemeClr>
+          </a:lnRef>
+          <a:fillRef idx="1">
+            <a:schemeClr val="accent1"/>
+          </a:fillRef>
+          <a:effectRef idx="0">
+            <a:schemeClr val="accent1"/>
+          </a:effectRef>
+          <a:fontRef idx="minor">
+            <a:schemeClr val="lt1"/>
+          </a:fontRef>
+        </p:style>
+        <p:txBody>
+          <a:bodyPr rtlCol="0" anchor="ctr"/>
+          <a:lstStyle/>
+          <a:p>
+            <a:pPr algn="ctr"/>
+            <a:endParaRPr lang="en-US" dirty="0"/>
+          </a:p>
+        </p:txBody>
+      </p:sp>
+      <p:sp>
+        <p:nvSpPr>
+          <p:cNvPr id="31" name="Rectangle 30">
+            <a:extLst>
+              <a:ext uri="{FF2B5EF4-FFF2-40B4-BE49-F238E27FC236}">
+                <a16:creationId xmlns:a16="http://schemas.microsoft.com/office/drawing/2014/main" id="{F22D4113-F7D8-2140-8D42-F3D74C0211BC}"/>
+              </a:ext>
+            </a:extLst>
+          </p:cNvPr>
+          <p:cNvSpPr/>
+          <p:nvPr/>
+        </p:nvSpPr>
+        <p:spPr>
+          <a:xfrm>
+            <a:off x="7696200" y="3581400"/>
+            <a:ext cx="2819400" cy="2209800"/>
+          </a:xfrm>
+          <a:prstGeom prst="rect">
+            <a:avLst/>
+          </a:prstGeom>
+          <a:solidFill>
+            <a:schemeClr val="tx1">
+              <a:alpha val="15000"/>
+            </a:schemeClr>
+          </a:solidFill>
+          <a:ln w="25400">
+            <a:solidFill>
+              <a:schemeClr val="tx1"/>
+            </a:solidFill>
+          </a:ln>
+        </p:spPr>
+        <p:style>
+          <a:lnRef idx="2">
+            <a:schemeClr val="accent1">
+              <a:shade val="50000"/>
+            </a:schemeClr>
+          </a:lnRef>
+          <a:fillRef idx="1">
+            <a:schemeClr val="accent1"/>
+          </a:fillRef>
+          <a:effectRef idx="0">
+            <a:schemeClr val="accent1"/>
+          </a:effectRef>
+          <a:fontRef idx="minor">
+            <a:schemeClr val="lt1"/>
+          </a:fontRef>
+        </p:style>
+        <p:txBody>
+          <a:bodyPr rtlCol="0" anchor="ctr"/>
+          <a:lstStyle/>
+          <a:p>
+            <a:pPr algn="ctr"/>
+            <a:endParaRPr lang="en-US" dirty="0"/>
+          </a:p>
+        </p:txBody>
+      </p:sp>
+      <p:sp>
+        <p:nvSpPr>
+          <p:cNvPr id="32" name="Rectangle 31">
+            <a:extLst>
+              <a:ext uri="{FF2B5EF4-FFF2-40B4-BE49-F238E27FC236}">
+                <a16:creationId xmlns:a16="http://schemas.microsoft.com/office/drawing/2014/main" id="{B0707C6B-BABD-0840-8335-012547A22304}"/>
+              </a:ext>
+            </a:extLst>
+          </p:cNvPr>
+          <p:cNvSpPr/>
+          <p:nvPr/>
+        </p:nvSpPr>
+        <p:spPr>
+          <a:xfrm>
+            <a:off x="10363200" y="2819400"/>
+            <a:ext cx="1524000" cy="2286000"/>
+          </a:xfrm>
+          <a:prstGeom prst="rect">
+            <a:avLst/>
+          </a:prstGeom>
+          <a:solidFill>
+            <a:schemeClr val="tx1">
+              <a:alpha val="15000"/>
+            </a:schemeClr>
+          </a:solidFill>
+          <a:ln w="25400">
+            <a:solidFill>
+              <a:schemeClr val="tx1"/>
+            </a:solidFill>
+          </a:ln>
+        </p:spPr>
+        <p:style>
+          <a:lnRef idx="2">
+            <a:schemeClr val="accent1">
+              <a:shade val="50000"/>
+            </a:schemeClr>
+          </a:lnRef>
+          <a:fillRef idx="1">
+            <a:schemeClr val="accent1"/>
+          </a:fillRef>
+          <a:effectRef idx="0">
+            <a:schemeClr val="accent1"/>
+          </a:effectRef>
+          <a:fontRef idx="minor">
+            <a:schemeClr val="lt1"/>
+          </a:fontRef>
+        </p:style>
+        <p:txBody>
+          <a:bodyPr rtlCol="0" anchor="ctr"/>
+          <a:lstStyle/>
+          <a:p>
+            <a:pPr algn="ctr"/>
+            <a:endParaRPr lang="en-US" dirty="0"/>
+          </a:p>
+        </p:txBody>
+      </p:sp>
+      <p:sp>
+        <p:nvSpPr>
+          <p:cNvPr id="33" name="Rectangle 32">
+            <a:extLst>
+              <a:ext uri="{FF2B5EF4-FFF2-40B4-BE49-F238E27FC236}">
+                <a16:creationId xmlns:a16="http://schemas.microsoft.com/office/drawing/2014/main" id="{A3D0FC53-83F6-FD48-80F8-A5E295493E25}"/>
+              </a:ext>
+            </a:extLst>
+          </p:cNvPr>
+          <p:cNvSpPr/>
+          <p:nvPr/>
+        </p:nvSpPr>
+        <p:spPr>
+          <a:xfrm>
+            <a:off x="9372600" y="3276600"/>
+            <a:ext cx="2667000" cy="1295400"/>
+          </a:xfrm>
+          <a:prstGeom prst="rect">
+            <a:avLst/>
+          </a:prstGeom>
+          <a:solidFill>
+            <a:schemeClr val="tx1">
+              <a:alpha val="15000"/>
+            </a:schemeClr>
+          </a:solidFill>
+          <a:ln w="25400">
+            <a:solidFill>
+              <a:schemeClr val="tx1"/>
+            </a:solidFill>
+          </a:ln>
+        </p:spPr>
+        <p:style>
+          <a:lnRef idx="2">
+            <a:schemeClr val="accent1">
+              <a:shade val="50000"/>
+            </a:schemeClr>
+          </a:lnRef>
+          <a:fillRef idx="1">
+            <a:schemeClr val="accent1"/>
+          </a:fillRef>
+          <a:effectRef idx="0">
+            <a:schemeClr val="accent1"/>
+          </a:effectRef>
+          <a:fontRef idx="minor">
+            <a:schemeClr val="lt1"/>
+          </a:fontRef>
+        </p:style>
+        <p:txBody>
+          <a:bodyPr rtlCol="0" anchor="ctr"/>
+          <a:lstStyle/>
+          <a:p>
+            <a:pPr algn="ctr"/>
+            <a:endParaRPr lang="en-US" dirty="0"/>
+          </a:p>
+        </p:txBody>
+      </p:sp>
+    </p:spTree>
+    <p:extLst>
+      <p:ext uri="{BB962C8B-B14F-4D97-AF65-F5344CB8AC3E}">
+        <p14:creationId xmlns:p14="http://schemas.microsoft.com/office/powerpoint/2010/main" val="2873352236"/>
+      </p:ext>
+    </p:extLst>
+  </p:cSld>
+  <p:clrMapOvr>
+    <a:masterClrMapping/>
+  </p:clrMapOvr>
+  <p:transition/>
+</p:sld>
+</file>
+
+<file path=ppt/slides/slide27.xml><?xml version="1.0" encoding="utf-8"?>
+<p:sld xmlns:a="http://schemas.openxmlformats.org/drawingml/2006/main" xmlns:r="http://schemas.openxmlformats.org/officeDocument/2006/relationships" xmlns:p="http://schemas.openxmlformats.org/presentationml/2006/main">
+  <p:cSld>
+    <p:spTree>
+      <p:nvGrpSpPr>
+        <p:cNvPr id="1" name=""/>
+        <p:cNvGrpSpPr/>
+        <p:nvPr/>
+      </p:nvGrpSpPr>
+      <p:grpSpPr>
+        <a:xfrm>
+          <a:off x="0" y="0"/>
+          <a:ext cx="0" cy="0"/>
+          <a:chOff x="0" y="0"/>
+          <a:chExt cx="0" cy="0"/>
+        </a:xfrm>
+      </p:grpSpPr>
+      <mc:AlternateContent xmlns:mc="http://schemas.openxmlformats.org/markup-compatibility/2006" xmlns:a14="http://schemas.microsoft.com/office/drawing/2010/main">
+        <mc:Choice Requires="a14">
+          <p:sp>
+            <p:nvSpPr>
+              <p:cNvPr id="5" name="Content Placeholder 4">
+                <a:extLst>
+                  <a:ext uri="{FF2B5EF4-FFF2-40B4-BE49-F238E27FC236}">
+                    <a16:creationId xmlns:a16="http://schemas.microsoft.com/office/drawing/2014/main" id="{E4867192-8BF7-FF48-BEF9-74399CC49079}"/>
+                  </a:ext>
+                </a:extLst>
+              </p:cNvPr>
+              <p:cNvSpPr>
+                <a:spLocks noGrp="1"/>
+              </p:cNvSpPr>
+              <p:nvPr>
+                <p:ph sz="half" idx="1"/>
+              </p:nvPr>
+            </p:nvSpPr>
+            <p:spPr/>
+            <p:txBody>
+              <a:bodyPr>
+                <a:normAutofit/>
+              </a:bodyPr>
+              <a:lstStyle/>
+              <a:p>
+                <a:r>
+                  <a:rPr lang="en-US" altLang="en-US" dirty="0"/>
+                  <a:t>Analysis</a:t>
+                </a:r>
+              </a:p>
+              <a:p>
+                <a:pPr lvl="1"/>
+                <a:r>
+                  <a:rPr lang="en-US" altLang="en-US" dirty="0"/>
+                  <a:t>Preprocessing:  </a:t>
+                </a:r>
+                <a14:m>
+                  <m:oMath xmlns:m="http://schemas.openxmlformats.org/officeDocument/2006/math">
+                    <m:r>
+                      <a:rPr lang="en-US" altLang="en-US" i="1" dirty="0" smtClean="0">
+                        <a:latin typeface="Cambria Math" panose="02040503050406030204" pitchFamily="18" charset="0"/>
+                      </a:rPr>
+                      <m:t>𝑂</m:t>
+                    </m:r>
+                    <m:r>
+                      <a:rPr lang="en-US" altLang="en-US" i="1" dirty="0" smtClean="0">
+                        <a:latin typeface="Cambria Math" panose="02040503050406030204" pitchFamily="18" charset="0"/>
+                      </a:rPr>
+                      <m:t>(</m:t>
+                    </m:r>
+                    <m:r>
+                      <a:rPr lang="en-US" altLang="en-US" i="1" dirty="0" smtClean="0">
+                        <a:latin typeface="Cambria Math" panose="02040503050406030204" pitchFamily="18" charset="0"/>
+                      </a:rPr>
+                      <m:t>𝑁</m:t>
+                    </m:r>
+                    <m:r>
+                      <a:rPr lang="en-US" altLang="en-US" i="1" dirty="0" smtClean="0">
+                        <a:latin typeface="Cambria Math" panose="02040503050406030204" pitchFamily="18" charset="0"/>
+                      </a:rPr>
+                      <m:t> </m:t>
+                    </m:r>
+                    <m:r>
+                      <m:rPr>
+                        <m:sty m:val="p"/>
+                      </m:rPr>
+                      <a:rPr lang="en-US" altLang="en-US" i="1" dirty="0" smtClean="0">
+                        <a:latin typeface="Cambria Math" panose="02040503050406030204" pitchFamily="18" charset="0"/>
+                      </a:rPr>
+                      <m:t>log</m:t>
+                    </m:r>
+                    <m:r>
+                      <a:rPr lang="en-US" altLang="en-US" i="1" dirty="0" smtClean="0">
+                        <a:latin typeface="Cambria Math" panose="02040503050406030204" pitchFamily="18" charset="0"/>
+                      </a:rPr>
+                      <m:t>⁡</m:t>
+                    </m:r>
+                    <m:r>
+                      <a:rPr lang="en-US" altLang="en-US" i="1" dirty="0" smtClean="0">
+                        <a:latin typeface="Cambria Math" panose="02040503050406030204" pitchFamily="18" charset="0"/>
+                      </a:rPr>
+                      <m:t>𝑁</m:t>
+                    </m:r>
+                    <m:r>
+                      <a:rPr lang="en-US" altLang="en-US" i="1" dirty="0" smtClean="0">
+                        <a:latin typeface="Cambria Math" panose="02040503050406030204" pitchFamily="18" charset="0"/>
+                      </a:rPr>
+                      <m:t>)</m:t>
+                    </m:r>
+                  </m:oMath>
+                </a14:m>
+                <a:r>
+                  <a:rPr lang="en-US" altLang="en-US" dirty="0"/>
+                  <a:t>; ordering intervals for sweep</a:t>
+                </a:r>
+              </a:p>
+              <a:p>
+                <a:pPr lvl="1"/>
+                <a:r>
+                  <a:rPr lang="en-US" altLang="en-US" dirty="0"/>
+                  <a:t>Query: Worst case </a:t>
+                </a:r>
+                <a14:m>
+                  <m:oMath xmlns:m="http://schemas.openxmlformats.org/officeDocument/2006/math">
+                    <m:r>
+                      <a:rPr lang="en-US" altLang="en-US" i="1" dirty="0" smtClean="0">
+                        <a:latin typeface="Cambria Math" panose="02040503050406030204" pitchFamily="18" charset="0"/>
+                      </a:rPr>
+                      <m:t>𝑂</m:t>
+                    </m:r>
+                    <m:r>
+                      <a:rPr lang="en-US" altLang="en-US" i="1" dirty="0" smtClean="0">
+                        <a:latin typeface="Cambria Math" panose="02040503050406030204" pitchFamily="18" charset="0"/>
+                      </a:rPr>
+                      <m:t>(</m:t>
+                    </m:r>
+                    <m:sSup>
+                      <m:sSupPr>
+                        <m:ctrlPr>
+                          <a:rPr lang="en-US" altLang="en-US" b="0" i="1" dirty="0" smtClean="0">
+                            <a:latin typeface="Cambria Math" panose="02040503050406030204" pitchFamily="18" charset="0"/>
+                          </a:rPr>
+                        </m:ctrlPr>
+                      </m:sSupPr>
+                      <m:e>
+                        <m:r>
+                          <a:rPr lang="en-US" altLang="en-US" i="1" dirty="0" smtClean="0">
+                            <a:latin typeface="Cambria Math" panose="02040503050406030204" pitchFamily="18" charset="0"/>
+                          </a:rPr>
+                          <m:t>𝑁</m:t>
+                        </m:r>
+                      </m:e>
+                      <m:sup>
+                        <m:r>
+                          <a:rPr lang="en-US" altLang="en-US" b="0" i="1" dirty="0" smtClean="0">
+                            <a:latin typeface="Cambria Math" panose="02040503050406030204" pitchFamily="18" charset="0"/>
+                          </a:rPr>
+                          <m:t>2</m:t>
+                        </m:r>
+                      </m:sup>
+                    </m:sSup>
+                    <m:r>
+                      <a:rPr lang="en-US" altLang="en-US" i="1" dirty="0" smtClean="0">
+                        <a:latin typeface="Cambria Math" panose="02040503050406030204" pitchFamily="18" charset="0"/>
+                      </a:rPr>
+                      <m:t>)</m:t>
+                    </m:r>
+                  </m:oMath>
+                </a14:m>
+                <a:r>
+                  <a:rPr lang="en-US" altLang="en-US" dirty="0"/>
+                  <a:t>; Best case </a:t>
+                </a:r>
+                <a14:m>
+                  <m:oMath xmlns:m="http://schemas.openxmlformats.org/officeDocument/2006/math">
+                    <m:r>
+                      <a:rPr lang="en-US" altLang="en-US" i="1" dirty="0">
+                        <a:latin typeface="Cambria Math" panose="02040503050406030204" pitchFamily="18" charset="0"/>
+                      </a:rPr>
+                      <m:t>𝑂</m:t>
+                    </m:r>
+                    <m:r>
+                      <a:rPr lang="en-US" altLang="en-US" i="1" dirty="0">
+                        <a:latin typeface="Cambria Math" panose="02040503050406030204" pitchFamily="18" charset="0"/>
+                      </a:rPr>
+                      <m:t>(</m:t>
+                    </m:r>
+                    <m:r>
+                      <a:rPr lang="en-US" altLang="en-US" b="0" i="1" dirty="0" smtClean="0">
+                        <a:latin typeface="Cambria Math" panose="02040503050406030204" pitchFamily="18" charset="0"/>
+                      </a:rPr>
+                      <m:t>𝑁</m:t>
+                    </m:r>
+                    <m:r>
+                      <a:rPr lang="en-US" altLang="en-US" i="1" dirty="0">
+                        <a:latin typeface="Cambria Math" panose="02040503050406030204" pitchFamily="18" charset="0"/>
+                      </a:rPr>
+                      <m:t>)</m:t>
+                    </m:r>
+                  </m:oMath>
+                </a14:m>
+                <a:endParaRPr lang="en-US" altLang="en-US" dirty="0"/>
+              </a:p>
+              <a:p>
+                <a:pPr lvl="1"/>
+                <a:r>
+                  <a:rPr lang="en-US" altLang="en-US" dirty="0"/>
+                  <a:t>Storage:  </a:t>
+                </a:r>
+                <a14:m>
+                  <m:oMath xmlns:m="http://schemas.openxmlformats.org/officeDocument/2006/math">
+                    <m:r>
+                      <a:rPr lang="en-US" altLang="en-US" i="1" dirty="0" smtClean="0">
+                        <a:latin typeface="Cambria Math" panose="02040503050406030204" pitchFamily="18" charset="0"/>
+                      </a:rPr>
+                      <m:t>𝑂</m:t>
+                    </m:r>
+                    <m:r>
+                      <a:rPr lang="en-US" altLang="en-US" i="1" dirty="0" smtClean="0">
+                        <a:latin typeface="Cambria Math" panose="02040503050406030204" pitchFamily="18" charset="0"/>
+                      </a:rPr>
+                      <m:t>(</m:t>
+                    </m:r>
+                    <m:r>
+                      <a:rPr lang="en-US" altLang="en-US" i="1" dirty="0" smtClean="0">
+                        <a:latin typeface="Cambria Math" panose="02040503050406030204" pitchFamily="18" charset="0"/>
+                      </a:rPr>
+                      <m:t>𝑁</m:t>
+                    </m:r>
+                    <m:r>
+                      <a:rPr lang="en-US" altLang="en-US" i="1" dirty="0" smtClean="0">
+                        <a:latin typeface="Cambria Math" panose="02040503050406030204" pitchFamily="18" charset="0"/>
+                      </a:rPr>
+                      <m:t>)</m:t>
+                    </m:r>
+                  </m:oMath>
+                </a14:m>
+                <a:r>
+                  <a:rPr lang="en-US" altLang="en-US" dirty="0"/>
+                  <a:t>; active rectangles </a:t>
+                </a:r>
+                <a14:m>
+                  <m:oMath xmlns:m="http://schemas.openxmlformats.org/officeDocument/2006/math">
+                    <m:r>
+                      <a:rPr lang="en-US" altLang="en-US" i="1" dirty="0" smtClean="0">
+                        <a:latin typeface="Cambria Math" panose="02040503050406030204" pitchFamily="18" charset="0"/>
+                      </a:rPr>
+                      <m:t>𝑂</m:t>
+                    </m:r>
+                    <m:r>
+                      <a:rPr lang="en-US" altLang="en-US" i="1" dirty="0" smtClean="0">
+                        <a:latin typeface="Cambria Math" panose="02040503050406030204" pitchFamily="18" charset="0"/>
+                      </a:rPr>
+                      <m:t>(</m:t>
+                    </m:r>
+                    <m:r>
+                      <a:rPr lang="en-US" altLang="en-US" i="1" dirty="0" smtClean="0">
+                        <a:latin typeface="Cambria Math" panose="02040503050406030204" pitchFamily="18" charset="0"/>
+                      </a:rPr>
+                      <m:t>𝑁</m:t>
+                    </m:r>
+                    <m:r>
+                      <a:rPr lang="en-US" altLang="en-US" i="1" dirty="0" smtClean="0">
+                        <a:latin typeface="Cambria Math" panose="02040503050406030204" pitchFamily="18" charset="0"/>
+                      </a:rPr>
+                      <m:t>)</m:t>
+                    </m:r>
+                  </m:oMath>
+                </a14:m>
+                <a:r>
+                  <a:rPr lang="en-US" altLang="en-US" dirty="0"/>
+                  <a:t>, event queue </a:t>
+                </a:r>
+                <a14:m>
+                  <m:oMath xmlns:m="http://schemas.openxmlformats.org/officeDocument/2006/math">
+                    <m:r>
+                      <a:rPr lang="en-US" altLang="en-US" i="1" dirty="0" smtClean="0">
+                        <a:latin typeface="Cambria Math" panose="02040503050406030204" pitchFamily="18" charset="0"/>
+                      </a:rPr>
+                      <m:t>𝑂</m:t>
+                    </m:r>
+                    <m:r>
+                      <a:rPr lang="en-US" altLang="en-US" i="1" dirty="0" smtClean="0">
+                        <a:latin typeface="Cambria Math" panose="02040503050406030204" pitchFamily="18" charset="0"/>
+                      </a:rPr>
+                      <m:t>(</m:t>
+                    </m:r>
+                    <m:r>
+                      <a:rPr lang="en-US" altLang="en-US" i="1" dirty="0" smtClean="0">
+                        <a:latin typeface="Cambria Math" panose="02040503050406030204" pitchFamily="18" charset="0"/>
+                      </a:rPr>
+                      <m:t>𝑁</m:t>
+                    </m:r>
+                    <m:r>
+                      <a:rPr lang="en-US" altLang="en-US" i="1" dirty="0" smtClean="0">
+                        <a:latin typeface="Cambria Math" panose="02040503050406030204" pitchFamily="18" charset="0"/>
+                      </a:rPr>
+                      <m:t>)</m:t>
+                    </m:r>
+                  </m:oMath>
+                </a14:m>
+                <a:r>
+                  <a:rPr lang="en-US" altLang="en-US" dirty="0"/>
+                  <a:t>.</a:t>
+                </a:r>
+              </a:p>
+              <a:p>
+                <a:r>
+                  <a:rPr lang="en-US" altLang="en-US" dirty="0"/>
+                  <a:t>Comments</a:t>
+                </a:r>
+              </a:p>
+              <a:p>
+                <a:pPr lvl="1"/>
+                <a:r>
+                  <a:rPr lang="en-US" altLang="en-US" dirty="0"/>
+                  <a:t>We haven’t improved worst case, but the best case has gotten significantly better.</a:t>
+                </a:r>
+              </a:p>
+              <a:p>
+                <a:pPr lvl="1"/>
+                <a:r>
+                  <a:rPr lang="en-US" altLang="en-US" dirty="0"/>
+                  <a:t>We are now output sensitive.</a:t>
+                </a:r>
+              </a:p>
+              <a:p>
+                <a:pPr lvl="1"/>
+                <a:r>
+                  <a:rPr lang="en-US" altLang="en-US" dirty="0"/>
+                  <a:t>Can we do any better?</a:t>
+                </a:r>
+              </a:p>
+            </p:txBody>
+          </p:sp>
+        </mc:Choice>
+        <mc:Fallback xmlns="">
+          <p:sp>
+            <p:nvSpPr>
+              <p:cNvPr id="5" name="Content Placeholder 4">
+                <a:extLst>
+                  <a:ext uri="{FF2B5EF4-FFF2-40B4-BE49-F238E27FC236}">
+                    <a16:creationId xmlns:a16="http://schemas.microsoft.com/office/drawing/2014/main" id="{E4867192-8BF7-FF48-BEF9-74399CC49079}"/>
+                  </a:ext>
+                </a:extLst>
+              </p:cNvPr>
+              <p:cNvSpPr>
+                <a:spLocks noGrp="1" noRot="1" noChangeAspect="1" noMove="1" noResize="1" noEditPoints="1" noAdjustHandles="1" noChangeArrowheads="1" noChangeShapeType="1" noTextEdit="1"/>
+              </p:cNvSpPr>
+              <p:nvPr>
+                <p:ph sz="half" idx="1"/>
+              </p:nvPr>
+            </p:nvSpPr>
+            <p:spPr>
+              <a:blipFill>
+                <a:blip r:embed="rId2"/>
+                <a:stretch>
+                  <a:fillRect l="-1517" t="-1050" r="-233" b="-3412"/>
+                </a:stretch>
+              </a:blipFill>
+            </p:spPr>
+            <p:txBody>
+              <a:bodyPr/>
+              <a:lstStyle/>
+              <a:p>
+                <a:r>
+                  <a:rPr lang="en-US">
+                    <a:noFill/>
+                  </a:rPr>
+                  <a:t> </a:t>
+                </a:r>
+              </a:p>
+            </p:txBody>
+          </p:sp>
+        </mc:Fallback>
+      </mc:AlternateContent>
+      <p:sp>
+        <p:nvSpPr>
+          <p:cNvPr id="4" name="Content Placeholder 3">
+            <a:extLst>
+              <a:ext uri="{FF2B5EF4-FFF2-40B4-BE49-F238E27FC236}">
+                <a16:creationId xmlns:a16="http://schemas.microsoft.com/office/drawing/2014/main" id="{A230CB9C-0EEB-0F4D-BCE3-6AE5E5AD1C9E}"/>
+              </a:ext>
+            </a:extLst>
+          </p:cNvPr>
+          <p:cNvSpPr>
+            <a:spLocks noGrp="1"/>
+          </p:cNvSpPr>
+          <p:nvPr>
+            <p:ph sz="half" idx="10"/>
+          </p:nvPr>
+        </p:nvSpPr>
+        <p:spPr/>
+        <p:txBody>
+          <a:bodyPr/>
+          <a:lstStyle/>
+          <a:p>
+            <a:endParaRPr lang="en-US"/>
+          </a:p>
+        </p:txBody>
+      </p:sp>
+      <p:sp>
+        <p:nvSpPr>
+          <p:cNvPr id="7" name="Content Placeholder 6">
+            <a:extLst>
+              <a:ext uri="{FF2B5EF4-FFF2-40B4-BE49-F238E27FC236}">
+                <a16:creationId xmlns:a16="http://schemas.microsoft.com/office/drawing/2014/main" id="{D2AB46C0-60C8-5045-B7A5-FD67141F116B}"/>
+              </a:ext>
+            </a:extLst>
+          </p:cNvPr>
+          <p:cNvSpPr>
+            <a:spLocks noGrp="1"/>
+          </p:cNvSpPr>
+          <p:nvPr>
+            <p:ph sz="half" idx="11"/>
+          </p:nvPr>
+        </p:nvSpPr>
+        <p:spPr/>
+        <p:txBody>
+          <a:bodyPr/>
+          <a:lstStyle/>
+          <a:p>
+            <a:r>
+              <a:rPr lang="en-US" altLang="en-US"/>
+              <a:t>Intersection of rectangles</a:t>
+            </a:r>
+            <a:endParaRPr lang="en-US" dirty="0"/>
+          </a:p>
+        </p:txBody>
+      </p:sp>
+    </p:spTree>
+    <p:extLst>
+      <p:ext uri="{BB962C8B-B14F-4D97-AF65-F5344CB8AC3E}">
+        <p14:creationId xmlns:p14="http://schemas.microsoft.com/office/powerpoint/2010/main" val="322521"/>
+      </p:ext>
+    </p:extLst>
+  </p:cSld>
+  <p:clrMapOvr>
+    <a:masterClrMapping/>
+  </p:clrMapOvr>
+  <p:transition/>
+</p:sld>
+</file>
+
+<file path=ppt/slides/slide28.xml><?xml version="1.0" encoding="utf-8"?>
+<p:sld xmlns:a="http://schemas.openxmlformats.org/drawingml/2006/main" xmlns:r="http://schemas.openxmlformats.org/officeDocument/2006/relationships" xmlns:p="http://schemas.openxmlformats.org/presentationml/2006/main">
+  <p:cSld>
+    <p:spTree>
+      <p:nvGrpSpPr>
+        <p:cNvPr id="1" name=""/>
+        <p:cNvGrpSpPr/>
+        <p:nvPr/>
+      </p:nvGrpSpPr>
+      <p:grpSpPr>
+        <a:xfrm>
+          <a:off x="0" y="0"/>
+          <a:ext cx="0" cy="0"/>
+          <a:chOff x="0" y="0"/>
+          <a:chExt cx="0" cy="0"/>
+        </a:xfrm>
+      </p:grpSpPr>
+      <p:sp>
+        <p:nvSpPr>
           <p:cNvPr id="2" name="Content Placeholder 1">
             <a:extLst>
               <a:ext uri="{FF2B5EF4-FFF2-40B4-BE49-F238E27FC236}">
@@ -29288,7 +30129,7 @@
 </p:sld>
 </file>
 
-<file path=ppt/slides/slide27.xml><?xml version="1.0" encoding="utf-8"?>
+<file path=ppt/slides/slide29.xml><?xml version="1.0" encoding="utf-8"?>
 <p:sld xmlns:a="http://schemas.openxmlformats.org/drawingml/2006/main" xmlns:r="http://schemas.openxmlformats.org/officeDocument/2006/relationships" xmlns:p="http://schemas.openxmlformats.org/presentationml/2006/main">
   <p:cSld>
     <p:spTree>
@@ -31130,7 +31971,7 @@
 </p:sld>
 </file>
 
-<file path=ppt/slides/slide28.xml><?xml version="1.0" encoding="utf-8"?>
+<file path=ppt/slides/slide3.xml><?xml version="1.0" encoding="utf-8"?>
 <p:sld xmlns:a="http://schemas.openxmlformats.org/drawingml/2006/main" xmlns:r="http://schemas.openxmlformats.org/officeDocument/2006/relationships" xmlns:p="http://schemas.openxmlformats.org/presentationml/2006/main">
   <p:cSld>
     <p:spTree>
@@ -31149,10 +31990,126 @@
       </p:grpSpPr>
       <p:sp>
         <p:nvSpPr>
-          <p:cNvPr id="5" name="Content Placeholder 4">
+          <p:cNvPr id="13" name="Freeform 12">
             <a:extLst>
               <a:ext uri="{FF2B5EF4-FFF2-40B4-BE49-F238E27FC236}">
-                <a16:creationId xmlns:a16="http://schemas.microsoft.com/office/drawing/2014/main" id="{C72E2128-D59A-7845-863D-61EDAC6FB83A}"/>
+                <a16:creationId xmlns:a16="http://schemas.microsoft.com/office/drawing/2014/main" id="{359791F4-C518-4145-940F-01645818C75C}"/>
+              </a:ext>
+            </a:extLst>
+          </p:cNvPr>
+          <p:cNvSpPr/>
+          <p:nvPr/>
+        </p:nvSpPr>
+        <p:spPr>
+          <a:xfrm>
+            <a:off x="3059833" y="1570383"/>
+            <a:ext cx="5246383" cy="2505322"/>
+          </a:xfrm>
+          <a:custGeom>
+            <a:avLst/>
+            <a:gdLst>
+              <a:gd name="connsiteX0" fmla="*/ 0 w 5115755"/>
+              <a:gd name="connsiteY0" fmla="*/ 2872408 h 2872408"/>
+              <a:gd name="connsiteX1" fmla="*/ 2345635 w 5115755"/>
+              <a:gd name="connsiteY1" fmla="*/ 2435087 h 2872408"/>
+              <a:gd name="connsiteX2" fmla="*/ 2266122 w 5115755"/>
+              <a:gd name="connsiteY2" fmla="*/ 934278 h 2872408"/>
+              <a:gd name="connsiteX3" fmla="*/ 4830417 w 5115755"/>
+              <a:gd name="connsiteY3" fmla="*/ 874643 h 2872408"/>
+              <a:gd name="connsiteX4" fmla="*/ 4939748 w 5115755"/>
+              <a:gd name="connsiteY4" fmla="*/ 0 h 2872408"/>
+              <a:gd name="connsiteX0" fmla="*/ 0 w 5246383"/>
+              <a:gd name="connsiteY0" fmla="*/ 2310705 h 2505322"/>
+              <a:gd name="connsiteX1" fmla="*/ 2476263 w 5246383"/>
+              <a:gd name="connsiteY1" fmla="*/ 2435087 h 2505322"/>
+              <a:gd name="connsiteX2" fmla="*/ 2396750 w 5246383"/>
+              <a:gd name="connsiteY2" fmla="*/ 934278 h 2505322"/>
+              <a:gd name="connsiteX3" fmla="*/ 4961045 w 5246383"/>
+              <a:gd name="connsiteY3" fmla="*/ 874643 h 2505322"/>
+              <a:gd name="connsiteX4" fmla="*/ 5070376 w 5246383"/>
+              <a:gd name="connsiteY4" fmla="*/ 0 h 2505322"/>
+            </a:gdLst>
+            <a:ahLst/>
+            <a:cxnLst>
+              <a:cxn ang="0">
+                <a:pos x="connsiteX0" y="connsiteY0"/>
+              </a:cxn>
+              <a:cxn ang="0">
+                <a:pos x="connsiteX1" y="connsiteY1"/>
+              </a:cxn>
+              <a:cxn ang="0">
+                <a:pos x="connsiteX2" y="connsiteY2"/>
+              </a:cxn>
+              <a:cxn ang="0">
+                <a:pos x="connsiteX3" y="connsiteY3"/>
+              </a:cxn>
+              <a:cxn ang="0">
+                <a:pos x="connsiteX4" y="connsiteY4"/>
+              </a:cxn>
+            </a:cxnLst>
+            <a:rect l="l" t="t" r="r" b="b"/>
+            <a:pathLst>
+              <a:path w="5246383" h="2505322">
+                <a:moveTo>
+                  <a:pt x="0" y="2310705"/>
+                </a:moveTo>
+                <a:cubicBezTo>
+                  <a:pt x="983974" y="2253555"/>
+                  <a:pt x="2076805" y="2664491"/>
+                  <a:pt x="2476263" y="2435087"/>
+                </a:cubicBezTo>
+                <a:cubicBezTo>
+                  <a:pt x="2875721" y="2205683"/>
+                  <a:pt x="1982620" y="1194352"/>
+                  <a:pt x="2396750" y="934278"/>
+                </a:cubicBezTo>
+                <a:cubicBezTo>
+                  <a:pt x="2810880" y="674204"/>
+                  <a:pt x="4515441" y="1030356"/>
+                  <a:pt x="4961045" y="874643"/>
+                </a:cubicBezTo>
+                <a:cubicBezTo>
+                  <a:pt x="5406649" y="718930"/>
+                  <a:pt x="5238512" y="359465"/>
+                  <a:pt x="5070376" y="0"/>
+                </a:cubicBezTo>
+              </a:path>
+            </a:pathLst>
+          </a:custGeom>
+          <a:noFill/>
+          <a:ln w="50800"/>
+        </p:spPr>
+        <p:style>
+          <a:lnRef idx="2">
+            <a:schemeClr val="accent1">
+              <a:shade val="50000"/>
+            </a:schemeClr>
+          </a:lnRef>
+          <a:fillRef idx="1">
+            <a:schemeClr val="accent1"/>
+          </a:fillRef>
+          <a:effectRef idx="0">
+            <a:schemeClr val="accent1"/>
+          </a:effectRef>
+          <a:fontRef idx="minor">
+            <a:schemeClr val="lt1"/>
+          </a:fontRef>
+        </p:style>
+        <p:txBody>
+          <a:bodyPr rtlCol="0" anchor="ctr"/>
+          <a:lstStyle/>
+          <a:p>
+            <a:pPr algn="ctr"/>
+            <a:endParaRPr lang="en-US"/>
+          </a:p>
+        </p:txBody>
+      </p:sp>
+      <p:sp>
+        <p:nvSpPr>
+          <p:cNvPr id="4" name="Content Placeholder 3">
+            <a:extLst>
+              <a:ext uri="{FF2B5EF4-FFF2-40B4-BE49-F238E27FC236}">
+                <a16:creationId xmlns:a16="http://schemas.microsoft.com/office/drawing/2014/main" id="{0EC4A203-59D4-5F44-B2E1-81AFC81CFBAD}"/>
               </a:ext>
             </a:extLst>
           </p:cNvPr>
@@ -31163,91 +32120,24 @@
             <p:ph sz="half" idx="1"/>
           </p:nvPr>
         </p:nvSpPr>
-        <p:spPr>
-          <a:xfrm>
-            <a:off x="511480" y="1898054"/>
-            <a:ext cx="5562599" cy="4052492"/>
-          </a:xfrm>
-        </p:spPr>
+        <p:spPr/>
         <p:txBody>
-          <a:bodyPr>
-            <a:normAutofit fontScale="62500" lnSpcReduction="20000"/>
-          </a:bodyPr>
+          <a:bodyPr/>
           <a:lstStyle/>
           <a:p>
-            <a:pPr marL="0" indent="0">
-              <a:buNone/>
-            </a:pPr>
             <a:r>
-              <a:rPr lang="en-US" altLang="en-US" dirty="0"/>
-              <a:t>Algorithm using interval trees</a:t>
-            </a:r>
-          </a:p>
-          <a:p>
-            <a:pPr marL="0" indent="0">
-              <a:buNone/>
-            </a:pPr>
-            <a:endParaRPr lang="en-US" altLang="en-US" dirty="0"/>
-          </a:p>
-          <a:p>
-            <a:r>
-              <a:rPr lang="en-US" altLang="en-US" dirty="0"/>
-              <a:t>Plane sweep algorithm, vertical (top-to-bottom) sweep Event points are Beginning and end of rectangle intervals</a:t>
-            </a:r>
-          </a:p>
-          <a:p>
-            <a:r>
-              <a:rPr lang="en-US" altLang="en-US" dirty="0"/>
-              <a:t>At the starting interval:</a:t>
-            </a:r>
-          </a:p>
-          <a:p>
-            <a:r>
-              <a:rPr lang="en-US" altLang="en-US" dirty="0"/>
-              <a:t>	Compare rectangle x-interval to 			active set for overlap.</a:t>
-            </a:r>
-          </a:p>
-          <a:p>
-            <a:r>
-              <a:rPr lang="en-US" altLang="en-US" dirty="0"/>
-              <a:t>	Add rectangle x-interval to active 		set.</a:t>
-            </a:r>
-          </a:p>
-          <a:p>
-            <a:r>
-              <a:rPr lang="en-US" altLang="en-US" dirty="0"/>
-              <a:t>At the ending interval:</a:t>
-            </a:r>
-          </a:p>
-          <a:p>
-            <a:r>
-              <a:rPr lang="en-US" altLang="en-US" dirty="0"/>
-              <a:t>	Remove rectangle X-interval from active set.</a:t>
-            </a:r>
-          </a:p>
-          <a:p>
-            <a:pPr marL="0" indent="0">
-              <a:buNone/>
-            </a:pPr>
-            <a:endParaRPr lang="en-US" altLang="en-US" dirty="0"/>
-          </a:p>
-          <a:p>
-            <a:pPr marL="0" indent="0">
-              <a:buNone/>
-            </a:pPr>
-            <a:r>
-              <a:rPr lang="en-US" altLang="en-US" dirty="0"/>
-              <a:t>Active set maintained in interval tree.</a:t>
+              <a:rPr lang="en-US" dirty="0"/>
+              <a:t>Problem Statement</a:t>
             </a:r>
           </a:p>
         </p:txBody>
       </p:sp>
       <p:sp>
         <p:nvSpPr>
-          <p:cNvPr id="7" name="Content Placeholder 6">
+          <p:cNvPr id="9" name="Content Placeholder 8">
             <a:extLst>
               <a:ext uri="{FF2B5EF4-FFF2-40B4-BE49-F238E27FC236}">
-                <a16:creationId xmlns:a16="http://schemas.microsoft.com/office/drawing/2014/main" id="{175EDE22-3773-074A-9CE1-8A7464A4A9CE}"/>
+                <a16:creationId xmlns:a16="http://schemas.microsoft.com/office/drawing/2014/main" id="{65A51134-A319-4F43-83E5-C03E94299715}"/>
               </a:ext>
             </a:extLst>
           </p:cNvPr>
@@ -31255,7 +32145,7 @@
             <a:spLocks noGrp="1"/>
           </p:cNvSpPr>
           <p:nvPr>
-            <p:ph sz="half" idx="11"/>
+            <p:ph sz="half" idx="10"/>
           </p:nvPr>
         </p:nvSpPr>
         <p:spPr/>
@@ -31263,20 +32153,16 @@
           <a:bodyPr/>
           <a:lstStyle/>
           <a:p>
-            <a:r>
-              <a:rPr lang="en-US" altLang="en-US"/>
-              <a:t>Intersection of rectangles</a:t>
-            </a:r>
-            <a:endParaRPr lang="en-US" dirty="0"/>
+            <a:endParaRPr lang="en-US"/>
           </a:p>
         </p:txBody>
       </p:sp>
       <p:sp>
         <p:nvSpPr>
-          <p:cNvPr id="29" name="Rectangle 28">
+          <p:cNvPr id="5" name="Freeform 4">
             <a:extLst>
               <a:ext uri="{FF2B5EF4-FFF2-40B4-BE49-F238E27FC236}">
-                <a16:creationId xmlns:a16="http://schemas.microsoft.com/office/drawing/2014/main" id="{0E0F838E-608A-5D49-86E4-A6C417CF657D}"/>
+                <a16:creationId xmlns:a16="http://schemas.microsoft.com/office/drawing/2014/main" id="{FBAD7DDC-AAD3-6040-A89C-434A0B55E8C0}"/>
               </a:ext>
             </a:extLst>
           </p:cNvPr>
@@ -31285,18 +32171,314 @@
         </p:nvSpPr>
         <p:spPr>
           <a:xfrm>
-            <a:off x="6096000" y="2133600"/>
-            <a:ext cx="3048000" cy="1143000"/>
+            <a:off x="3796748" y="1928191"/>
+            <a:ext cx="2713382" cy="3707296"/>
           </a:xfrm>
-          <a:prstGeom prst="rect">
+          <a:custGeom>
+            <a:avLst/>
+            <a:gdLst>
+              <a:gd name="connsiteX0" fmla="*/ 0 w 2713382"/>
+              <a:gd name="connsiteY0" fmla="*/ 0 h 3707296"/>
+              <a:gd name="connsiteX1" fmla="*/ 1013791 w 2713382"/>
+              <a:gd name="connsiteY1" fmla="*/ 1103244 h 3707296"/>
+              <a:gd name="connsiteX2" fmla="*/ 646043 w 2713382"/>
+              <a:gd name="connsiteY2" fmla="*/ 2524539 h 3707296"/>
+              <a:gd name="connsiteX3" fmla="*/ 2713382 w 2713382"/>
+              <a:gd name="connsiteY3" fmla="*/ 3707296 h 3707296"/>
+            </a:gdLst>
+            <a:ahLst/>
+            <a:cxnLst>
+              <a:cxn ang="0">
+                <a:pos x="connsiteX0" y="connsiteY0"/>
+              </a:cxn>
+              <a:cxn ang="0">
+                <a:pos x="connsiteX1" y="connsiteY1"/>
+              </a:cxn>
+              <a:cxn ang="0">
+                <a:pos x="connsiteX2" y="connsiteY2"/>
+              </a:cxn>
+              <a:cxn ang="0">
+                <a:pos x="connsiteX3" y="connsiteY3"/>
+              </a:cxn>
+            </a:cxnLst>
+            <a:rect l="l" t="t" r="r" b="b"/>
+            <a:pathLst>
+              <a:path w="2713382" h="3707296">
+                <a:moveTo>
+                  <a:pt x="0" y="0"/>
+                </a:moveTo>
+                <a:cubicBezTo>
+                  <a:pt x="453058" y="341244"/>
+                  <a:pt x="906117" y="682488"/>
+                  <a:pt x="1013791" y="1103244"/>
+                </a:cubicBezTo>
+                <a:cubicBezTo>
+                  <a:pt x="1121465" y="1524000"/>
+                  <a:pt x="362778" y="2090530"/>
+                  <a:pt x="646043" y="2524539"/>
+                </a:cubicBezTo>
+                <a:cubicBezTo>
+                  <a:pt x="929308" y="2958548"/>
+                  <a:pt x="2312504" y="3496918"/>
+                  <a:pt x="2713382" y="3707296"/>
+                </a:cubicBezTo>
+              </a:path>
+            </a:pathLst>
+          </a:custGeom>
+          <a:noFill/>
+          <a:ln w="50800"/>
+        </p:spPr>
+        <p:style>
+          <a:lnRef idx="2">
+            <a:schemeClr val="accent1">
+              <a:shade val="50000"/>
+            </a:schemeClr>
+          </a:lnRef>
+          <a:fillRef idx="1">
+            <a:schemeClr val="accent1"/>
+          </a:fillRef>
+          <a:effectRef idx="0">
+            <a:schemeClr val="accent1"/>
+          </a:effectRef>
+          <a:fontRef idx="minor">
+            <a:schemeClr val="lt1"/>
+          </a:fontRef>
+        </p:style>
+        <p:txBody>
+          <a:bodyPr rtlCol="0" anchor="ctr"/>
+          <a:lstStyle/>
+          <a:p>
+            <a:pPr algn="ctr"/>
+            <a:endParaRPr lang="en-US"/>
+          </a:p>
+        </p:txBody>
+      </p:sp>
+      <p:sp>
+        <p:nvSpPr>
+          <p:cNvPr id="6" name="Freeform 5">
+            <a:extLst>
+              <a:ext uri="{FF2B5EF4-FFF2-40B4-BE49-F238E27FC236}">
+                <a16:creationId xmlns:a16="http://schemas.microsoft.com/office/drawing/2014/main" id="{D94F34BA-6E59-5B48-B6B5-CBABA0572F09}"/>
+              </a:ext>
+            </a:extLst>
+          </p:cNvPr>
+          <p:cNvSpPr/>
+          <p:nvPr/>
+        </p:nvSpPr>
+        <p:spPr>
+          <a:xfrm>
+            <a:off x="3220278" y="2464904"/>
+            <a:ext cx="5575852" cy="2842592"/>
+          </a:xfrm>
+          <a:custGeom>
+            <a:avLst/>
+            <a:gdLst>
+              <a:gd name="connsiteX0" fmla="*/ 0 w 5575852"/>
+              <a:gd name="connsiteY0" fmla="*/ 2842592 h 2842592"/>
+              <a:gd name="connsiteX1" fmla="*/ 1580322 w 5575852"/>
+              <a:gd name="connsiteY1" fmla="*/ 1938131 h 2842592"/>
+              <a:gd name="connsiteX2" fmla="*/ 4244009 w 5575852"/>
+              <a:gd name="connsiteY2" fmla="*/ 2534479 h 2842592"/>
+              <a:gd name="connsiteX3" fmla="*/ 5575852 w 5575852"/>
+              <a:gd name="connsiteY3" fmla="*/ 0 h 2842592"/>
+            </a:gdLst>
+            <a:ahLst/>
+            <a:cxnLst>
+              <a:cxn ang="0">
+                <a:pos x="connsiteX0" y="connsiteY0"/>
+              </a:cxn>
+              <a:cxn ang="0">
+                <a:pos x="connsiteX1" y="connsiteY1"/>
+              </a:cxn>
+              <a:cxn ang="0">
+                <a:pos x="connsiteX2" y="connsiteY2"/>
+              </a:cxn>
+              <a:cxn ang="0">
+                <a:pos x="connsiteX3" y="connsiteY3"/>
+              </a:cxn>
+            </a:cxnLst>
+            <a:rect l="l" t="t" r="r" b="b"/>
+            <a:pathLst>
+              <a:path w="5575852" h="2842592">
+                <a:moveTo>
+                  <a:pt x="0" y="2842592"/>
+                </a:moveTo>
+                <a:cubicBezTo>
+                  <a:pt x="436493" y="2416037"/>
+                  <a:pt x="872987" y="1989483"/>
+                  <a:pt x="1580322" y="1938131"/>
+                </a:cubicBezTo>
+                <a:cubicBezTo>
+                  <a:pt x="2287657" y="1886779"/>
+                  <a:pt x="3578087" y="2857501"/>
+                  <a:pt x="4244009" y="2534479"/>
+                </a:cubicBezTo>
+                <a:cubicBezTo>
+                  <a:pt x="4909931" y="2211457"/>
+                  <a:pt x="5242891" y="1105728"/>
+                  <a:pt x="5575852" y="0"/>
+                </a:cubicBezTo>
+              </a:path>
+            </a:pathLst>
+          </a:custGeom>
+          <a:noFill/>
+          <a:ln w="50800"/>
+        </p:spPr>
+        <p:style>
+          <a:lnRef idx="2">
+            <a:schemeClr val="accent1">
+              <a:shade val="50000"/>
+            </a:schemeClr>
+          </a:lnRef>
+          <a:fillRef idx="1">
+            <a:schemeClr val="accent1"/>
+          </a:fillRef>
+          <a:effectRef idx="0">
+            <a:schemeClr val="accent1"/>
+          </a:effectRef>
+          <a:fontRef idx="minor">
+            <a:schemeClr val="lt1"/>
+          </a:fontRef>
+        </p:style>
+        <p:txBody>
+          <a:bodyPr rtlCol="0" anchor="ctr"/>
+          <a:lstStyle/>
+          <a:p>
+            <a:pPr algn="ctr"/>
+            <a:endParaRPr lang="en-US"/>
+          </a:p>
+        </p:txBody>
+      </p:sp>
+      <p:sp>
+        <p:nvSpPr>
+          <p:cNvPr id="7" name="Freeform 6">
+            <a:extLst>
+              <a:ext uri="{FF2B5EF4-FFF2-40B4-BE49-F238E27FC236}">
+                <a16:creationId xmlns:a16="http://schemas.microsoft.com/office/drawing/2014/main" id="{A5D66133-486F-A04C-8974-3E0FF23E5046}"/>
+              </a:ext>
+            </a:extLst>
+          </p:cNvPr>
+          <p:cNvSpPr/>
+          <p:nvPr/>
+        </p:nvSpPr>
+        <p:spPr>
+          <a:xfrm>
+            <a:off x="5915815" y="1967948"/>
+            <a:ext cx="2592081" cy="3299791"/>
+          </a:xfrm>
+          <a:custGeom>
+            <a:avLst/>
+            <a:gdLst>
+              <a:gd name="connsiteX0" fmla="*/ 2592081 w 2592081"/>
+              <a:gd name="connsiteY0" fmla="*/ 3299791 h 3299791"/>
+              <a:gd name="connsiteX1" fmla="*/ 832855 w 2592081"/>
+              <a:gd name="connsiteY1" fmla="*/ 2405269 h 3299791"/>
+              <a:gd name="connsiteX2" fmla="*/ 1498776 w 2592081"/>
+              <a:gd name="connsiteY2" fmla="*/ 815009 h 3299791"/>
+              <a:gd name="connsiteX3" fmla="*/ 37724 w 2592081"/>
+              <a:gd name="connsiteY3" fmla="*/ 1103243 h 3299791"/>
+              <a:gd name="connsiteX4" fmla="*/ 574437 w 2592081"/>
+              <a:gd name="connsiteY4" fmla="*/ 0 h 3299791"/>
+            </a:gdLst>
+            <a:ahLst/>
+            <a:cxnLst>
+              <a:cxn ang="0">
+                <a:pos x="connsiteX0" y="connsiteY0"/>
+              </a:cxn>
+              <a:cxn ang="0">
+                <a:pos x="connsiteX1" y="connsiteY1"/>
+              </a:cxn>
+              <a:cxn ang="0">
+                <a:pos x="connsiteX2" y="connsiteY2"/>
+              </a:cxn>
+              <a:cxn ang="0">
+                <a:pos x="connsiteX3" y="connsiteY3"/>
+              </a:cxn>
+              <a:cxn ang="0">
+                <a:pos x="connsiteX4" y="connsiteY4"/>
+              </a:cxn>
+            </a:cxnLst>
+            <a:rect l="l" t="t" r="r" b="b"/>
+            <a:pathLst>
+              <a:path w="2592081" h="3299791">
+                <a:moveTo>
+                  <a:pt x="2592081" y="3299791"/>
+                </a:moveTo>
+                <a:cubicBezTo>
+                  <a:pt x="1803576" y="3059595"/>
+                  <a:pt x="1015072" y="2819399"/>
+                  <a:pt x="832855" y="2405269"/>
+                </a:cubicBezTo>
+                <a:cubicBezTo>
+                  <a:pt x="650638" y="1991139"/>
+                  <a:pt x="1631298" y="1032013"/>
+                  <a:pt x="1498776" y="815009"/>
+                </a:cubicBezTo>
+                <a:cubicBezTo>
+                  <a:pt x="1366254" y="598005"/>
+                  <a:pt x="191780" y="1239078"/>
+                  <a:pt x="37724" y="1103243"/>
+                </a:cubicBezTo>
+                <a:cubicBezTo>
+                  <a:pt x="-116332" y="967408"/>
+                  <a:pt x="229052" y="483704"/>
+                  <a:pt x="574437" y="0"/>
+                </a:cubicBezTo>
+              </a:path>
+            </a:pathLst>
+          </a:custGeom>
+          <a:noFill/>
+          <a:ln w="50800"/>
+        </p:spPr>
+        <p:style>
+          <a:lnRef idx="2">
+            <a:schemeClr val="accent1">
+              <a:shade val="50000"/>
+            </a:schemeClr>
+          </a:lnRef>
+          <a:fillRef idx="1">
+            <a:schemeClr val="accent1"/>
+          </a:fillRef>
+          <a:effectRef idx="0">
+            <a:schemeClr val="accent1"/>
+          </a:effectRef>
+          <a:fontRef idx="minor">
+            <a:schemeClr val="lt1"/>
+          </a:fontRef>
+        </p:style>
+        <p:txBody>
+          <a:bodyPr rtlCol="0" anchor="ctr"/>
+          <a:lstStyle/>
+          <a:p>
+            <a:pPr algn="ctr"/>
+            <a:endParaRPr lang="en-US"/>
+          </a:p>
+        </p:txBody>
+      </p:sp>
+      <p:sp>
+        <p:nvSpPr>
+          <p:cNvPr id="2" name="Oval 1">
+            <a:extLst>
+              <a:ext uri="{FF2B5EF4-FFF2-40B4-BE49-F238E27FC236}">
+                <a16:creationId xmlns:a16="http://schemas.microsoft.com/office/drawing/2014/main" id="{45A88C0E-5DAA-2347-9251-52151892813B}"/>
+              </a:ext>
+            </a:extLst>
+          </p:cNvPr>
+          <p:cNvSpPr/>
+          <p:nvPr/>
+        </p:nvSpPr>
+        <p:spPr>
+          <a:xfrm>
+            <a:off x="6096000" y="2286000"/>
+            <a:ext cx="182880" cy="182880"/>
+          </a:xfrm>
+          <a:prstGeom prst="ellipse">
             <a:avLst/>
           </a:prstGeom>
           <a:solidFill>
-            <a:schemeClr val="tx1">
-              <a:alpha val="15000"/>
-            </a:schemeClr>
+            <a:schemeClr val="accent2"/>
           </a:solidFill>
-          <a:ln w="25400">
+          <a:ln>
             <a:solidFill>
               <a:schemeClr val="tx1"/>
             </a:solidFill>
@@ -31329,10 +32511,10 @@
       </p:sp>
       <p:sp>
         <p:nvSpPr>
-          <p:cNvPr id="30" name="Rectangle 29">
+          <p:cNvPr id="10" name="Oval 9">
             <a:extLst>
               <a:ext uri="{FF2B5EF4-FFF2-40B4-BE49-F238E27FC236}">
-                <a16:creationId xmlns:a16="http://schemas.microsoft.com/office/drawing/2014/main" id="{5F6B09F7-15E4-144E-BEFA-0D1279519DC4}"/>
+                <a16:creationId xmlns:a16="http://schemas.microsoft.com/office/drawing/2014/main" id="{46F43CD9-A611-D64D-B7D2-CD4E2CAD5658}"/>
               </a:ext>
             </a:extLst>
           </p:cNvPr>
@@ -31341,18 +32523,16 @@
         </p:nvSpPr>
         <p:spPr>
           <a:xfrm>
-            <a:off x="6934200" y="1981200"/>
-            <a:ext cx="1600200" cy="1371600"/>
+            <a:off x="7470250" y="4849065"/>
+            <a:ext cx="182880" cy="182880"/>
           </a:xfrm>
-          <a:prstGeom prst="rect">
+          <a:prstGeom prst="ellipse">
             <a:avLst/>
           </a:prstGeom>
           <a:solidFill>
-            <a:schemeClr val="tx1">
-              <a:alpha val="15000"/>
-            </a:schemeClr>
+            <a:schemeClr val="accent2"/>
           </a:solidFill>
-          <a:ln w="25400">
+          <a:ln>
             <a:solidFill>
               <a:schemeClr val="tx1"/>
             </a:solidFill>
@@ -31385,10 +32565,10 @@
       </p:sp>
       <p:sp>
         <p:nvSpPr>
-          <p:cNvPr id="31" name="Rectangle 30">
+          <p:cNvPr id="11" name="Oval 10">
             <a:extLst>
               <a:ext uri="{FF2B5EF4-FFF2-40B4-BE49-F238E27FC236}">
-                <a16:creationId xmlns:a16="http://schemas.microsoft.com/office/drawing/2014/main" id="{F22D4113-F7D8-2140-8D42-F3D74C0211BC}"/>
+                <a16:creationId xmlns:a16="http://schemas.microsoft.com/office/drawing/2014/main" id="{40EAACE5-38DE-8A41-958C-3EB6FD7AD73B}"/>
               </a:ext>
             </a:extLst>
           </p:cNvPr>
@@ -31397,18 +32577,16 @@
         </p:nvSpPr>
         <p:spPr>
           <a:xfrm>
-            <a:off x="7696200" y="3581400"/>
-            <a:ext cx="2819400" cy="2209800"/>
+            <a:off x="4312920" y="3886200"/>
+            <a:ext cx="182880" cy="182880"/>
           </a:xfrm>
-          <a:prstGeom prst="rect">
+          <a:prstGeom prst="ellipse">
             <a:avLst/>
           </a:prstGeom>
           <a:solidFill>
-            <a:schemeClr val="tx1">
-              <a:alpha val="15000"/>
-            </a:schemeClr>
+            <a:schemeClr val="accent2"/>
           </a:solidFill>
-          <a:ln w="25400">
+          <a:ln>
             <a:solidFill>
               <a:schemeClr val="tx1"/>
             </a:solidFill>
@@ -31441,10 +32619,10 @@
       </p:sp>
       <p:sp>
         <p:nvSpPr>
-          <p:cNvPr id="32" name="Rectangle 31">
+          <p:cNvPr id="12" name="Oval 11">
             <a:extLst>
               <a:ext uri="{FF2B5EF4-FFF2-40B4-BE49-F238E27FC236}">
-                <a16:creationId xmlns:a16="http://schemas.microsoft.com/office/drawing/2014/main" id="{B0707C6B-BABD-0840-8335-012547A22304}"/>
+                <a16:creationId xmlns:a16="http://schemas.microsoft.com/office/drawing/2014/main" id="{D5185CCB-5683-2644-A24C-D11F1B547DDC}"/>
               </a:ext>
             </a:extLst>
           </p:cNvPr>
@@ -31453,18 +32631,16 @@
         </p:nvSpPr>
         <p:spPr>
           <a:xfrm>
-            <a:off x="10363200" y="2819400"/>
-            <a:ext cx="1524000" cy="2286000"/>
+            <a:off x="4321438" y="4372412"/>
+            <a:ext cx="182880" cy="182880"/>
           </a:xfrm>
-          <a:prstGeom prst="rect">
+          <a:prstGeom prst="ellipse">
             <a:avLst/>
           </a:prstGeom>
           <a:solidFill>
-            <a:schemeClr val="tx1">
-              <a:alpha val="15000"/>
-            </a:schemeClr>
+            <a:schemeClr val="accent2"/>
           </a:solidFill>
-          <a:ln w="25400">
+          <a:ln>
             <a:solidFill>
               <a:schemeClr val="tx1"/>
             </a:solidFill>
@@ -31497,10 +32673,10 @@
       </p:sp>
       <p:sp>
         <p:nvSpPr>
-          <p:cNvPr id="33" name="Rectangle 32">
+          <p:cNvPr id="3" name="Freeform 2">
             <a:extLst>
               <a:ext uri="{FF2B5EF4-FFF2-40B4-BE49-F238E27FC236}">
-                <a16:creationId xmlns:a16="http://schemas.microsoft.com/office/drawing/2014/main" id="{A3D0FC53-83F6-FD48-80F8-A5E295493E25}"/>
+                <a16:creationId xmlns:a16="http://schemas.microsoft.com/office/drawing/2014/main" id="{C66D3373-ACA9-6B4D-BC27-009D4712C0F9}"/>
               </a:ext>
             </a:extLst>
           </p:cNvPr>
@@ -31509,18 +32685,102 @@
         </p:nvSpPr>
         <p:spPr>
           <a:xfrm>
-            <a:off x="9372600" y="3276600"/>
-            <a:ext cx="2667000" cy="1295400"/>
+            <a:off x="6335214" y="1763486"/>
+            <a:ext cx="2638969" cy="2690948"/>
           </a:xfrm>
-          <a:prstGeom prst="rect">
+          <a:custGeom>
+            <a:avLst/>
+            <a:gdLst>
+              <a:gd name="connsiteX0" fmla="*/ 1019175 w 2638969"/>
+              <a:gd name="connsiteY0" fmla="*/ 0 h 2690948"/>
+              <a:gd name="connsiteX1" fmla="*/ 65586 w 2638969"/>
+              <a:gd name="connsiteY1" fmla="*/ 1698171 h 2690948"/>
+              <a:gd name="connsiteX2" fmla="*/ 2638969 w 2638969"/>
+              <a:gd name="connsiteY2" fmla="*/ 2690948 h 2690948"/>
+            </a:gdLst>
+            <a:ahLst/>
+            <a:cxnLst>
+              <a:cxn ang="0">
+                <a:pos x="connsiteX0" y="connsiteY0"/>
+              </a:cxn>
+              <a:cxn ang="0">
+                <a:pos x="connsiteX1" y="connsiteY1"/>
+              </a:cxn>
+              <a:cxn ang="0">
+                <a:pos x="connsiteX2" y="connsiteY2"/>
+              </a:cxn>
+            </a:cxnLst>
+            <a:rect l="l" t="t" r="r" b="b"/>
+            <a:pathLst>
+              <a:path w="2638969" h="2690948">
+                <a:moveTo>
+                  <a:pt x="1019175" y="0"/>
+                </a:moveTo>
+                <a:cubicBezTo>
+                  <a:pt x="407397" y="624840"/>
+                  <a:pt x="-204380" y="1249680"/>
+                  <a:pt x="65586" y="1698171"/>
+                </a:cubicBezTo>
+                <a:cubicBezTo>
+                  <a:pt x="335552" y="2146662"/>
+                  <a:pt x="1487260" y="2418805"/>
+                  <a:pt x="2638969" y="2690948"/>
+                </a:cubicBezTo>
+              </a:path>
+            </a:pathLst>
+          </a:custGeom>
+          <a:noFill/>
+          <a:ln w="50800"/>
+        </p:spPr>
+        <p:style>
+          <a:lnRef idx="2">
+            <a:schemeClr val="accent1">
+              <a:shade val="50000"/>
+            </a:schemeClr>
+          </a:lnRef>
+          <a:fillRef idx="1">
+            <a:schemeClr val="accent1"/>
+          </a:fillRef>
+          <a:effectRef idx="0">
+            <a:schemeClr val="accent1"/>
+          </a:effectRef>
+          <a:fontRef idx="minor">
+            <a:schemeClr val="lt1"/>
+          </a:fontRef>
+        </p:style>
+        <p:txBody>
+          <a:bodyPr rtlCol="0" anchor="ctr"/>
+          <a:lstStyle/>
+          <a:p>
+            <a:pPr algn="ctr"/>
+            <a:endParaRPr lang="en-US"/>
+          </a:p>
+        </p:txBody>
+      </p:sp>
+      <p:sp>
+        <p:nvSpPr>
+          <p:cNvPr id="14" name="Oval 13">
+            <a:extLst>
+              <a:ext uri="{FF2B5EF4-FFF2-40B4-BE49-F238E27FC236}">
+                <a16:creationId xmlns:a16="http://schemas.microsoft.com/office/drawing/2014/main" id="{5B606F5E-FF9B-7E42-A9D0-AFD7319EF536}"/>
+              </a:ext>
+            </a:extLst>
+          </p:cNvPr>
+          <p:cNvSpPr/>
+          <p:nvPr/>
+        </p:nvSpPr>
+        <p:spPr>
+          <a:xfrm>
+            <a:off x="6629400" y="2344215"/>
+            <a:ext cx="182880" cy="182880"/>
+          </a:xfrm>
+          <a:prstGeom prst="ellipse">
             <a:avLst/>
           </a:prstGeom>
           <a:solidFill>
-            <a:schemeClr val="tx1">
-              <a:alpha val="15000"/>
-            </a:schemeClr>
+            <a:schemeClr val="accent2"/>
           </a:solidFill>
-          <a:ln w="25400">
+          <a:ln>
             <a:solidFill>
               <a:schemeClr val="tx1"/>
             </a:solidFill>
@@ -31551,21 +32811,182 @@
           </a:p>
         </p:txBody>
       </p:sp>
+      <p:sp>
+        <p:nvSpPr>
+          <p:cNvPr id="15" name="Oval 14">
+            <a:extLst>
+              <a:ext uri="{FF2B5EF4-FFF2-40B4-BE49-F238E27FC236}">
+                <a16:creationId xmlns:a16="http://schemas.microsoft.com/office/drawing/2014/main" id="{0CB1B8F9-03E5-4E46-8673-B4AFA64E29A0}"/>
+              </a:ext>
+            </a:extLst>
+          </p:cNvPr>
+          <p:cNvSpPr/>
+          <p:nvPr/>
+        </p:nvSpPr>
+        <p:spPr>
+          <a:xfrm>
+            <a:off x="6294120" y="2895600"/>
+            <a:ext cx="182880" cy="182880"/>
+          </a:xfrm>
+          <a:prstGeom prst="ellipse">
+            <a:avLst/>
+          </a:prstGeom>
+          <a:solidFill>
+            <a:schemeClr val="accent2"/>
+          </a:solidFill>
+          <a:ln>
+            <a:solidFill>
+              <a:schemeClr val="tx1"/>
+            </a:solidFill>
+          </a:ln>
+        </p:spPr>
+        <p:style>
+          <a:lnRef idx="2">
+            <a:schemeClr val="accent1">
+              <a:shade val="50000"/>
+            </a:schemeClr>
+          </a:lnRef>
+          <a:fillRef idx="1">
+            <a:schemeClr val="accent1"/>
+          </a:fillRef>
+          <a:effectRef idx="0">
+            <a:schemeClr val="accent1"/>
+          </a:effectRef>
+          <a:fontRef idx="minor">
+            <a:schemeClr val="lt1"/>
+          </a:fontRef>
+        </p:style>
+        <p:txBody>
+          <a:bodyPr rtlCol="0" anchor="ctr"/>
+          <a:lstStyle/>
+          <a:p>
+            <a:pPr algn="ctr"/>
+            <a:endParaRPr lang="en-US" dirty="0"/>
+          </a:p>
+        </p:txBody>
+      </p:sp>
+      <p:sp>
+        <p:nvSpPr>
+          <p:cNvPr id="16" name="Oval 15">
+            <a:extLst>
+              <a:ext uri="{FF2B5EF4-FFF2-40B4-BE49-F238E27FC236}">
+                <a16:creationId xmlns:a16="http://schemas.microsoft.com/office/drawing/2014/main" id="{EFA2CFAC-A05A-DC44-AA76-1DBEF872267F}"/>
+              </a:ext>
+            </a:extLst>
+          </p:cNvPr>
+          <p:cNvSpPr/>
+          <p:nvPr/>
+        </p:nvSpPr>
+        <p:spPr>
+          <a:xfrm>
+            <a:off x="6764032" y="3703320"/>
+            <a:ext cx="182880" cy="182880"/>
+          </a:xfrm>
+          <a:prstGeom prst="ellipse">
+            <a:avLst/>
+          </a:prstGeom>
+          <a:solidFill>
+            <a:schemeClr val="accent2"/>
+          </a:solidFill>
+          <a:ln>
+            <a:solidFill>
+              <a:schemeClr val="tx1"/>
+            </a:solidFill>
+          </a:ln>
+        </p:spPr>
+        <p:style>
+          <a:lnRef idx="2">
+            <a:schemeClr val="accent1">
+              <a:shade val="50000"/>
+            </a:schemeClr>
+          </a:lnRef>
+          <a:fillRef idx="1">
+            <a:schemeClr val="accent1"/>
+          </a:fillRef>
+          <a:effectRef idx="0">
+            <a:schemeClr val="accent1"/>
+          </a:effectRef>
+          <a:fontRef idx="minor">
+            <a:schemeClr val="lt1"/>
+          </a:fontRef>
+        </p:style>
+        <p:txBody>
+          <a:bodyPr rtlCol="0" anchor="ctr"/>
+          <a:lstStyle/>
+          <a:p>
+            <a:pPr algn="ctr"/>
+            <a:endParaRPr lang="en-US" dirty="0"/>
+          </a:p>
+        </p:txBody>
+      </p:sp>
+      <p:sp>
+        <p:nvSpPr>
+          <p:cNvPr id="17" name="Oval 16">
+            <a:extLst>
+              <a:ext uri="{FF2B5EF4-FFF2-40B4-BE49-F238E27FC236}">
+                <a16:creationId xmlns:a16="http://schemas.microsoft.com/office/drawing/2014/main" id="{F348EB15-BB71-8D44-8FFF-D7CE200E274B}"/>
+              </a:ext>
+            </a:extLst>
+          </p:cNvPr>
+          <p:cNvSpPr/>
+          <p:nvPr/>
+        </p:nvSpPr>
+        <p:spPr>
+          <a:xfrm>
+            <a:off x="8077200" y="4148260"/>
+            <a:ext cx="182880" cy="182880"/>
+          </a:xfrm>
+          <a:prstGeom prst="ellipse">
+            <a:avLst/>
+          </a:prstGeom>
+          <a:solidFill>
+            <a:schemeClr val="accent2"/>
+          </a:solidFill>
+          <a:ln>
+            <a:solidFill>
+              <a:schemeClr val="tx1"/>
+            </a:solidFill>
+          </a:ln>
+        </p:spPr>
+        <p:style>
+          <a:lnRef idx="2">
+            <a:schemeClr val="accent1">
+              <a:shade val="50000"/>
+            </a:schemeClr>
+          </a:lnRef>
+          <a:fillRef idx="1">
+            <a:schemeClr val="accent1"/>
+          </a:fillRef>
+          <a:effectRef idx="0">
+            <a:schemeClr val="accent1"/>
+          </a:effectRef>
+          <a:fontRef idx="minor">
+            <a:schemeClr val="lt1"/>
+          </a:fontRef>
+        </p:style>
+        <p:txBody>
+          <a:bodyPr rtlCol="0" anchor="ctr"/>
+          <a:lstStyle/>
+          <a:p>
+            <a:pPr algn="ctr"/>
+            <a:endParaRPr lang="en-US" dirty="0"/>
+          </a:p>
+        </p:txBody>
+      </p:sp>
     </p:spTree>
     <p:extLst>
       <p:ext uri="{BB962C8B-B14F-4D97-AF65-F5344CB8AC3E}">
-        <p14:creationId xmlns:p14="http://schemas.microsoft.com/office/powerpoint/2010/main" val="3431438941"/>
+        <p14:creationId xmlns:p14="http://schemas.microsoft.com/office/powerpoint/2010/main" val="2378279293"/>
       </p:ext>
     </p:extLst>
   </p:cSld>
   <p:clrMapOvr>
     <a:masterClrMapping/>
   </p:clrMapOvr>
-  <p:transition/>
 </p:sld>
 </file>
 
-<file path=ppt/slides/slide29.xml><?xml version="1.0" encoding="utf-8"?>
+<file path=ppt/slides/slide30.xml><?xml version="1.0" encoding="utf-8"?>
 <p:sld xmlns:a="http://schemas.openxmlformats.org/drawingml/2006/main" xmlns:r="http://schemas.openxmlformats.org/officeDocument/2006/relationships" xmlns:p="http://schemas.openxmlformats.org/presentationml/2006/main">
   <p:cSld>
     <p:spTree>
@@ -32668,1022 +34089,7 @@
 </p:sld>
 </file>
 
-<file path=ppt/slides/slide3.xml><?xml version="1.0" encoding="utf-8"?>
-<p:sld xmlns:a="http://schemas.openxmlformats.org/drawingml/2006/main" xmlns:r="http://schemas.openxmlformats.org/officeDocument/2006/relationships" xmlns:p="http://schemas.openxmlformats.org/presentationml/2006/main">
-  <p:cSld>
-    <p:spTree>
-      <p:nvGrpSpPr>
-        <p:cNvPr id="1" name=""/>
-        <p:cNvGrpSpPr/>
-        <p:nvPr/>
-      </p:nvGrpSpPr>
-      <p:grpSpPr>
-        <a:xfrm>
-          <a:off x="0" y="0"/>
-          <a:ext cx="0" cy="0"/>
-          <a:chOff x="0" y="0"/>
-          <a:chExt cx="0" cy="0"/>
-        </a:xfrm>
-      </p:grpSpPr>
-      <p:sp>
-        <p:nvSpPr>
-          <p:cNvPr id="13" name="Freeform 12">
-            <a:extLst>
-              <a:ext uri="{FF2B5EF4-FFF2-40B4-BE49-F238E27FC236}">
-                <a16:creationId xmlns:a16="http://schemas.microsoft.com/office/drawing/2014/main" id="{359791F4-C518-4145-940F-01645818C75C}"/>
-              </a:ext>
-            </a:extLst>
-          </p:cNvPr>
-          <p:cNvSpPr/>
-          <p:nvPr/>
-        </p:nvSpPr>
-        <p:spPr>
-          <a:xfrm>
-            <a:off x="3059833" y="1570383"/>
-            <a:ext cx="5246383" cy="2505322"/>
-          </a:xfrm>
-          <a:custGeom>
-            <a:avLst/>
-            <a:gdLst>
-              <a:gd name="connsiteX0" fmla="*/ 0 w 5115755"/>
-              <a:gd name="connsiteY0" fmla="*/ 2872408 h 2872408"/>
-              <a:gd name="connsiteX1" fmla="*/ 2345635 w 5115755"/>
-              <a:gd name="connsiteY1" fmla="*/ 2435087 h 2872408"/>
-              <a:gd name="connsiteX2" fmla="*/ 2266122 w 5115755"/>
-              <a:gd name="connsiteY2" fmla="*/ 934278 h 2872408"/>
-              <a:gd name="connsiteX3" fmla="*/ 4830417 w 5115755"/>
-              <a:gd name="connsiteY3" fmla="*/ 874643 h 2872408"/>
-              <a:gd name="connsiteX4" fmla="*/ 4939748 w 5115755"/>
-              <a:gd name="connsiteY4" fmla="*/ 0 h 2872408"/>
-              <a:gd name="connsiteX0" fmla="*/ 0 w 5246383"/>
-              <a:gd name="connsiteY0" fmla="*/ 2310705 h 2505322"/>
-              <a:gd name="connsiteX1" fmla="*/ 2476263 w 5246383"/>
-              <a:gd name="connsiteY1" fmla="*/ 2435087 h 2505322"/>
-              <a:gd name="connsiteX2" fmla="*/ 2396750 w 5246383"/>
-              <a:gd name="connsiteY2" fmla="*/ 934278 h 2505322"/>
-              <a:gd name="connsiteX3" fmla="*/ 4961045 w 5246383"/>
-              <a:gd name="connsiteY3" fmla="*/ 874643 h 2505322"/>
-              <a:gd name="connsiteX4" fmla="*/ 5070376 w 5246383"/>
-              <a:gd name="connsiteY4" fmla="*/ 0 h 2505322"/>
-            </a:gdLst>
-            <a:ahLst/>
-            <a:cxnLst>
-              <a:cxn ang="0">
-                <a:pos x="connsiteX0" y="connsiteY0"/>
-              </a:cxn>
-              <a:cxn ang="0">
-                <a:pos x="connsiteX1" y="connsiteY1"/>
-              </a:cxn>
-              <a:cxn ang="0">
-                <a:pos x="connsiteX2" y="connsiteY2"/>
-              </a:cxn>
-              <a:cxn ang="0">
-                <a:pos x="connsiteX3" y="connsiteY3"/>
-              </a:cxn>
-              <a:cxn ang="0">
-                <a:pos x="connsiteX4" y="connsiteY4"/>
-              </a:cxn>
-            </a:cxnLst>
-            <a:rect l="l" t="t" r="r" b="b"/>
-            <a:pathLst>
-              <a:path w="5246383" h="2505322">
-                <a:moveTo>
-                  <a:pt x="0" y="2310705"/>
-                </a:moveTo>
-                <a:cubicBezTo>
-                  <a:pt x="983974" y="2253555"/>
-                  <a:pt x="2076805" y="2664491"/>
-                  <a:pt x="2476263" y="2435087"/>
-                </a:cubicBezTo>
-                <a:cubicBezTo>
-                  <a:pt x="2875721" y="2205683"/>
-                  <a:pt x="1982620" y="1194352"/>
-                  <a:pt x="2396750" y="934278"/>
-                </a:cubicBezTo>
-                <a:cubicBezTo>
-                  <a:pt x="2810880" y="674204"/>
-                  <a:pt x="4515441" y="1030356"/>
-                  <a:pt x="4961045" y="874643"/>
-                </a:cubicBezTo>
-                <a:cubicBezTo>
-                  <a:pt x="5406649" y="718930"/>
-                  <a:pt x="5238512" y="359465"/>
-                  <a:pt x="5070376" y="0"/>
-                </a:cubicBezTo>
-              </a:path>
-            </a:pathLst>
-          </a:custGeom>
-          <a:noFill/>
-          <a:ln w="50800"/>
-        </p:spPr>
-        <p:style>
-          <a:lnRef idx="2">
-            <a:schemeClr val="accent1">
-              <a:shade val="50000"/>
-            </a:schemeClr>
-          </a:lnRef>
-          <a:fillRef idx="1">
-            <a:schemeClr val="accent1"/>
-          </a:fillRef>
-          <a:effectRef idx="0">
-            <a:schemeClr val="accent1"/>
-          </a:effectRef>
-          <a:fontRef idx="minor">
-            <a:schemeClr val="lt1"/>
-          </a:fontRef>
-        </p:style>
-        <p:txBody>
-          <a:bodyPr rtlCol="0" anchor="ctr"/>
-          <a:lstStyle/>
-          <a:p>
-            <a:pPr algn="ctr"/>
-            <a:endParaRPr lang="en-US"/>
-          </a:p>
-        </p:txBody>
-      </p:sp>
-      <p:sp>
-        <p:nvSpPr>
-          <p:cNvPr id="4" name="Content Placeholder 3">
-            <a:extLst>
-              <a:ext uri="{FF2B5EF4-FFF2-40B4-BE49-F238E27FC236}">
-                <a16:creationId xmlns:a16="http://schemas.microsoft.com/office/drawing/2014/main" id="{0EC4A203-59D4-5F44-B2E1-81AFC81CFBAD}"/>
-              </a:ext>
-            </a:extLst>
-          </p:cNvPr>
-          <p:cNvSpPr>
-            <a:spLocks noGrp="1"/>
-          </p:cNvSpPr>
-          <p:nvPr>
-            <p:ph sz="half" idx="1"/>
-          </p:nvPr>
-        </p:nvSpPr>
-        <p:spPr/>
-        <p:txBody>
-          <a:bodyPr/>
-          <a:lstStyle/>
-          <a:p>
-            <a:r>
-              <a:rPr lang="en-US" dirty="0"/>
-              <a:t>Problem Statement</a:t>
-            </a:r>
-          </a:p>
-        </p:txBody>
-      </p:sp>
-      <p:sp>
-        <p:nvSpPr>
-          <p:cNvPr id="9" name="Content Placeholder 8">
-            <a:extLst>
-              <a:ext uri="{FF2B5EF4-FFF2-40B4-BE49-F238E27FC236}">
-                <a16:creationId xmlns:a16="http://schemas.microsoft.com/office/drawing/2014/main" id="{65A51134-A319-4F43-83E5-C03E94299715}"/>
-              </a:ext>
-            </a:extLst>
-          </p:cNvPr>
-          <p:cNvSpPr>
-            <a:spLocks noGrp="1"/>
-          </p:cNvSpPr>
-          <p:nvPr>
-            <p:ph sz="half" idx="10"/>
-          </p:nvPr>
-        </p:nvSpPr>
-        <p:spPr/>
-        <p:txBody>
-          <a:bodyPr/>
-          <a:lstStyle/>
-          <a:p>
-            <a:endParaRPr lang="en-US"/>
-          </a:p>
-        </p:txBody>
-      </p:sp>
-      <p:sp>
-        <p:nvSpPr>
-          <p:cNvPr id="5" name="Freeform 4">
-            <a:extLst>
-              <a:ext uri="{FF2B5EF4-FFF2-40B4-BE49-F238E27FC236}">
-                <a16:creationId xmlns:a16="http://schemas.microsoft.com/office/drawing/2014/main" id="{FBAD7DDC-AAD3-6040-A89C-434A0B55E8C0}"/>
-              </a:ext>
-            </a:extLst>
-          </p:cNvPr>
-          <p:cNvSpPr/>
-          <p:nvPr/>
-        </p:nvSpPr>
-        <p:spPr>
-          <a:xfrm>
-            <a:off x="3796748" y="1928191"/>
-            <a:ext cx="2713382" cy="3707296"/>
-          </a:xfrm>
-          <a:custGeom>
-            <a:avLst/>
-            <a:gdLst>
-              <a:gd name="connsiteX0" fmla="*/ 0 w 2713382"/>
-              <a:gd name="connsiteY0" fmla="*/ 0 h 3707296"/>
-              <a:gd name="connsiteX1" fmla="*/ 1013791 w 2713382"/>
-              <a:gd name="connsiteY1" fmla="*/ 1103244 h 3707296"/>
-              <a:gd name="connsiteX2" fmla="*/ 646043 w 2713382"/>
-              <a:gd name="connsiteY2" fmla="*/ 2524539 h 3707296"/>
-              <a:gd name="connsiteX3" fmla="*/ 2713382 w 2713382"/>
-              <a:gd name="connsiteY3" fmla="*/ 3707296 h 3707296"/>
-            </a:gdLst>
-            <a:ahLst/>
-            <a:cxnLst>
-              <a:cxn ang="0">
-                <a:pos x="connsiteX0" y="connsiteY0"/>
-              </a:cxn>
-              <a:cxn ang="0">
-                <a:pos x="connsiteX1" y="connsiteY1"/>
-              </a:cxn>
-              <a:cxn ang="0">
-                <a:pos x="connsiteX2" y="connsiteY2"/>
-              </a:cxn>
-              <a:cxn ang="0">
-                <a:pos x="connsiteX3" y="connsiteY3"/>
-              </a:cxn>
-            </a:cxnLst>
-            <a:rect l="l" t="t" r="r" b="b"/>
-            <a:pathLst>
-              <a:path w="2713382" h="3707296">
-                <a:moveTo>
-                  <a:pt x="0" y="0"/>
-                </a:moveTo>
-                <a:cubicBezTo>
-                  <a:pt x="453058" y="341244"/>
-                  <a:pt x="906117" y="682488"/>
-                  <a:pt x="1013791" y="1103244"/>
-                </a:cubicBezTo>
-                <a:cubicBezTo>
-                  <a:pt x="1121465" y="1524000"/>
-                  <a:pt x="362778" y="2090530"/>
-                  <a:pt x="646043" y="2524539"/>
-                </a:cubicBezTo>
-                <a:cubicBezTo>
-                  <a:pt x="929308" y="2958548"/>
-                  <a:pt x="2312504" y="3496918"/>
-                  <a:pt x="2713382" y="3707296"/>
-                </a:cubicBezTo>
-              </a:path>
-            </a:pathLst>
-          </a:custGeom>
-          <a:noFill/>
-          <a:ln w="50800"/>
-        </p:spPr>
-        <p:style>
-          <a:lnRef idx="2">
-            <a:schemeClr val="accent1">
-              <a:shade val="50000"/>
-            </a:schemeClr>
-          </a:lnRef>
-          <a:fillRef idx="1">
-            <a:schemeClr val="accent1"/>
-          </a:fillRef>
-          <a:effectRef idx="0">
-            <a:schemeClr val="accent1"/>
-          </a:effectRef>
-          <a:fontRef idx="minor">
-            <a:schemeClr val="lt1"/>
-          </a:fontRef>
-        </p:style>
-        <p:txBody>
-          <a:bodyPr rtlCol="0" anchor="ctr"/>
-          <a:lstStyle/>
-          <a:p>
-            <a:pPr algn="ctr"/>
-            <a:endParaRPr lang="en-US"/>
-          </a:p>
-        </p:txBody>
-      </p:sp>
-      <p:sp>
-        <p:nvSpPr>
-          <p:cNvPr id="6" name="Freeform 5">
-            <a:extLst>
-              <a:ext uri="{FF2B5EF4-FFF2-40B4-BE49-F238E27FC236}">
-                <a16:creationId xmlns:a16="http://schemas.microsoft.com/office/drawing/2014/main" id="{D94F34BA-6E59-5B48-B6B5-CBABA0572F09}"/>
-              </a:ext>
-            </a:extLst>
-          </p:cNvPr>
-          <p:cNvSpPr/>
-          <p:nvPr/>
-        </p:nvSpPr>
-        <p:spPr>
-          <a:xfrm>
-            <a:off x="3220278" y="2464904"/>
-            <a:ext cx="5575852" cy="2842592"/>
-          </a:xfrm>
-          <a:custGeom>
-            <a:avLst/>
-            <a:gdLst>
-              <a:gd name="connsiteX0" fmla="*/ 0 w 5575852"/>
-              <a:gd name="connsiteY0" fmla="*/ 2842592 h 2842592"/>
-              <a:gd name="connsiteX1" fmla="*/ 1580322 w 5575852"/>
-              <a:gd name="connsiteY1" fmla="*/ 1938131 h 2842592"/>
-              <a:gd name="connsiteX2" fmla="*/ 4244009 w 5575852"/>
-              <a:gd name="connsiteY2" fmla="*/ 2534479 h 2842592"/>
-              <a:gd name="connsiteX3" fmla="*/ 5575852 w 5575852"/>
-              <a:gd name="connsiteY3" fmla="*/ 0 h 2842592"/>
-            </a:gdLst>
-            <a:ahLst/>
-            <a:cxnLst>
-              <a:cxn ang="0">
-                <a:pos x="connsiteX0" y="connsiteY0"/>
-              </a:cxn>
-              <a:cxn ang="0">
-                <a:pos x="connsiteX1" y="connsiteY1"/>
-              </a:cxn>
-              <a:cxn ang="0">
-                <a:pos x="connsiteX2" y="connsiteY2"/>
-              </a:cxn>
-              <a:cxn ang="0">
-                <a:pos x="connsiteX3" y="connsiteY3"/>
-              </a:cxn>
-            </a:cxnLst>
-            <a:rect l="l" t="t" r="r" b="b"/>
-            <a:pathLst>
-              <a:path w="5575852" h="2842592">
-                <a:moveTo>
-                  <a:pt x="0" y="2842592"/>
-                </a:moveTo>
-                <a:cubicBezTo>
-                  <a:pt x="436493" y="2416037"/>
-                  <a:pt x="872987" y="1989483"/>
-                  <a:pt x="1580322" y="1938131"/>
-                </a:cubicBezTo>
-                <a:cubicBezTo>
-                  <a:pt x="2287657" y="1886779"/>
-                  <a:pt x="3578087" y="2857501"/>
-                  <a:pt x="4244009" y="2534479"/>
-                </a:cubicBezTo>
-                <a:cubicBezTo>
-                  <a:pt x="4909931" y="2211457"/>
-                  <a:pt x="5242891" y="1105728"/>
-                  <a:pt x="5575852" y="0"/>
-                </a:cubicBezTo>
-              </a:path>
-            </a:pathLst>
-          </a:custGeom>
-          <a:noFill/>
-          <a:ln w="50800"/>
-        </p:spPr>
-        <p:style>
-          <a:lnRef idx="2">
-            <a:schemeClr val="accent1">
-              <a:shade val="50000"/>
-            </a:schemeClr>
-          </a:lnRef>
-          <a:fillRef idx="1">
-            <a:schemeClr val="accent1"/>
-          </a:fillRef>
-          <a:effectRef idx="0">
-            <a:schemeClr val="accent1"/>
-          </a:effectRef>
-          <a:fontRef idx="minor">
-            <a:schemeClr val="lt1"/>
-          </a:fontRef>
-        </p:style>
-        <p:txBody>
-          <a:bodyPr rtlCol="0" anchor="ctr"/>
-          <a:lstStyle/>
-          <a:p>
-            <a:pPr algn="ctr"/>
-            <a:endParaRPr lang="en-US"/>
-          </a:p>
-        </p:txBody>
-      </p:sp>
-      <p:sp>
-        <p:nvSpPr>
-          <p:cNvPr id="7" name="Freeform 6">
-            <a:extLst>
-              <a:ext uri="{FF2B5EF4-FFF2-40B4-BE49-F238E27FC236}">
-                <a16:creationId xmlns:a16="http://schemas.microsoft.com/office/drawing/2014/main" id="{A5D66133-486F-A04C-8974-3E0FF23E5046}"/>
-              </a:ext>
-            </a:extLst>
-          </p:cNvPr>
-          <p:cNvSpPr/>
-          <p:nvPr/>
-        </p:nvSpPr>
-        <p:spPr>
-          <a:xfrm>
-            <a:off x="5915815" y="1967948"/>
-            <a:ext cx="2592081" cy="3299791"/>
-          </a:xfrm>
-          <a:custGeom>
-            <a:avLst/>
-            <a:gdLst>
-              <a:gd name="connsiteX0" fmla="*/ 2592081 w 2592081"/>
-              <a:gd name="connsiteY0" fmla="*/ 3299791 h 3299791"/>
-              <a:gd name="connsiteX1" fmla="*/ 832855 w 2592081"/>
-              <a:gd name="connsiteY1" fmla="*/ 2405269 h 3299791"/>
-              <a:gd name="connsiteX2" fmla="*/ 1498776 w 2592081"/>
-              <a:gd name="connsiteY2" fmla="*/ 815009 h 3299791"/>
-              <a:gd name="connsiteX3" fmla="*/ 37724 w 2592081"/>
-              <a:gd name="connsiteY3" fmla="*/ 1103243 h 3299791"/>
-              <a:gd name="connsiteX4" fmla="*/ 574437 w 2592081"/>
-              <a:gd name="connsiteY4" fmla="*/ 0 h 3299791"/>
-            </a:gdLst>
-            <a:ahLst/>
-            <a:cxnLst>
-              <a:cxn ang="0">
-                <a:pos x="connsiteX0" y="connsiteY0"/>
-              </a:cxn>
-              <a:cxn ang="0">
-                <a:pos x="connsiteX1" y="connsiteY1"/>
-              </a:cxn>
-              <a:cxn ang="0">
-                <a:pos x="connsiteX2" y="connsiteY2"/>
-              </a:cxn>
-              <a:cxn ang="0">
-                <a:pos x="connsiteX3" y="connsiteY3"/>
-              </a:cxn>
-              <a:cxn ang="0">
-                <a:pos x="connsiteX4" y="connsiteY4"/>
-              </a:cxn>
-            </a:cxnLst>
-            <a:rect l="l" t="t" r="r" b="b"/>
-            <a:pathLst>
-              <a:path w="2592081" h="3299791">
-                <a:moveTo>
-                  <a:pt x="2592081" y="3299791"/>
-                </a:moveTo>
-                <a:cubicBezTo>
-                  <a:pt x="1803576" y="3059595"/>
-                  <a:pt x="1015072" y="2819399"/>
-                  <a:pt x="832855" y="2405269"/>
-                </a:cubicBezTo>
-                <a:cubicBezTo>
-                  <a:pt x="650638" y="1991139"/>
-                  <a:pt x="1631298" y="1032013"/>
-                  <a:pt x="1498776" y="815009"/>
-                </a:cubicBezTo>
-                <a:cubicBezTo>
-                  <a:pt x="1366254" y="598005"/>
-                  <a:pt x="191780" y="1239078"/>
-                  <a:pt x="37724" y="1103243"/>
-                </a:cubicBezTo>
-                <a:cubicBezTo>
-                  <a:pt x="-116332" y="967408"/>
-                  <a:pt x="229052" y="483704"/>
-                  <a:pt x="574437" y="0"/>
-                </a:cubicBezTo>
-              </a:path>
-            </a:pathLst>
-          </a:custGeom>
-          <a:noFill/>
-          <a:ln w="50800"/>
-        </p:spPr>
-        <p:style>
-          <a:lnRef idx="2">
-            <a:schemeClr val="accent1">
-              <a:shade val="50000"/>
-            </a:schemeClr>
-          </a:lnRef>
-          <a:fillRef idx="1">
-            <a:schemeClr val="accent1"/>
-          </a:fillRef>
-          <a:effectRef idx="0">
-            <a:schemeClr val="accent1"/>
-          </a:effectRef>
-          <a:fontRef idx="minor">
-            <a:schemeClr val="lt1"/>
-          </a:fontRef>
-        </p:style>
-        <p:txBody>
-          <a:bodyPr rtlCol="0" anchor="ctr"/>
-          <a:lstStyle/>
-          <a:p>
-            <a:pPr algn="ctr"/>
-            <a:endParaRPr lang="en-US"/>
-          </a:p>
-        </p:txBody>
-      </p:sp>
-      <p:sp>
-        <p:nvSpPr>
-          <p:cNvPr id="2" name="Oval 1">
-            <a:extLst>
-              <a:ext uri="{FF2B5EF4-FFF2-40B4-BE49-F238E27FC236}">
-                <a16:creationId xmlns:a16="http://schemas.microsoft.com/office/drawing/2014/main" id="{45A88C0E-5DAA-2347-9251-52151892813B}"/>
-              </a:ext>
-            </a:extLst>
-          </p:cNvPr>
-          <p:cNvSpPr/>
-          <p:nvPr/>
-        </p:nvSpPr>
-        <p:spPr>
-          <a:xfrm>
-            <a:off x="6096000" y="2286000"/>
-            <a:ext cx="182880" cy="182880"/>
-          </a:xfrm>
-          <a:prstGeom prst="ellipse">
-            <a:avLst/>
-          </a:prstGeom>
-          <a:solidFill>
-            <a:schemeClr val="accent2"/>
-          </a:solidFill>
-          <a:ln>
-            <a:solidFill>
-              <a:schemeClr val="tx1"/>
-            </a:solidFill>
-          </a:ln>
-        </p:spPr>
-        <p:style>
-          <a:lnRef idx="2">
-            <a:schemeClr val="accent1">
-              <a:shade val="50000"/>
-            </a:schemeClr>
-          </a:lnRef>
-          <a:fillRef idx="1">
-            <a:schemeClr val="accent1"/>
-          </a:fillRef>
-          <a:effectRef idx="0">
-            <a:schemeClr val="accent1"/>
-          </a:effectRef>
-          <a:fontRef idx="minor">
-            <a:schemeClr val="lt1"/>
-          </a:fontRef>
-        </p:style>
-        <p:txBody>
-          <a:bodyPr rtlCol="0" anchor="ctr"/>
-          <a:lstStyle/>
-          <a:p>
-            <a:pPr algn="ctr"/>
-            <a:endParaRPr lang="en-US" dirty="0"/>
-          </a:p>
-        </p:txBody>
-      </p:sp>
-      <p:sp>
-        <p:nvSpPr>
-          <p:cNvPr id="10" name="Oval 9">
-            <a:extLst>
-              <a:ext uri="{FF2B5EF4-FFF2-40B4-BE49-F238E27FC236}">
-                <a16:creationId xmlns:a16="http://schemas.microsoft.com/office/drawing/2014/main" id="{46F43CD9-A611-D64D-B7D2-CD4E2CAD5658}"/>
-              </a:ext>
-            </a:extLst>
-          </p:cNvPr>
-          <p:cNvSpPr/>
-          <p:nvPr/>
-        </p:nvSpPr>
-        <p:spPr>
-          <a:xfrm>
-            <a:off x="7470250" y="4849065"/>
-            <a:ext cx="182880" cy="182880"/>
-          </a:xfrm>
-          <a:prstGeom prst="ellipse">
-            <a:avLst/>
-          </a:prstGeom>
-          <a:solidFill>
-            <a:schemeClr val="accent2"/>
-          </a:solidFill>
-          <a:ln>
-            <a:solidFill>
-              <a:schemeClr val="tx1"/>
-            </a:solidFill>
-          </a:ln>
-        </p:spPr>
-        <p:style>
-          <a:lnRef idx="2">
-            <a:schemeClr val="accent1">
-              <a:shade val="50000"/>
-            </a:schemeClr>
-          </a:lnRef>
-          <a:fillRef idx="1">
-            <a:schemeClr val="accent1"/>
-          </a:fillRef>
-          <a:effectRef idx="0">
-            <a:schemeClr val="accent1"/>
-          </a:effectRef>
-          <a:fontRef idx="minor">
-            <a:schemeClr val="lt1"/>
-          </a:fontRef>
-        </p:style>
-        <p:txBody>
-          <a:bodyPr rtlCol="0" anchor="ctr"/>
-          <a:lstStyle/>
-          <a:p>
-            <a:pPr algn="ctr"/>
-            <a:endParaRPr lang="en-US" dirty="0"/>
-          </a:p>
-        </p:txBody>
-      </p:sp>
-      <p:sp>
-        <p:nvSpPr>
-          <p:cNvPr id="11" name="Oval 10">
-            <a:extLst>
-              <a:ext uri="{FF2B5EF4-FFF2-40B4-BE49-F238E27FC236}">
-                <a16:creationId xmlns:a16="http://schemas.microsoft.com/office/drawing/2014/main" id="{40EAACE5-38DE-8A41-958C-3EB6FD7AD73B}"/>
-              </a:ext>
-            </a:extLst>
-          </p:cNvPr>
-          <p:cNvSpPr/>
-          <p:nvPr/>
-        </p:nvSpPr>
-        <p:spPr>
-          <a:xfrm>
-            <a:off x="4312920" y="3886200"/>
-            <a:ext cx="182880" cy="182880"/>
-          </a:xfrm>
-          <a:prstGeom prst="ellipse">
-            <a:avLst/>
-          </a:prstGeom>
-          <a:solidFill>
-            <a:schemeClr val="accent2"/>
-          </a:solidFill>
-          <a:ln>
-            <a:solidFill>
-              <a:schemeClr val="tx1"/>
-            </a:solidFill>
-          </a:ln>
-        </p:spPr>
-        <p:style>
-          <a:lnRef idx="2">
-            <a:schemeClr val="accent1">
-              <a:shade val="50000"/>
-            </a:schemeClr>
-          </a:lnRef>
-          <a:fillRef idx="1">
-            <a:schemeClr val="accent1"/>
-          </a:fillRef>
-          <a:effectRef idx="0">
-            <a:schemeClr val="accent1"/>
-          </a:effectRef>
-          <a:fontRef idx="minor">
-            <a:schemeClr val="lt1"/>
-          </a:fontRef>
-        </p:style>
-        <p:txBody>
-          <a:bodyPr rtlCol="0" anchor="ctr"/>
-          <a:lstStyle/>
-          <a:p>
-            <a:pPr algn="ctr"/>
-            <a:endParaRPr lang="en-US" dirty="0"/>
-          </a:p>
-        </p:txBody>
-      </p:sp>
-      <p:sp>
-        <p:nvSpPr>
-          <p:cNvPr id="12" name="Oval 11">
-            <a:extLst>
-              <a:ext uri="{FF2B5EF4-FFF2-40B4-BE49-F238E27FC236}">
-                <a16:creationId xmlns:a16="http://schemas.microsoft.com/office/drawing/2014/main" id="{D5185CCB-5683-2644-A24C-D11F1B547DDC}"/>
-              </a:ext>
-            </a:extLst>
-          </p:cNvPr>
-          <p:cNvSpPr/>
-          <p:nvPr/>
-        </p:nvSpPr>
-        <p:spPr>
-          <a:xfrm>
-            <a:off x="4321438" y="4372412"/>
-            <a:ext cx="182880" cy="182880"/>
-          </a:xfrm>
-          <a:prstGeom prst="ellipse">
-            <a:avLst/>
-          </a:prstGeom>
-          <a:solidFill>
-            <a:schemeClr val="accent2"/>
-          </a:solidFill>
-          <a:ln>
-            <a:solidFill>
-              <a:schemeClr val="tx1"/>
-            </a:solidFill>
-          </a:ln>
-        </p:spPr>
-        <p:style>
-          <a:lnRef idx="2">
-            <a:schemeClr val="accent1">
-              <a:shade val="50000"/>
-            </a:schemeClr>
-          </a:lnRef>
-          <a:fillRef idx="1">
-            <a:schemeClr val="accent1"/>
-          </a:fillRef>
-          <a:effectRef idx="0">
-            <a:schemeClr val="accent1"/>
-          </a:effectRef>
-          <a:fontRef idx="minor">
-            <a:schemeClr val="lt1"/>
-          </a:fontRef>
-        </p:style>
-        <p:txBody>
-          <a:bodyPr rtlCol="0" anchor="ctr"/>
-          <a:lstStyle/>
-          <a:p>
-            <a:pPr algn="ctr"/>
-            <a:endParaRPr lang="en-US" dirty="0"/>
-          </a:p>
-        </p:txBody>
-      </p:sp>
-      <p:sp>
-        <p:nvSpPr>
-          <p:cNvPr id="3" name="Freeform 2">
-            <a:extLst>
-              <a:ext uri="{FF2B5EF4-FFF2-40B4-BE49-F238E27FC236}">
-                <a16:creationId xmlns:a16="http://schemas.microsoft.com/office/drawing/2014/main" id="{C66D3373-ACA9-6B4D-BC27-009D4712C0F9}"/>
-              </a:ext>
-            </a:extLst>
-          </p:cNvPr>
-          <p:cNvSpPr/>
-          <p:nvPr/>
-        </p:nvSpPr>
-        <p:spPr>
-          <a:xfrm>
-            <a:off x="6335214" y="1763486"/>
-            <a:ext cx="2638969" cy="2690948"/>
-          </a:xfrm>
-          <a:custGeom>
-            <a:avLst/>
-            <a:gdLst>
-              <a:gd name="connsiteX0" fmla="*/ 1019175 w 2638969"/>
-              <a:gd name="connsiteY0" fmla="*/ 0 h 2690948"/>
-              <a:gd name="connsiteX1" fmla="*/ 65586 w 2638969"/>
-              <a:gd name="connsiteY1" fmla="*/ 1698171 h 2690948"/>
-              <a:gd name="connsiteX2" fmla="*/ 2638969 w 2638969"/>
-              <a:gd name="connsiteY2" fmla="*/ 2690948 h 2690948"/>
-            </a:gdLst>
-            <a:ahLst/>
-            <a:cxnLst>
-              <a:cxn ang="0">
-                <a:pos x="connsiteX0" y="connsiteY0"/>
-              </a:cxn>
-              <a:cxn ang="0">
-                <a:pos x="connsiteX1" y="connsiteY1"/>
-              </a:cxn>
-              <a:cxn ang="0">
-                <a:pos x="connsiteX2" y="connsiteY2"/>
-              </a:cxn>
-            </a:cxnLst>
-            <a:rect l="l" t="t" r="r" b="b"/>
-            <a:pathLst>
-              <a:path w="2638969" h="2690948">
-                <a:moveTo>
-                  <a:pt x="1019175" y="0"/>
-                </a:moveTo>
-                <a:cubicBezTo>
-                  <a:pt x="407397" y="624840"/>
-                  <a:pt x="-204380" y="1249680"/>
-                  <a:pt x="65586" y="1698171"/>
-                </a:cubicBezTo>
-                <a:cubicBezTo>
-                  <a:pt x="335552" y="2146662"/>
-                  <a:pt x="1487260" y="2418805"/>
-                  <a:pt x="2638969" y="2690948"/>
-                </a:cubicBezTo>
-              </a:path>
-            </a:pathLst>
-          </a:custGeom>
-          <a:noFill/>
-          <a:ln w="50800"/>
-        </p:spPr>
-        <p:style>
-          <a:lnRef idx="2">
-            <a:schemeClr val="accent1">
-              <a:shade val="50000"/>
-            </a:schemeClr>
-          </a:lnRef>
-          <a:fillRef idx="1">
-            <a:schemeClr val="accent1"/>
-          </a:fillRef>
-          <a:effectRef idx="0">
-            <a:schemeClr val="accent1"/>
-          </a:effectRef>
-          <a:fontRef idx="minor">
-            <a:schemeClr val="lt1"/>
-          </a:fontRef>
-        </p:style>
-        <p:txBody>
-          <a:bodyPr rtlCol="0" anchor="ctr"/>
-          <a:lstStyle/>
-          <a:p>
-            <a:pPr algn="ctr"/>
-            <a:endParaRPr lang="en-US"/>
-          </a:p>
-        </p:txBody>
-      </p:sp>
-      <p:sp>
-        <p:nvSpPr>
-          <p:cNvPr id="14" name="Oval 13">
-            <a:extLst>
-              <a:ext uri="{FF2B5EF4-FFF2-40B4-BE49-F238E27FC236}">
-                <a16:creationId xmlns:a16="http://schemas.microsoft.com/office/drawing/2014/main" id="{5B606F5E-FF9B-7E42-A9D0-AFD7319EF536}"/>
-              </a:ext>
-            </a:extLst>
-          </p:cNvPr>
-          <p:cNvSpPr/>
-          <p:nvPr/>
-        </p:nvSpPr>
-        <p:spPr>
-          <a:xfrm>
-            <a:off x="6629400" y="2344215"/>
-            <a:ext cx="182880" cy="182880"/>
-          </a:xfrm>
-          <a:prstGeom prst="ellipse">
-            <a:avLst/>
-          </a:prstGeom>
-          <a:solidFill>
-            <a:schemeClr val="accent2"/>
-          </a:solidFill>
-          <a:ln>
-            <a:solidFill>
-              <a:schemeClr val="tx1"/>
-            </a:solidFill>
-          </a:ln>
-        </p:spPr>
-        <p:style>
-          <a:lnRef idx="2">
-            <a:schemeClr val="accent1">
-              <a:shade val="50000"/>
-            </a:schemeClr>
-          </a:lnRef>
-          <a:fillRef idx="1">
-            <a:schemeClr val="accent1"/>
-          </a:fillRef>
-          <a:effectRef idx="0">
-            <a:schemeClr val="accent1"/>
-          </a:effectRef>
-          <a:fontRef idx="minor">
-            <a:schemeClr val="lt1"/>
-          </a:fontRef>
-        </p:style>
-        <p:txBody>
-          <a:bodyPr rtlCol="0" anchor="ctr"/>
-          <a:lstStyle/>
-          <a:p>
-            <a:pPr algn="ctr"/>
-            <a:endParaRPr lang="en-US" dirty="0"/>
-          </a:p>
-        </p:txBody>
-      </p:sp>
-      <p:sp>
-        <p:nvSpPr>
-          <p:cNvPr id="15" name="Oval 14">
-            <a:extLst>
-              <a:ext uri="{FF2B5EF4-FFF2-40B4-BE49-F238E27FC236}">
-                <a16:creationId xmlns:a16="http://schemas.microsoft.com/office/drawing/2014/main" id="{0CB1B8F9-03E5-4E46-8673-B4AFA64E29A0}"/>
-              </a:ext>
-            </a:extLst>
-          </p:cNvPr>
-          <p:cNvSpPr/>
-          <p:nvPr/>
-        </p:nvSpPr>
-        <p:spPr>
-          <a:xfrm>
-            <a:off x="6294120" y="2895600"/>
-            <a:ext cx="182880" cy="182880"/>
-          </a:xfrm>
-          <a:prstGeom prst="ellipse">
-            <a:avLst/>
-          </a:prstGeom>
-          <a:solidFill>
-            <a:schemeClr val="accent2"/>
-          </a:solidFill>
-          <a:ln>
-            <a:solidFill>
-              <a:schemeClr val="tx1"/>
-            </a:solidFill>
-          </a:ln>
-        </p:spPr>
-        <p:style>
-          <a:lnRef idx="2">
-            <a:schemeClr val="accent1">
-              <a:shade val="50000"/>
-            </a:schemeClr>
-          </a:lnRef>
-          <a:fillRef idx="1">
-            <a:schemeClr val="accent1"/>
-          </a:fillRef>
-          <a:effectRef idx="0">
-            <a:schemeClr val="accent1"/>
-          </a:effectRef>
-          <a:fontRef idx="minor">
-            <a:schemeClr val="lt1"/>
-          </a:fontRef>
-        </p:style>
-        <p:txBody>
-          <a:bodyPr rtlCol="0" anchor="ctr"/>
-          <a:lstStyle/>
-          <a:p>
-            <a:pPr algn="ctr"/>
-            <a:endParaRPr lang="en-US" dirty="0"/>
-          </a:p>
-        </p:txBody>
-      </p:sp>
-      <p:sp>
-        <p:nvSpPr>
-          <p:cNvPr id="16" name="Oval 15">
-            <a:extLst>
-              <a:ext uri="{FF2B5EF4-FFF2-40B4-BE49-F238E27FC236}">
-                <a16:creationId xmlns:a16="http://schemas.microsoft.com/office/drawing/2014/main" id="{EFA2CFAC-A05A-DC44-AA76-1DBEF872267F}"/>
-              </a:ext>
-            </a:extLst>
-          </p:cNvPr>
-          <p:cNvSpPr/>
-          <p:nvPr/>
-        </p:nvSpPr>
-        <p:spPr>
-          <a:xfrm>
-            <a:off x="6764032" y="3703320"/>
-            <a:ext cx="182880" cy="182880"/>
-          </a:xfrm>
-          <a:prstGeom prst="ellipse">
-            <a:avLst/>
-          </a:prstGeom>
-          <a:solidFill>
-            <a:schemeClr val="accent2"/>
-          </a:solidFill>
-          <a:ln>
-            <a:solidFill>
-              <a:schemeClr val="tx1"/>
-            </a:solidFill>
-          </a:ln>
-        </p:spPr>
-        <p:style>
-          <a:lnRef idx="2">
-            <a:schemeClr val="accent1">
-              <a:shade val="50000"/>
-            </a:schemeClr>
-          </a:lnRef>
-          <a:fillRef idx="1">
-            <a:schemeClr val="accent1"/>
-          </a:fillRef>
-          <a:effectRef idx="0">
-            <a:schemeClr val="accent1"/>
-          </a:effectRef>
-          <a:fontRef idx="minor">
-            <a:schemeClr val="lt1"/>
-          </a:fontRef>
-        </p:style>
-        <p:txBody>
-          <a:bodyPr rtlCol="0" anchor="ctr"/>
-          <a:lstStyle/>
-          <a:p>
-            <a:pPr algn="ctr"/>
-            <a:endParaRPr lang="en-US" dirty="0"/>
-          </a:p>
-        </p:txBody>
-      </p:sp>
-      <p:sp>
-        <p:nvSpPr>
-          <p:cNvPr id="17" name="Oval 16">
-            <a:extLst>
-              <a:ext uri="{FF2B5EF4-FFF2-40B4-BE49-F238E27FC236}">
-                <a16:creationId xmlns:a16="http://schemas.microsoft.com/office/drawing/2014/main" id="{F348EB15-BB71-8D44-8FFF-D7CE200E274B}"/>
-              </a:ext>
-            </a:extLst>
-          </p:cNvPr>
-          <p:cNvSpPr/>
-          <p:nvPr/>
-        </p:nvSpPr>
-        <p:spPr>
-          <a:xfrm>
-            <a:off x="8077200" y="4148260"/>
-            <a:ext cx="182880" cy="182880"/>
-          </a:xfrm>
-          <a:prstGeom prst="ellipse">
-            <a:avLst/>
-          </a:prstGeom>
-          <a:solidFill>
-            <a:schemeClr val="accent2"/>
-          </a:solidFill>
-          <a:ln>
-            <a:solidFill>
-              <a:schemeClr val="tx1"/>
-            </a:solidFill>
-          </a:ln>
-        </p:spPr>
-        <p:style>
-          <a:lnRef idx="2">
-            <a:schemeClr val="accent1">
-              <a:shade val="50000"/>
-            </a:schemeClr>
-          </a:lnRef>
-          <a:fillRef idx="1">
-            <a:schemeClr val="accent1"/>
-          </a:fillRef>
-          <a:effectRef idx="0">
-            <a:schemeClr val="accent1"/>
-          </a:effectRef>
-          <a:fontRef idx="minor">
-            <a:schemeClr val="lt1"/>
-          </a:fontRef>
-        </p:style>
-        <p:txBody>
-          <a:bodyPr rtlCol="0" anchor="ctr"/>
-          <a:lstStyle/>
-          <a:p>
-            <a:pPr algn="ctr"/>
-            <a:endParaRPr lang="en-US" dirty="0"/>
-          </a:p>
-        </p:txBody>
-      </p:sp>
-    </p:spTree>
-    <p:extLst>
-      <p:ext uri="{BB962C8B-B14F-4D97-AF65-F5344CB8AC3E}">
-        <p14:creationId xmlns:p14="http://schemas.microsoft.com/office/powerpoint/2010/main" val="2378279293"/>
-      </p:ext>
-    </p:extLst>
-  </p:cSld>
-  <p:clrMapOvr>
-    <a:masterClrMapping/>
-  </p:clrMapOvr>
-</p:sld>
-</file>
-
-<file path=ppt/slides/slide30.xml><?xml version="1.0" encoding="utf-8"?>
+<file path=ppt/slides/slide31.xml><?xml version="1.0" encoding="utf-8"?>
 <p:sld xmlns:a="http://schemas.openxmlformats.org/drawingml/2006/main" xmlns:r="http://schemas.openxmlformats.org/officeDocument/2006/relationships" xmlns:p="http://schemas.openxmlformats.org/presentationml/2006/main">
   <p:cSld>
     <p:spTree>
@@ -33998,7 +34404,7 @@
 </p:sld>
 </file>
 
-<file path=ppt/slides/slide31.xml><?xml version="1.0" encoding="utf-8"?>
+<file path=ppt/slides/slide32.xml><?xml version="1.0" encoding="utf-8"?>
 <p:sld xmlns:a="http://schemas.openxmlformats.org/drawingml/2006/main" xmlns:r="http://schemas.openxmlformats.org/officeDocument/2006/relationships" xmlns:p="http://schemas.openxmlformats.org/presentationml/2006/main">
   <p:cSld>
     <p:spTree>
@@ -34331,7 +34737,7 @@
 </p:sld>
 </file>
 
-<file path=ppt/slides/slide32.xml><?xml version="1.0" encoding="utf-8"?>
+<file path=ppt/slides/slide33.xml><?xml version="1.0" encoding="utf-8"?>
 <p:sld xmlns:a="http://schemas.openxmlformats.org/drawingml/2006/main" xmlns:r="http://schemas.openxmlformats.org/officeDocument/2006/relationships" xmlns:p="http://schemas.openxmlformats.org/presentationml/2006/main">
   <p:cSld>
     <p:spTree>
@@ -34664,7 +35070,7 @@
 </p:sld>
 </file>
 
-<file path=ppt/slides/slide33.xml><?xml version="1.0" encoding="utf-8"?>
+<file path=ppt/slides/slide34.xml><?xml version="1.0" encoding="utf-8"?>
 <p:sld xmlns:a="http://schemas.openxmlformats.org/drawingml/2006/main" xmlns:r="http://schemas.openxmlformats.org/officeDocument/2006/relationships" xmlns:p="http://schemas.openxmlformats.org/presentationml/2006/main">
   <p:cSld>
     <p:spTree>
@@ -34999,7 +35405,7 @@
 </p:sld>
 </file>
 
-<file path=ppt/slides/slide34.xml><?xml version="1.0" encoding="utf-8"?>
+<file path=ppt/slides/slide35.xml><?xml version="1.0" encoding="utf-8"?>
 <p:sld xmlns:a="http://schemas.openxmlformats.org/drawingml/2006/main" xmlns:r="http://schemas.openxmlformats.org/officeDocument/2006/relationships" xmlns:p="http://schemas.openxmlformats.org/presentationml/2006/main">
   <p:cSld>
     <p:spTree>
@@ -35343,7 +35749,7 @@
 </p:sld>
 </file>
 
-<file path=ppt/slides/slide35.xml><?xml version="1.0" encoding="utf-8"?>
+<file path=ppt/slides/slide36.xml><?xml version="1.0" encoding="utf-8"?>
 <p:sld xmlns:a="http://schemas.openxmlformats.org/drawingml/2006/main" xmlns:r="http://schemas.openxmlformats.org/officeDocument/2006/relationships" xmlns:p="http://schemas.openxmlformats.org/presentationml/2006/main">
   <p:cSld>
     <p:spTree>
@@ -35862,12 +36268,9 @@
           <a:lstStyle/>
           <a:p>
             <a:r>
-              <a:rPr lang="en-US" altLang="en-US"/>
+              <a:rPr lang="en-US" altLang="en-US" dirty="0"/>
               <a:t>Intersection of line segments</a:t>
             </a:r>
-            <a:endParaRPr lang="en-US"/>
-          </a:p>
-          <a:p>
             <a:endParaRPr lang="en-US" dirty="0"/>
           </a:p>
         </p:txBody>
@@ -35886,7 +36289,7 @@
 </p:sld>
 </file>
 
-<file path=ppt/slides/slide36.xml><?xml version="1.0" encoding="utf-8"?>
+<file path=ppt/slides/slide37.xml><?xml version="1.0" encoding="utf-8"?>
 <p:sld xmlns:a="http://schemas.openxmlformats.org/drawingml/2006/main" xmlns:r="http://schemas.openxmlformats.org/officeDocument/2006/relationships" xmlns:p="http://schemas.openxmlformats.org/presentationml/2006/main">
   <p:cSld>
     <p:spTree>
@@ -36343,7 +36746,7 @@
 </p:sld>
 </file>
 
-<file path=ppt/slides/slide37.xml><?xml version="1.0" encoding="utf-8"?>
+<file path=ppt/slides/slide38.xml><?xml version="1.0" encoding="utf-8"?>
 <p:sld xmlns:a="http://schemas.openxmlformats.org/drawingml/2006/main" xmlns:r="http://schemas.openxmlformats.org/officeDocument/2006/relationships" xmlns:p="http://schemas.openxmlformats.org/presentationml/2006/main">
   <p:cSld>
     <p:spTree>
@@ -36700,7 +37103,7 @@
 </p:sld>
 </file>
 
-<file path=ppt/slides/slide38.xml><?xml version="1.0" encoding="utf-8"?>
+<file path=ppt/slides/slide39.xml><?xml version="1.0" encoding="utf-8"?>
 <p:sld xmlns:a="http://schemas.openxmlformats.org/drawingml/2006/main" xmlns:r="http://schemas.openxmlformats.org/officeDocument/2006/relationships" xmlns:p="http://schemas.openxmlformats.org/presentationml/2006/main">
   <p:cSld>
     <p:spTree>
@@ -36991,128 +37394,6 @@
 </p:sld>
 </file>
 
-<file path=ppt/slides/slide39.xml><?xml version="1.0" encoding="utf-8"?>
-<p:sld xmlns:a="http://schemas.openxmlformats.org/drawingml/2006/main" xmlns:r="http://schemas.openxmlformats.org/officeDocument/2006/relationships" xmlns:p="http://schemas.openxmlformats.org/presentationml/2006/main">
-  <p:cSld>
-    <p:spTree>
-      <p:nvGrpSpPr>
-        <p:cNvPr id="1" name=""/>
-        <p:cNvGrpSpPr/>
-        <p:nvPr/>
-      </p:nvGrpSpPr>
-      <p:grpSpPr>
-        <a:xfrm>
-          <a:off x="0" y="0"/>
-          <a:ext cx="0" cy="0"/>
-          <a:chOff x="0" y="0"/>
-          <a:chExt cx="0" cy="0"/>
-        </a:xfrm>
-      </p:grpSpPr>
-      <p:sp>
-        <p:nvSpPr>
-          <p:cNvPr id="2" name="Title 1">
-            <a:extLst>
-              <a:ext uri="{FF2B5EF4-FFF2-40B4-BE49-F238E27FC236}">
-                <a16:creationId xmlns:a16="http://schemas.microsoft.com/office/drawing/2014/main" id="{DCE1E094-578D-AA45-BC05-EF1B78875B9C}"/>
-              </a:ext>
-            </a:extLst>
-          </p:cNvPr>
-          <p:cNvSpPr>
-            <a:spLocks noGrp="1"/>
-          </p:cNvSpPr>
-          <p:nvPr>
-            <p:ph type="title"/>
-          </p:nvPr>
-        </p:nvSpPr>
-        <p:spPr/>
-        <p:txBody>
-          <a:bodyPr/>
-          <a:lstStyle/>
-          <a:p>
-            <a:r>
-              <a:rPr lang="en-US" dirty="0"/>
-              <a:t>What Data Structures Should We Use?</a:t>
-            </a:r>
-          </a:p>
-        </p:txBody>
-      </p:sp>
-      <p:sp>
-        <p:nvSpPr>
-          <p:cNvPr id="3" name="Content Placeholder 2">
-            <a:extLst>
-              <a:ext uri="{FF2B5EF4-FFF2-40B4-BE49-F238E27FC236}">
-                <a16:creationId xmlns:a16="http://schemas.microsoft.com/office/drawing/2014/main" id="{2D8CA9E8-2D27-5D45-8F54-E259FC36F54A}"/>
-              </a:ext>
-            </a:extLst>
-          </p:cNvPr>
-          <p:cNvSpPr>
-            <a:spLocks noGrp="1"/>
-          </p:cNvSpPr>
-          <p:nvPr>
-            <p:ph idx="1"/>
-          </p:nvPr>
-        </p:nvSpPr>
-        <p:spPr/>
-        <p:txBody>
-          <a:bodyPr/>
-          <a:lstStyle/>
-          <a:p>
-            <a:r>
-              <a:rPr lang="en-US" dirty="0"/>
-              <a:t>Self-balancing trees (AVL, Red-black)</a:t>
-            </a:r>
-          </a:p>
-        </p:txBody>
-      </p:sp>
-      <p:pic>
-        <p:nvPicPr>
-          <p:cNvPr id="7" name="Picture 6">
-            <a:extLst>
-              <a:ext uri="{FF2B5EF4-FFF2-40B4-BE49-F238E27FC236}">
-                <a16:creationId xmlns:a16="http://schemas.microsoft.com/office/drawing/2014/main" id="{A8DB5696-1717-5D40-8A47-194916D1FCB3}"/>
-              </a:ext>
-            </a:extLst>
-          </p:cNvPr>
-          <p:cNvPicPr>
-            <a:picLocks noChangeAspect="1"/>
-          </p:cNvPicPr>
-          <p:nvPr/>
-        </p:nvPicPr>
-        <p:blipFill>
-          <a:blip r:embed="rId2">
-            <a:extLst>
-              <a:ext uri="{28A0092B-C50C-407E-A947-70E740481C1C}">
-                <a14:useLocalDpi xmlns:a14="http://schemas.microsoft.com/office/drawing/2010/main" val="0"/>
-              </a:ext>
-            </a:extLst>
-          </a:blip>
-          <a:stretch>
-            <a:fillRect/>
-          </a:stretch>
-        </p:blipFill>
-        <p:spPr>
-          <a:xfrm>
-            <a:off x="3829050" y="2590800"/>
-            <a:ext cx="4533900" cy="4013200"/>
-          </a:xfrm>
-          <a:prstGeom prst="rect">
-            <a:avLst/>
-          </a:prstGeom>
-        </p:spPr>
-      </p:pic>
-    </p:spTree>
-    <p:extLst>
-      <p:ext uri="{BB962C8B-B14F-4D97-AF65-F5344CB8AC3E}">
-        <p14:creationId xmlns:p14="http://schemas.microsoft.com/office/powerpoint/2010/main" val="1029166836"/>
-      </p:ext>
-    </p:extLst>
-  </p:cSld>
-  <p:clrMapOvr>
-    <a:masterClrMapping/>
-  </p:clrMapOvr>
-</p:sld>
-</file>
-
 <file path=ppt/slides/slide4.xml><?xml version="1.0" encoding="utf-8"?>
 <p:sld xmlns:a="http://schemas.openxmlformats.org/drawingml/2006/main" xmlns:r="http://schemas.openxmlformats.org/officeDocument/2006/relationships" xmlns:p="http://schemas.openxmlformats.org/presentationml/2006/main">
   <p:cSld>
@@ -37153,7 +37434,7 @@
           <a:p>
             <a:r>
               <a:rPr lang="en-US" dirty="0"/>
-              <a:t>Curves usually represented by a polynomial or polynomial spline</a:t>
+              <a:t>Curves often represented by a polynomial or polynomial spline</a:t>
             </a:r>
           </a:p>
           <a:p>
@@ -37410,6 +37691,128 @@
           <a:p>
             <a:r>
               <a:rPr lang="en-US" dirty="0"/>
+              <a:t>Self-balancing trees (AVL, Red-black)</a:t>
+            </a:r>
+          </a:p>
+        </p:txBody>
+      </p:sp>
+      <p:pic>
+        <p:nvPicPr>
+          <p:cNvPr id="7" name="Picture 6">
+            <a:extLst>
+              <a:ext uri="{FF2B5EF4-FFF2-40B4-BE49-F238E27FC236}">
+                <a16:creationId xmlns:a16="http://schemas.microsoft.com/office/drawing/2014/main" id="{A8DB5696-1717-5D40-8A47-194916D1FCB3}"/>
+              </a:ext>
+            </a:extLst>
+          </p:cNvPr>
+          <p:cNvPicPr>
+            <a:picLocks noChangeAspect="1"/>
+          </p:cNvPicPr>
+          <p:nvPr/>
+        </p:nvPicPr>
+        <p:blipFill>
+          <a:blip r:embed="rId2">
+            <a:extLst>
+              <a:ext uri="{28A0092B-C50C-407E-A947-70E740481C1C}">
+                <a14:useLocalDpi xmlns:a14="http://schemas.microsoft.com/office/drawing/2010/main" val="0"/>
+              </a:ext>
+            </a:extLst>
+          </a:blip>
+          <a:stretch>
+            <a:fillRect/>
+          </a:stretch>
+        </p:blipFill>
+        <p:spPr>
+          <a:xfrm>
+            <a:off x="3829050" y="2590800"/>
+            <a:ext cx="4533900" cy="4013200"/>
+          </a:xfrm>
+          <a:prstGeom prst="rect">
+            <a:avLst/>
+          </a:prstGeom>
+        </p:spPr>
+      </p:pic>
+    </p:spTree>
+    <p:extLst>
+      <p:ext uri="{BB962C8B-B14F-4D97-AF65-F5344CB8AC3E}">
+        <p14:creationId xmlns:p14="http://schemas.microsoft.com/office/powerpoint/2010/main" val="1029166836"/>
+      </p:ext>
+    </p:extLst>
+  </p:cSld>
+  <p:clrMapOvr>
+    <a:masterClrMapping/>
+  </p:clrMapOvr>
+</p:sld>
+</file>
+
+<file path=ppt/slides/slide41.xml><?xml version="1.0" encoding="utf-8"?>
+<p:sld xmlns:a="http://schemas.openxmlformats.org/drawingml/2006/main" xmlns:r="http://schemas.openxmlformats.org/officeDocument/2006/relationships" xmlns:p="http://schemas.openxmlformats.org/presentationml/2006/main">
+  <p:cSld>
+    <p:spTree>
+      <p:nvGrpSpPr>
+        <p:cNvPr id="1" name=""/>
+        <p:cNvGrpSpPr/>
+        <p:nvPr/>
+      </p:nvGrpSpPr>
+      <p:grpSpPr>
+        <a:xfrm>
+          <a:off x="0" y="0"/>
+          <a:ext cx="0" cy="0"/>
+          <a:chOff x="0" y="0"/>
+          <a:chExt cx="0" cy="0"/>
+        </a:xfrm>
+      </p:grpSpPr>
+      <p:sp>
+        <p:nvSpPr>
+          <p:cNvPr id="2" name="Title 1">
+            <a:extLst>
+              <a:ext uri="{FF2B5EF4-FFF2-40B4-BE49-F238E27FC236}">
+                <a16:creationId xmlns:a16="http://schemas.microsoft.com/office/drawing/2014/main" id="{DCE1E094-578D-AA45-BC05-EF1B78875B9C}"/>
+              </a:ext>
+            </a:extLst>
+          </p:cNvPr>
+          <p:cNvSpPr>
+            <a:spLocks noGrp="1"/>
+          </p:cNvSpPr>
+          <p:nvPr>
+            <p:ph type="title"/>
+          </p:nvPr>
+        </p:nvSpPr>
+        <p:spPr/>
+        <p:txBody>
+          <a:bodyPr/>
+          <a:lstStyle/>
+          <a:p>
+            <a:r>
+              <a:rPr lang="en-US" dirty="0"/>
+              <a:t>What Data Structures Should We Use?</a:t>
+            </a:r>
+          </a:p>
+        </p:txBody>
+      </p:sp>
+      <p:sp>
+        <p:nvSpPr>
+          <p:cNvPr id="3" name="Content Placeholder 2">
+            <a:extLst>
+              <a:ext uri="{FF2B5EF4-FFF2-40B4-BE49-F238E27FC236}">
+                <a16:creationId xmlns:a16="http://schemas.microsoft.com/office/drawing/2014/main" id="{2D8CA9E8-2D27-5D45-8F54-E259FC36F54A}"/>
+              </a:ext>
+            </a:extLst>
+          </p:cNvPr>
+          <p:cNvSpPr>
+            <a:spLocks noGrp="1"/>
+          </p:cNvSpPr>
+          <p:nvPr>
+            <p:ph idx="1"/>
+          </p:nvPr>
+        </p:nvSpPr>
+        <p:spPr/>
+        <p:txBody>
+          <a:bodyPr/>
+          <a:lstStyle/>
+          <a:p>
+            <a:r>
+              <a:rPr lang="en-US" dirty="0"/>
               <a:t>Priority Queue</a:t>
             </a:r>
           </a:p>
@@ -37464,7 +37867,7 @@
 </p:sld>
 </file>
 
-<file path=ppt/slides/slide41.xml><?xml version="1.0" encoding="utf-8"?>
+<file path=ppt/slides/slide42.xml><?xml version="1.0" encoding="utf-8"?>
 <p:sld xmlns:a="http://schemas.openxmlformats.org/drawingml/2006/main" xmlns:r="http://schemas.openxmlformats.org/officeDocument/2006/relationships" xmlns:p="http://schemas.openxmlformats.org/presentationml/2006/main">
   <p:cSld>
     <p:spTree>
@@ -38071,3719 +38474,7 @@
 </p:sld>
 </file>
 
-<file path=ppt/slides/slide42.xml><?xml version="1.0" encoding="utf-8"?>
-<p:sld xmlns:a="http://schemas.openxmlformats.org/drawingml/2006/main" xmlns:r="http://schemas.openxmlformats.org/officeDocument/2006/relationships" xmlns:p="http://schemas.openxmlformats.org/presentationml/2006/main">
-  <p:cSld>
-    <p:spTree>
-      <p:nvGrpSpPr>
-        <p:cNvPr id="1" name=""/>
-        <p:cNvGrpSpPr/>
-        <p:nvPr/>
-      </p:nvGrpSpPr>
-      <p:grpSpPr>
-        <a:xfrm>
-          <a:off x="0" y="0"/>
-          <a:ext cx="0" cy="0"/>
-          <a:chOff x="0" y="0"/>
-          <a:chExt cx="0" cy="0"/>
-        </a:xfrm>
-      </p:grpSpPr>
-      <p:sp>
-        <p:nvSpPr>
-          <p:cNvPr id="4" name="Content Placeholder 3">
-            <a:extLst>
-              <a:ext uri="{FF2B5EF4-FFF2-40B4-BE49-F238E27FC236}">
-                <a16:creationId xmlns:a16="http://schemas.microsoft.com/office/drawing/2014/main" id="{92FBBDFE-ABD2-DB49-88D2-3CCF83A47B56}"/>
-              </a:ext>
-            </a:extLst>
-          </p:cNvPr>
-          <p:cNvSpPr>
-            <a:spLocks noGrp="1"/>
-          </p:cNvSpPr>
-          <p:nvPr>
-            <p:ph sz="half" idx="1"/>
-          </p:nvPr>
-        </p:nvSpPr>
-        <p:spPr>
-          <a:xfrm>
-            <a:off x="1595575" y="267891"/>
-            <a:ext cx="9000850" cy="1256109"/>
-          </a:xfrm>
-        </p:spPr>
-        <p:txBody>
-          <a:bodyPr>
-            <a:normAutofit/>
-          </a:bodyPr>
-          <a:lstStyle/>
-          <a:p>
-            <a:r>
-              <a:rPr lang="en-US" dirty="0"/>
-              <a:t>Can we use this algorithm to find the intersection of 2 regions?</a:t>
-            </a:r>
-          </a:p>
-        </p:txBody>
-      </p:sp>
-      <p:sp>
-        <p:nvSpPr>
-          <p:cNvPr id="7" name="Content Placeholder 6">
-            <a:extLst>
-              <a:ext uri="{FF2B5EF4-FFF2-40B4-BE49-F238E27FC236}">
-                <a16:creationId xmlns:a16="http://schemas.microsoft.com/office/drawing/2014/main" id="{CB2D7CAF-F87C-8247-A3C0-17D0D4B5D03A}"/>
-              </a:ext>
-            </a:extLst>
-          </p:cNvPr>
-          <p:cNvSpPr>
-            <a:spLocks noGrp="1"/>
-          </p:cNvSpPr>
-          <p:nvPr>
-            <p:ph sz="half" idx="10"/>
-          </p:nvPr>
-        </p:nvSpPr>
-        <p:spPr/>
-        <p:txBody>
-          <a:bodyPr/>
-          <a:lstStyle/>
-          <a:p>
-            <a:endParaRPr lang="en-US"/>
-          </a:p>
-        </p:txBody>
-      </p:sp>
-      <p:grpSp>
-        <p:nvGrpSpPr>
-          <p:cNvPr id="8" name="Group 7">
-            <a:extLst>
-              <a:ext uri="{FF2B5EF4-FFF2-40B4-BE49-F238E27FC236}">
-                <a16:creationId xmlns:a16="http://schemas.microsoft.com/office/drawing/2014/main" id="{0FF453FD-7B4F-DB46-9B21-C1CDB90C1F3F}"/>
-              </a:ext>
-            </a:extLst>
-          </p:cNvPr>
-          <p:cNvGrpSpPr/>
-          <p:nvPr/>
-        </p:nvGrpSpPr>
-        <p:grpSpPr>
-          <a:xfrm>
-            <a:off x="2616200" y="2169160"/>
-            <a:ext cx="6959600" cy="3850640"/>
-            <a:chOff x="2397760" y="2169160"/>
-            <a:chExt cx="6959600" cy="3850640"/>
-          </a:xfrm>
-        </p:grpSpPr>
-        <p:sp>
-          <p:nvSpPr>
-            <p:cNvPr id="5" name="Freeform 4">
-              <a:extLst>
-                <a:ext uri="{FF2B5EF4-FFF2-40B4-BE49-F238E27FC236}">
-                  <a16:creationId xmlns:a16="http://schemas.microsoft.com/office/drawing/2014/main" id="{03C73BE0-F951-3B4E-9455-E4973DAA219D}"/>
-                </a:ext>
-              </a:extLst>
-            </p:cNvPr>
-            <p:cNvSpPr/>
-            <p:nvPr/>
-          </p:nvSpPr>
-          <p:spPr>
-            <a:xfrm>
-              <a:off x="2397760" y="2169160"/>
-              <a:ext cx="4521200" cy="3850640"/>
-            </a:xfrm>
-            <a:custGeom>
-              <a:avLst/>
-              <a:gdLst>
-                <a:gd name="connsiteX0" fmla="*/ 0 w 4521200"/>
-                <a:gd name="connsiteY0" fmla="*/ 1798320 h 3850640"/>
-                <a:gd name="connsiteX1" fmla="*/ 1270000 w 4521200"/>
-                <a:gd name="connsiteY1" fmla="*/ 3230880 h 3850640"/>
-                <a:gd name="connsiteX2" fmla="*/ 3688080 w 4521200"/>
-                <a:gd name="connsiteY2" fmla="*/ 3850640 h 3850640"/>
-                <a:gd name="connsiteX3" fmla="*/ 4521200 w 4521200"/>
-                <a:gd name="connsiteY3" fmla="*/ 2468880 h 3850640"/>
-                <a:gd name="connsiteX4" fmla="*/ 4135120 w 4521200"/>
-                <a:gd name="connsiteY4" fmla="*/ 650240 h 3850640"/>
-                <a:gd name="connsiteX5" fmla="*/ 2397760 w 4521200"/>
-                <a:gd name="connsiteY5" fmla="*/ 0 h 3850640"/>
-                <a:gd name="connsiteX6" fmla="*/ 304800 w 4521200"/>
-                <a:gd name="connsiteY6" fmla="*/ 904240 h 3850640"/>
-                <a:gd name="connsiteX7" fmla="*/ 0 w 4521200"/>
-                <a:gd name="connsiteY7" fmla="*/ 1798320 h 3850640"/>
-              </a:gdLst>
-              <a:ahLst/>
-              <a:cxnLst>
-                <a:cxn ang="0">
-                  <a:pos x="connsiteX0" y="connsiteY0"/>
-                </a:cxn>
-                <a:cxn ang="0">
-                  <a:pos x="connsiteX1" y="connsiteY1"/>
-                </a:cxn>
-                <a:cxn ang="0">
-                  <a:pos x="connsiteX2" y="connsiteY2"/>
-                </a:cxn>
-                <a:cxn ang="0">
-                  <a:pos x="connsiteX3" y="connsiteY3"/>
-                </a:cxn>
-                <a:cxn ang="0">
-                  <a:pos x="connsiteX4" y="connsiteY4"/>
-                </a:cxn>
-                <a:cxn ang="0">
-                  <a:pos x="connsiteX5" y="connsiteY5"/>
-                </a:cxn>
-                <a:cxn ang="0">
-                  <a:pos x="connsiteX6" y="connsiteY6"/>
-                </a:cxn>
-                <a:cxn ang="0">
-                  <a:pos x="connsiteX7" y="connsiteY7"/>
-                </a:cxn>
-              </a:cxnLst>
-              <a:rect l="l" t="t" r="r" b="b"/>
-              <a:pathLst>
-                <a:path w="4521200" h="3850640">
-                  <a:moveTo>
-                    <a:pt x="0" y="1798320"/>
-                  </a:moveTo>
-                  <a:lnTo>
-                    <a:pt x="1270000" y="3230880"/>
-                  </a:lnTo>
-                  <a:lnTo>
-                    <a:pt x="3688080" y="3850640"/>
-                  </a:lnTo>
-                  <a:lnTo>
-                    <a:pt x="4521200" y="2468880"/>
-                  </a:lnTo>
-                  <a:lnTo>
-                    <a:pt x="4135120" y="650240"/>
-                  </a:lnTo>
-                  <a:lnTo>
-                    <a:pt x="2397760" y="0"/>
-                  </a:lnTo>
-                  <a:lnTo>
-                    <a:pt x="304800" y="904240"/>
-                  </a:lnTo>
-                  <a:lnTo>
-                    <a:pt x="0" y="1798320"/>
-                  </a:lnTo>
-                  <a:close/>
-                </a:path>
-              </a:pathLst>
-            </a:custGeom>
-            <a:solidFill>
-              <a:schemeClr val="accent1">
-                <a:alpha val="50000"/>
-              </a:schemeClr>
-            </a:solidFill>
-            <a:ln w="25400">
-              <a:solidFill>
-                <a:schemeClr val="tx1"/>
-              </a:solidFill>
-            </a:ln>
-          </p:spPr>
-          <p:style>
-            <a:lnRef idx="2">
-              <a:schemeClr val="accent1">
-                <a:shade val="50000"/>
-              </a:schemeClr>
-            </a:lnRef>
-            <a:fillRef idx="1">
-              <a:schemeClr val="accent1"/>
-            </a:fillRef>
-            <a:effectRef idx="0">
-              <a:schemeClr val="accent1"/>
-            </a:effectRef>
-            <a:fontRef idx="minor">
-              <a:schemeClr val="lt1"/>
-            </a:fontRef>
-          </p:style>
-          <p:txBody>
-            <a:bodyPr rtlCol="0" anchor="ctr"/>
-            <a:lstStyle/>
-            <a:p>
-              <a:pPr algn="ctr"/>
-              <a:endParaRPr lang="en-US"/>
-            </a:p>
-          </p:txBody>
-        </p:sp>
-        <p:sp>
-          <p:nvSpPr>
-            <p:cNvPr id="6" name="Freeform 5">
-              <a:extLst>
-                <a:ext uri="{FF2B5EF4-FFF2-40B4-BE49-F238E27FC236}">
-                  <a16:creationId xmlns:a16="http://schemas.microsoft.com/office/drawing/2014/main" id="{E6772042-6B57-194D-912D-A2F81EAED0CF}"/>
-                </a:ext>
-              </a:extLst>
-            </p:cNvPr>
-            <p:cNvSpPr/>
-            <p:nvPr/>
-          </p:nvSpPr>
-          <p:spPr>
-            <a:xfrm>
-              <a:off x="4876800" y="2209800"/>
-              <a:ext cx="4480560" cy="3302000"/>
-            </a:xfrm>
-            <a:custGeom>
-              <a:avLst/>
-              <a:gdLst>
-                <a:gd name="connsiteX0" fmla="*/ 0 w 4521200"/>
-                <a:gd name="connsiteY0" fmla="*/ 1798320 h 3850640"/>
-                <a:gd name="connsiteX1" fmla="*/ 1270000 w 4521200"/>
-                <a:gd name="connsiteY1" fmla="*/ 3230880 h 3850640"/>
-                <a:gd name="connsiteX2" fmla="*/ 3688080 w 4521200"/>
-                <a:gd name="connsiteY2" fmla="*/ 3850640 h 3850640"/>
-                <a:gd name="connsiteX3" fmla="*/ 4521200 w 4521200"/>
-                <a:gd name="connsiteY3" fmla="*/ 2468880 h 3850640"/>
-                <a:gd name="connsiteX4" fmla="*/ 4135120 w 4521200"/>
-                <a:gd name="connsiteY4" fmla="*/ 650240 h 3850640"/>
-                <a:gd name="connsiteX5" fmla="*/ 2397760 w 4521200"/>
-                <a:gd name="connsiteY5" fmla="*/ 0 h 3850640"/>
-                <a:gd name="connsiteX6" fmla="*/ 304800 w 4521200"/>
-                <a:gd name="connsiteY6" fmla="*/ 904240 h 3850640"/>
-                <a:gd name="connsiteX7" fmla="*/ 0 w 4521200"/>
-                <a:gd name="connsiteY7" fmla="*/ 1798320 h 3850640"/>
-                <a:gd name="connsiteX0" fmla="*/ 0 w 4521200"/>
-                <a:gd name="connsiteY0" fmla="*/ 2255520 h 4307840"/>
-                <a:gd name="connsiteX1" fmla="*/ 1270000 w 4521200"/>
-                <a:gd name="connsiteY1" fmla="*/ 3688080 h 4307840"/>
-                <a:gd name="connsiteX2" fmla="*/ 3688080 w 4521200"/>
-                <a:gd name="connsiteY2" fmla="*/ 4307840 h 4307840"/>
-                <a:gd name="connsiteX3" fmla="*/ 4521200 w 4521200"/>
-                <a:gd name="connsiteY3" fmla="*/ 2926080 h 4307840"/>
-                <a:gd name="connsiteX4" fmla="*/ 4135120 w 4521200"/>
-                <a:gd name="connsiteY4" fmla="*/ 1107440 h 4307840"/>
-                <a:gd name="connsiteX5" fmla="*/ 2438400 w 4521200"/>
-                <a:gd name="connsiteY5" fmla="*/ 0 h 4307840"/>
-                <a:gd name="connsiteX6" fmla="*/ 304800 w 4521200"/>
-                <a:gd name="connsiteY6" fmla="*/ 1361440 h 4307840"/>
-                <a:gd name="connsiteX7" fmla="*/ 0 w 4521200"/>
-                <a:gd name="connsiteY7" fmla="*/ 2255520 h 4307840"/>
-                <a:gd name="connsiteX0" fmla="*/ 0 w 4521200"/>
-                <a:gd name="connsiteY0" fmla="*/ 2255520 h 4307840"/>
-                <a:gd name="connsiteX1" fmla="*/ 1270000 w 4521200"/>
-                <a:gd name="connsiteY1" fmla="*/ 3688080 h 4307840"/>
-                <a:gd name="connsiteX2" fmla="*/ 3688080 w 4521200"/>
-                <a:gd name="connsiteY2" fmla="*/ 4307840 h 4307840"/>
-                <a:gd name="connsiteX3" fmla="*/ 4521200 w 4521200"/>
-                <a:gd name="connsiteY3" fmla="*/ 2926080 h 4307840"/>
-                <a:gd name="connsiteX4" fmla="*/ 4135120 w 4521200"/>
-                <a:gd name="connsiteY4" fmla="*/ 1107440 h 4307840"/>
-                <a:gd name="connsiteX5" fmla="*/ 2438400 w 4521200"/>
-                <a:gd name="connsiteY5" fmla="*/ 0 h 4307840"/>
-                <a:gd name="connsiteX6" fmla="*/ 1209040 w 4521200"/>
-                <a:gd name="connsiteY6" fmla="*/ 426720 h 4307840"/>
-                <a:gd name="connsiteX7" fmla="*/ 0 w 4521200"/>
-                <a:gd name="connsiteY7" fmla="*/ 2255520 h 4307840"/>
-                <a:gd name="connsiteX0" fmla="*/ 0 w 3931920"/>
-                <a:gd name="connsiteY0" fmla="*/ 2814320 h 4307840"/>
-                <a:gd name="connsiteX1" fmla="*/ 680720 w 3931920"/>
-                <a:gd name="connsiteY1" fmla="*/ 3688080 h 4307840"/>
-                <a:gd name="connsiteX2" fmla="*/ 3098800 w 3931920"/>
-                <a:gd name="connsiteY2" fmla="*/ 4307840 h 4307840"/>
-                <a:gd name="connsiteX3" fmla="*/ 3931920 w 3931920"/>
-                <a:gd name="connsiteY3" fmla="*/ 2926080 h 4307840"/>
-                <a:gd name="connsiteX4" fmla="*/ 3545840 w 3931920"/>
-                <a:gd name="connsiteY4" fmla="*/ 1107440 h 4307840"/>
-                <a:gd name="connsiteX5" fmla="*/ 1849120 w 3931920"/>
-                <a:gd name="connsiteY5" fmla="*/ 0 h 4307840"/>
-                <a:gd name="connsiteX6" fmla="*/ 619760 w 3931920"/>
-                <a:gd name="connsiteY6" fmla="*/ 426720 h 4307840"/>
-                <a:gd name="connsiteX7" fmla="*/ 0 w 3931920"/>
-                <a:gd name="connsiteY7" fmla="*/ 2814320 h 4307840"/>
-                <a:gd name="connsiteX0" fmla="*/ 436880 w 4368800"/>
-                <a:gd name="connsiteY0" fmla="*/ 2814320 h 4307840"/>
-                <a:gd name="connsiteX1" fmla="*/ 1117600 w 4368800"/>
-                <a:gd name="connsiteY1" fmla="*/ 3688080 h 4307840"/>
-                <a:gd name="connsiteX2" fmla="*/ 3535680 w 4368800"/>
-                <a:gd name="connsiteY2" fmla="*/ 4307840 h 4307840"/>
-                <a:gd name="connsiteX3" fmla="*/ 4368800 w 4368800"/>
-                <a:gd name="connsiteY3" fmla="*/ 2926080 h 4307840"/>
-                <a:gd name="connsiteX4" fmla="*/ 3982720 w 4368800"/>
-                <a:gd name="connsiteY4" fmla="*/ 1107440 h 4307840"/>
-                <a:gd name="connsiteX5" fmla="*/ 2286000 w 4368800"/>
-                <a:gd name="connsiteY5" fmla="*/ 0 h 4307840"/>
-                <a:gd name="connsiteX6" fmla="*/ 0 w 4368800"/>
-                <a:gd name="connsiteY6" fmla="*/ 1595120 h 4307840"/>
-                <a:gd name="connsiteX7" fmla="*/ 436880 w 4368800"/>
-                <a:gd name="connsiteY7" fmla="*/ 2814320 h 4307840"/>
-                <a:gd name="connsiteX0" fmla="*/ 436880 w 4368800"/>
-                <a:gd name="connsiteY0" fmla="*/ 2468880 h 3962400"/>
-                <a:gd name="connsiteX1" fmla="*/ 1117600 w 4368800"/>
-                <a:gd name="connsiteY1" fmla="*/ 3342640 h 3962400"/>
-                <a:gd name="connsiteX2" fmla="*/ 3535680 w 4368800"/>
-                <a:gd name="connsiteY2" fmla="*/ 3962400 h 3962400"/>
-                <a:gd name="connsiteX3" fmla="*/ 4368800 w 4368800"/>
-                <a:gd name="connsiteY3" fmla="*/ 2580640 h 3962400"/>
-                <a:gd name="connsiteX4" fmla="*/ 3982720 w 4368800"/>
-                <a:gd name="connsiteY4" fmla="*/ 762000 h 3962400"/>
-                <a:gd name="connsiteX5" fmla="*/ 914400 w 4368800"/>
-                <a:gd name="connsiteY5" fmla="*/ 0 h 3962400"/>
-                <a:gd name="connsiteX6" fmla="*/ 0 w 4368800"/>
-                <a:gd name="connsiteY6" fmla="*/ 1249680 h 3962400"/>
-                <a:gd name="connsiteX7" fmla="*/ 436880 w 4368800"/>
-                <a:gd name="connsiteY7" fmla="*/ 2468880 h 3962400"/>
-                <a:gd name="connsiteX0" fmla="*/ 436880 w 4368800"/>
-                <a:gd name="connsiteY0" fmla="*/ 2468880 h 3962400"/>
-                <a:gd name="connsiteX1" fmla="*/ 1117600 w 4368800"/>
-                <a:gd name="connsiteY1" fmla="*/ 3342640 h 3962400"/>
-                <a:gd name="connsiteX2" fmla="*/ 3535680 w 4368800"/>
-                <a:gd name="connsiteY2" fmla="*/ 3962400 h 3962400"/>
-                <a:gd name="connsiteX3" fmla="*/ 4368800 w 4368800"/>
-                <a:gd name="connsiteY3" fmla="*/ 2580640 h 3962400"/>
-                <a:gd name="connsiteX4" fmla="*/ 3667760 w 4368800"/>
-                <a:gd name="connsiteY4" fmla="*/ 152400 h 3962400"/>
-                <a:gd name="connsiteX5" fmla="*/ 914400 w 4368800"/>
-                <a:gd name="connsiteY5" fmla="*/ 0 h 3962400"/>
-                <a:gd name="connsiteX6" fmla="*/ 0 w 4368800"/>
-                <a:gd name="connsiteY6" fmla="*/ 1249680 h 3962400"/>
-                <a:gd name="connsiteX7" fmla="*/ 436880 w 4368800"/>
-                <a:gd name="connsiteY7" fmla="*/ 2468880 h 3962400"/>
-                <a:gd name="connsiteX0" fmla="*/ 436880 w 4399280"/>
-                <a:gd name="connsiteY0" fmla="*/ 2468880 h 3962400"/>
-                <a:gd name="connsiteX1" fmla="*/ 1117600 w 4399280"/>
-                <a:gd name="connsiteY1" fmla="*/ 3342640 h 3962400"/>
-                <a:gd name="connsiteX2" fmla="*/ 3535680 w 4399280"/>
-                <a:gd name="connsiteY2" fmla="*/ 3962400 h 3962400"/>
-                <a:gd name="connsiteX3" fmla="*/ 4399280 w 4399280"/>
-                <a:gd name="connsiteY3" fmla="*/ 1524000 h 3962400"/>
-                <a:gd name="connsiteX4" fmla="*/ 3667760 w 4399280"/>
-                <a:gd name="connsiteY4" fmla="*/ 152400 h 3962400"/>
-                <a:gd name="connsiteX5" fmla="*/ 914400 w 4399280"/>
-                <a:gd name="connsiteY5" fmla="*/ 0 h 3962400"/>
-                <a:gd name="connsiteX6" fmla="*/ 0 w 4399280"/>
-                <a:gd name="connsiteY6" fmla="*/ 1249680 h 3962400"/>
-                <a:gd name="connsiteX7" fmla="*/ 436880 w 4399280"/>
-                <a:gd name="connsiteY7" fmla="*/ 2468880 h 3962400"/>
-                <a:gd name="connsiteX0" fmla="*/ 436880 w 4399280"/>
-                <a:gd name="connsiteY0" fmla="*/ 2468880 h 3962400"/>
-                <a:gd name="connsiteX1" fmla="*/ 762000 w 4399280"/>
-                <a:gd name="connsiteY1" fmla="*/ 3230880 h 3962400"/>
-                <a:gd name="connsiteX2" fmla="*/ 3535680 w 4399280"/>
-                <a:gd name="connsiteY2" fmla="*/ 3962400 h 3962400"/>
-                <a:gd name="connsiteX3" fmla="*/ 4399280 w 4399280"/>
-                <a:gd name="connsiteY3" fmla="*/ 1524000 h 3962400"/>
-                <a:gd name="connsiteX4" fmla="*/ 3667760 w 4399280"/>
-                <a:gd name="connsiteY4" fmla="*/ 152400 h 3962400"/>
-                <a:gd name="connsiteX5" fmla="*/ 914400 w 4399280"/>
-                <a:gd name="connsiteY5" fmla="*/ 0 h 3962400"/>
-                <a:gd name="connsiteX6" fmla="*/ 0 w 4399280"/>
-                <a:gd name="connsiteY6" fmla="*/ 1249680 h 3962400"/>
-                <a:gd name="connsiteX7" fmla="*/ 436880 w 4399280"/>
-                <a:gd name="connsiteY7" fmla="*/ 2468880 h 3962400"/>
-                <a:gd name="connsiteX0" fmla="*/ 0 w 4480560"/>
-                <a:gd name="connsiteY0" fmla="*/ 2316480 h 3962400"/>
-                <a:gd name="connsiteX1" fmla="*/ 843280 w 4480560"/>
-                <a:gd name="connsiteY1" fmla="*/ 3230880 h 3962400"/>
-                <a:gd name="connsiteX2" fmla="*/ 3616960 w 4480560"/>
-                <a:gd name="connsiteY2" fmla="*/ 3962400 h 3962400"/>
-                <a:gd name="connsiteX3" fmla="*/ 4480560 w 4480560"/>
-                <a:gd name="connsiteY3" fmla="*/ 1524000 h 3962400"/>
-                <a:gd name="connsiteX4" fmla="*/ 3749040 w 4480560"/>
-                <a:gd name="connsiteY4" fmla="*/ 152400 h 3962400"/>
-                <a:gd name="connsiteX5" fmla="*/ 995680 w 4480560"/>
-                <a:gd name="connsiteY5" fmla="*/ 0 h 3962400"/>
-                <a:gd name="connsiteX6" fmla="*/ 81280 w 4480560"/>
-                <a:gd name="connsiteY6" fmla="*/ 1249680 h 3962400"/>
-                <a:gd name="connsiteX7" fmla="*/ 0 w 4480560"/>
-                <a:gd name="connsiteY7" fmla="*/ 2316480 h 3962400"/>
-                <a:gd name="connsiteX0" fmla="*/ 0 w 4480560"/>
-                <a:gd name="connsiteY0" fmla="*/ 2316480 h 3302000"/>
-                <a:gd name="connsiteX1" fmla="*/ 843280 w 4480560"/>
-                <a:gd name="connsiteY1" fmla="*/ 3230880 h 3302000"/>
-                <a:gd name="connsiteX2" fmla="*/ 3606800 w 4480560"/>
-                <a:gd name="connsiteY2" fmla="*/ 3302000 h 3302000"/>
-                <a:gd name="connsiteX3" fmla="*/ 4480560 w 4480560"/>
-                <a:gd name="connsiteY3" fmla="*/ 1524000 h 3302000"/>
-                <a:gd name="connsiteX4" fmla="*/ 3749040 w 4480560"/>
-                <a:gd name="connsiteY4" fmla="*/ 152400 h 3302000"/>
-                <a:gd name="connsiteX5" fmla="*/ 995680 w 4480560"/>
-                <a:gd name="connsiteY5" fmla="*/ 0 h 3302000"/>
-                <a:gd name="connsiteX6" fmla="*/ 81280 w 4480560"/>
-                <a:gd name="connsiteY6" fmla="*/ 1249680 h 3302000"/>
-                <a:gd name="connsiteX7" fmla="*/ 0 w 4480560"/>
-                <a:gd name="connsiteY7" fmla="*/ 2316480 h 3302000"/>
-              </a:gdLst>
-              <a:ahLst/>
-              <a:cxnLst>
-                <a:cxn ang="0">
-                  <a:pos x="connsiteX0" y="connsiteY0"/>
-                </a:cxn>
-                <a:cxn ang="0">
-                  <a:pos x="connsiteX1" y="connsiteY1"/>
-                </a:cxn>
-                <a:cxn ang="0">
-                  <a:pos x="connsiteX2" y="connsiteY2"/>
-                </a:cxn>
-                <a:cxn ang="0">
-                  <a:pos x="connsiteX3" y="connsiteY3"/>
-                </a:cxn>
-                <a:cxn ang="0">
-                  <a:pos x="connsiteX4" y="connsiteY4"/>
-                </a:cxn>
-                <a:cxn ang="0">
-                  <a:pos x="connsiteX5" y="connsiteY5"/>
-                </a:cxn>
-                <a:cxn ang="0">
-                  <a:pos x="connsiteX6" y="connsiteY6"/>
-                </a:cxn>
-                <a:cxn ang="0">
-                  <a:pos x="connsiteX7" y="connsiteY7"/>
-                </a:cxn>
-              </a:cxnLst>
-              <a:rect l="l" t="t" r="r" b="b"/>
-              <a:pathLst>
-                <a:path w="4480560" h="3302000">
-                  <a:moveTo>
-                    <a:pt x="0" y="2316480"/>
-                  </a:moveTo>
-                  <a:lnTo>
-                    <a:pt x="843280" y="3230880"/>
-                  </a:lnTo>
-                  <a:lnTo>
-                    <a:pt x="3606800" y="3302000"/>
-                  </a:lnTo>
-                  <a:lnTo>
-                    <a:pt x="4480560" y="1524000"/>
-                  </a:lnTo>
-                  <a:lnTo>
-                    <a:pt x="3749040" y="152400"/>
-                  </a:lnTo>
-                  <a:lnTo>
-                    <a:pt x="995680" y="0"/>
-                  </a:lnTo>
-                  <a:lnTo>
-                    <a:pt x="81280" y="1249680"/>
-                  </a:lnTo>
-                  <a:lnTo>
-                    <a:pt x="0" y="2316480"/>
-                  </a:lnTo>
-                  <a:close/>
-                </a:path>
-              </a:pathLst>
-            </a:custGeom>
-            <a:solidFill>
-              <a:schemeClr val="accent2">
-                <a:alpha val="50000"/>
-              </a:schemeClr>
-            </a:solidFill>
-            <a:ln w="25400">
-              <a:solidFill>
-                <a:schemeClr val="tx1"/>
-              </a:solidFill>
-            </a:ln>
-          </p:spPr>
-          <p:style>
-            <a:lnRef idx="2">
-              <a:schemeClr val="accent1">
-                <a:shade val="50000"/>
-              </a:schemeClr>
-            </a:lnRef>
-            <a:fillRef idx="1">
-              <a:schemeClr val="accent1"/>
-            </a:fillRef>
-            <a:effectRef idx="0">
-              <a:schemeClr val="accent1"/>
-            </a:effectRef>
-            <a:fontRef idx="minor">
-              <a:schemeClr val="lt1"/>
-            </a:fontRef>
-          </p:style>
-          <p:txBody>
-            <a:bodyPr rtlCol="0" anchor="ctr"/>
-            <a:lstStyle/>
-            <a:p>
-              <a:pPr algn="ctr"/>
-              <a:endParaRPr lang="en-US"/>
-            </a:p>
-          </p:txBody>
-        </p:sp>
-      </p:grpSp>
-    </p:spTree>
-    <p:extLst>
-      <p:ext uri="{BB962C8B-B14F-4D97-AF65-F5344CB8AC3E}">
-        <p14:creationId xmlns:p14="http://schemas.microsoft.com/office/powerpoint/2010/main" val="2962316260"/>
-      </p:ext>
-    </p:extLst>
-  </p:cSld>
-  <p:clrMapOvr>
-    <a:masterClrMapping/>
-  </p:clrMapOvr>
-</p:sld>
-</file>
-
 <file path=ppt/slides/slide43.xml><?xml version="1.0" encoding="utf-8"?>
-<p:sld xmlns:a="http://schemas.openxmlformats.org/drawingml/2006/main" xmlns:r="http://schemas.openxmlformats.org/officeDocument/2006/relationships" xmlns:p="http://schemas.openxmlformats.org/presentationml/2006/main">
-  <p:cSld>
-    <p:spTree>
-      <p:nvGrpSpPr>
-        <p:cNvPr id="1" name=""/>
-        <p:cNvGrpSpPr/>
-        <p:nvPr/>
-      </p:nvGrpSpPr>
-      <p:grpSpPr>
-        <a:xfrm>
-          <a:off x="0" y="0"/>
-          <a:ext cx="0" cy="0"/>
-          <a:chOff x="0" y="0"/>
-          <a:chExt cx="0" cy="0"/>
-        </a:xfrm>
-      </p:grpSpPr>
-      <p:sp>
-        <p:nvSpPr>
-          <p:cNvPr id="4" name="Content Placeholder 3">
-            <a:extLst>
-              <a:ext uri="{FF2B5EF4-FFF2-40B4-BE49-F238E27FC236}">
-                <a16:creationId xmlns:a16="http://schemas.microsoft.com/office/drawing/2014/main" id="{92FBBDFE-ABD2-DB49-88D2-3CCF83A47B56}"/>
-              </a:ext>
-            </a:extLst>
-          </p:cNvPr>
-          <p:cNvSpPr>
-            <a:spLocks noGrp="1"/>
-          </p:cNvSpPr>
-          <p:nvPr>
-            <p:ph sz="half" idx="1"/>
-          </p:nvPr>
-        </p:nvSpPr>
-        <p:spPr/>
-        <p:txBody>
-          <a:bodyPr/>
-          <a:lstStyle/>
-          <a:p>
-            <a:r>
-              <a:rPr lang="en-US"/>
-              <a:t>Run Seeep Algorithm</a:t>
-            </a:r>
-            <a:endParaRPr lang="en-US" dirty="0"/>
-          </a:p>
-        </p:txBody>
-      </p:sp>
-      <p:sp>
-        <p:nvSpPr>
-          <p:cNvPr id="11" name="Content Placeholder 10">
-            <a:extLst>
-              <a:ext uri="{FF2B5EF4-FFF2-40B4-BE49-F238E27FC236}">
-                <a16:creationId xmlns:a16="http://schemas.microsoft.com/office/drawing/2014/main" id="{25340FE3-8608-5E4F-B1E9-C0F0D0787A12}"/>
-              </a:ext>
-            </a:extLst>
-          </p:cNvPr>
-          <p:cNvSpPr>
-            <a:spLocks noGrp="1"/>
-          </p:cNvSpPr>
-          <p:nvPr>
-            <p:ph sz="half" idx="10"/>
-          </p:nvPr>
-        </p:nvSpPr>
-        <p:spPr/>
-        <p:txBody>
-          <a:bodyPr/>
-          <a:lstStyle/>
-          <a:p>
-            <a:endParaRPr lang="en-US"/>
-          </a:p>
-        </p:txBody>
-      </p:sp>
-      <p:grpSp>
-        <p:nvGrpSpPr>
-          <p:cNvPr id="8" name="Group 7">
-            <a:extLst>
-              <a:ext uri="{FF2B5EF4-FFF2-40B4-BE49-F238E27FC236}">
-                <a16:creationId xmlns:a16="http://schemas.microsoft.com/office/drawing/2014/main" id="{0FF453FD-7B4F-DB46-9B21-C1CDB90C1F3F}"/>
-              </a:ext>
-            </a:extLst>
-          </p:cNvPr>
-          <p:cNvGrpSpPr/>
-          <p:nvPr/>
-        </p:nvGrpSpPr>
-        <p:grpSpPr>
-          <a:xfrm>
-            <a:off x="2616200" y="2169160"/>
-            <a:ext cx="6959600" cy="3850640"/>
-            <a:chOff x="2397760" y="2169160"/>
-            <a:chExt cx="6959600" cy="3850640"/>
-          </a:xfrm>
-        </p:grpSpPr>
-        <p:sp>
-          <p:nvSpPr>
-            <p:cNvPr id="5" name="Freeform 4">
-              <a:extLst>
-                <a:ext uri="{FF2B5EF4-FFF2-40B4-BE49-F238E27FC236}">
-                  <a16:creationId xmlns:a16="http://schemas.microsoft.com/office/drawing/2014/main" id="{03C73BE0-F951-3B4E-9455-E4973DAA219D}"/>
-                </a:ext>
-              </a:extLst>
-            </p:cNvPr>
-            <p:cNvSpPr/>
-            <p:nvPr/>
-          </p:nvSpPr>
-          <p:spPr>
-            <a:xfrm>
-              <a:off x="2397760" y="2169160"/>
-              <a:ext cx="4521200" cy="3850640"/>
-            </a:xfrm>
-            <a:custGeom>
-              <a:avLst/>
-              <a:gdLst>
-                <a:gd name="connsiteX0" fmla="*/ 0 w 4521200"/>
-                <a:gd name="connsiteY0" fmla="*/ 1798320 h 3850640"/>
-                <a:gd name="connsiteX1" fmla="*/ 1270000 w 4521200"/>
-                <a:gd name="connsiteY1" fmla="*/ 3230880 h 3850640"/>
-                <a:gd name="connsiteX2" fmla="*/ 3688080 w 4521200"/>
-                <a:gd name="connsiteY2" fmla="*/ 3850640 h 3850640"/>
-                <a:gd name="connsiteX3" fmla="*/ 4521200 w 4521200"/>
-                <a:gd name="connsiteY3" fmla="*/ 2468880 h 3850640"/>
-                <a:gd name="connsiteX4" fmla="*/ 4135120 w 4521200"/>
-                <a:gd name="connsiteY4" fmla="*/ 650240 h 3850640"/>
-                <a:gd name="connsiteX5" fmla="*/ 2397760 w 4521200"/>
-                <a:gd name="connsiteY5" fmla="*/ 0 h 3850640"/>
-                <a:gd name="connsiteX6" fmla="*/ 304800 w 4521200"/>
-                <a:gd name="connsiteY6" fmla="*/ 904240 h 3850640"/>
-                <a:gd name="connsiteX7" fmla="*/ 0 w 4521200"/>
-                <a:gd name="connsiteY7" fmla="*/ 1798320 h 3850640"/>
-              </a:gdLst>
-              <a:ahLst/>
-              <a:cxnLst>
-                <a:cxn ang="0">
-                  <a:pos x="connsiteX0" y="connsiteY0"/>
-                </a:cxn>
-                <a:cxn ang="0">
-                  <a:pos x="connsiteX1" y="connsiteY1"/>
-                </a:cxn>
-                <a:cxn ang="0">
-                  <a:pos x="connsiteX2" y="connsiteY2"/>
-                </a:cxn>
-                <a:cxn ang="0">
-                  <a:pos x="connsiteX3" y="connsiteY3"/>
-                </a:cxn>
-                <a:cxn ang="0">
-                  <a:pos x="connsiteX4" y="connsiteY4"/>
-                </a:cxn>
-                <a:cxn ang="0">
-                  <a:pos x="connsiteX5" y="connsiteY5"/>
-                </a:cxn>
-                <a:cxn ang="0">
-                  <a:pos x="connsiteX6" y="connsiteY6"/>
-                </a:cxn>
-                <a:cxn ang="0">
-                  <a:pos x="connsiteX7" y="connsiteY7"/>
-                </a:cxn>
-              </a:cxnLst>
-              <a:rect l="l" t="t" r="r" b="b"/>
-              <a:pathLst>
-                <a:path w="4521200" h="3850640">
-                  <a:moveTo>
-                    <a:pt x="0" y="1798320"/>
-                  </a:moveTo>
-                  <a:lnTo>
-                    <a:pt x="1270000" y="3230880"/>
-                  </a:lnTo>
-                  <a:lnTo>
-                    <a:pt x="3688080" y="3850640"/>
-                  </a:lnTo>
-                  <a:lnTo>
-                    <a:pt x="4521200" y="2468880"/>
-                  </a:lnTo>
-                  <a:lnTo>
-                    <a:pt x="4135120" y="650240"/>
-                  </a:lnTo>
-                  <a:lnTo>
-                    <a:pt x="2397760" y="0"/>
-                  </a:lnTo>
-                  <a:lnTo>
-                    <a:pt x="304800" y="904240"/>
-                  </a:lnTo>
-                  <a:lnTo>
-                    <a:pt x="0" y="1798320"/>
-                  </a:lnTo>
-                  <a:close/>
-                </a:path>
-              </a:pathLst>
-            </a:custGeom>
-            <a:solidFill>
-              <a:schemeClr val="accent1">
-                <a:alpha val="50000"/>
-              </a:schemeClr>
-            </a:solidFill>
-            <a:ln w="25400">
-              <a:solidFill>
-                <a:schemeClr val="tx1"/>
-              </a:solidFill>
-            </a:ln>
-          </p:spPr>
-          <p:style>
-            <a:lnRef idx="2">
-              <a:schemeClr val="accent1">
-                <a:shade val="50000"/>
-              </a:schemeClr>
-            </a:lnRef>
-            <a:fillRef idx="1">
-              <a:schemeClr val="accent1"/>
-            </a:fillRef>
-            <a:effectRef idx="0">
-              <a:schemeClr val="accent1"/>
-            </a:effectRef>
-            <a:fontRef idx="minor">
-              <a:schemeClr val="lt1"/>
-            </a:fontRef>
-          </p:style>
-          <p:txBody>
-            <a:bodyPr rtlCol="0" anchor="ctr"/>
-            <a:lstStyle/>
-            <a:p>
-              <a:pPr algn="ctr"/>
-              <a:endParaRPr lang="en-US"/>
-            </a:p>
-          </p:txBody>
-        </p:sp>
-        <p:sp>
-          <p:nvSpPr>
-            <p:cNvPr id="6" name="Freeform 5">
-              <a:extLst>
-                <a:ext uri="{FF2B5EF4-FFF2-40B4-BE49-F238E27FC236}">
-                  <a16:creationId xmlns:a16="http://schemas.microsoft.com/office/drawing/2014/main" id="{E6772042-6B57-194D-912D-A2F81EAED0CF}"/>
-                </a:ext>
-              </a:extLst>
-            </p:cNvPr>
-            <p:cNvSpPr/>
-            <p:nvPr/>
-          </p:nvSpPr>
-          <p:spPr>
-            <a:xfrm>
-              <a:off x="4876800" y="2209800"/>
-              <a:ext cx="4480560" cy="3302000"/>
-            </a:xfrm>
-            <a:custGeom>
-              <a:avLst/>
-              <a:gdLst>
-                <a:gd name="connsiteX0" fmla="*/ 0 w 4521200"/>
-                <a:gd name="connsiteY0" fmla="*/ 1798320 h 3850640"/>
-                <a:gd name="connsiteX1" fmla="*/ 1270000 w 4521200"/>
-                <a:gd name="connsiteY1" fmla="*/ 3230880 h 3850640"/>
-                <a:gd name="connsiteX2" fmla="*/ 3688080 w 4521200"/>
-                <a:gd name="connsiteY2" fmla="*/ 3850640 h 3850640"/>
-                <a:gd name="connsiteX3" fmla="*/ 4521200 w 4521200"/>
-                <a:gd name="connsiteY3" fmla="*/ 2468880 h 3850640"/>
-                <a:gd name="connsiteX4" fmla="*/ 4135120 w 4521200"/>
-                <a:gd name="connsiteY4" fmla="*/ 650240 h 3850640"/>
-                <a:gd name="connsiteX5" fmla="*/ 2397760 w 4521200"/>
-                <a:gd name="connsiteY5" fmla="*/ 0 h 3850640"/>
-                <a:gd name="connsiteX6" fmla="*/ 304800 w 4521200"/>
-                <a:gd name="connsiteY6" fmla="*/ 904240 h 3850640"/>
-                <a:gd name="connsiteX7" fmla="*/ 0 w 4521200"/>
-                <a:gd name="connsiteY7" fmla="*/ 1798320 h 3850640"/>
-                <a:gd name="connsiteX0" fmla="*/ 0 w 4521200"/>
-                <a:gd name="connsiteY0" fmla="*/ 2255520 h 4307840"/>
-                <a:gd name="connsiteX1" fmla="*/ 1270000 w 4521200"/>
-                <a:gd name="connsiteY1" fmla="*/ 3688080 h 4307840"/>
-                <a:gd name="connsiteX2" fmla="*/ 3688080 w 4521200"/>
-                <a:gd name="connsiteY2" fmla="*/ 4307840 h 4307840"/>
-                <a:gd name="connsiteX3" fmla="*/ 4521200 w 4521200"/>
-                <a:gd name="connsiteY3" fmla="*/ 2926080 h 4307840"/>
-                <a:gd name="connsiteX4" fmla="*/ 4135120 w 4521200"/>
-                <a:gd name="connsiteY4" fmla="*/ 1107440 h 4307840"/>
-                <a:gd name="connsiteX5" fmla="*/ 2438400 w 4521200"/>
-                <a:gd name="connsiteY5" fmla="*/ 0 h 4307840"/>
-                <a:gd name="connsiteX6" fmla="*/ 304800 w 4521200"/>
-                <a:gd name="connsiteY6" fmla="*/ 1361440 h 4307840"/>
-                <a:gd name="connsiteX7" fmla="*/ 0 w 4521200"/>
-                <a:gd name="connsiteY7" fmla="*/ 2255520 h 4307840"/>
-                <a:gd name="connsiteX0" fmla="*/ 0 w 4521200"/>
-                <a:gd name="connsiteY0" fmla="*/ 2255520 h 4307840"/>
-                <a:gd name="connsiteX1" fmla="*/ 1270000 w 4521200"/>
-                <a:gd name="connsiteY1" fmla="*/ 3688080 h 4307840"/>
-                <a:gd name="connsiteX2" fmla="*/ 3688080 w 4521200"/>
-                <a:gd name="connsiteY2" fmla="*/ 4307840 h 4307840"/>
-                <a:gd name="connsiteX3" fmla="*/ 4521200 w 4521200"/>
-                <a:gd name="connsiteY3" fmla="*/ 2926080 h 4307840"/>
-                <a:gd name="connsiteX4" fmla="*/ 4135120 w 4521200"/>
-                <a:gd name="connsiteY4" fmla="*/ 1107440 h 4307840"/>
-                <a:gd name="connsiteX5" fmla="*/ 2438400 w 4521200"/>
-                <a:gd name="connsiteY5" fmla="*/ 0 h 4307840"/>
-                <a:gd name="connsiteX6" fmla="*/ 1209040 w 4521200"/>
-                <a:gd name="connsiteY6" fmla="*/ 426720 h 4307840"/>
-                <a:gd name="connsiteX7" fmla="*/ 0 w 4521200"/>
-                <a:gd name="connsiteY7" fmla="*/ 2255520 h 4307840"/>
-                <a:gd name="connsiteX0" fmla="*/ 0 w 3931920"/>
-                <a:gd name="connsiteY0" fmla="*/ 2814320 h 4307840"/>
-                <a:gd name="connsiteX1" fmla="*/ 680720 w 3931920"/>
-                <a:gd name="connsiteY1" fmla="*/ 3688080 h 4307840"/>
-                <a:gd name="connsiteX2" fmla="*/ 3098800 w 3931920"/>
-                <a:gd name="connsiteY2" fmla="*/ 4307840 h 4307840"/>
-                <a:gd name="connsiteX3" fmla="*/ 3931920 w 3931920"/>
-                <a:gd name="connsiteY3" fmla="*/ 2926080 h 4307840"/>
-                <a:gd name="connsiteX4" fmla="*/ 3545840 w 3931920"/>
-                <a:gd name="connsiteY4" fmla="*/ 1107440 h 4307840"/>
-                <a:gd name="connsiteX5" fmla="*/ 1849120 w 3931920"/>
-                <a:gd name="connsiteY5" fmla="*/ 0 h 4307840"/>
-                <a:gd name="connsiteX6" fmla="*/ 619760 w 3931920"/>
-                <a:gd name="connsiteY6" fmla="*/ 426720 h 4307840"/>
-                <a:gd name="connsiteX7" fmla="*/ 0 w 3931920"/>
-                <a:gd name="connsiteY7" fmla="*/ 2814320 h 4307840"/>
-                <a:gd name="connsiteX0" fmla="*/ 436880 w 4368800"/>
-                <a:gd name="connsiteY0" fmla="*/ 2814320 h 4307840"/>
-                <a:gd name="connsiteX1" fmla="*/ 1117600 w 4368800"/>
-                <a:gd name="connsiteY1" fmla="*/ 3688080 h 4307840"/>
-                <a:gd name="connsiteX2" fmla="*/ 3535680 w 4368800"/>
-                <a:gd name="connsiteY2" fmla="*/ 4307840 h 4307840"/>
-                <a:gd name="connsiteX3" fmla="*/ 4368800 w 4368800"/>
-                <a:gd name="connsiteY3" fmla="*/ 2926080 h 4307840"/>
-                <a:gd name="connsiteX4" fmla="*/ 3982720 w 4368800"/>
-                <a:gd name="connsiteY4" fmla="*/ 1107440 h 4307840"/>
-                <a:gd name="connsiteX5" fmla="*/ 2286000 w 4368800"/>
-                <a:gd name="connsiteY5" fmla="*/ 0 h 4307840"/>
-                <a:gd name="connsiteX6" fmla="*/ 0 w 4368800"/>
-                <a:gd name="connsiteY6" fmla="*/ 1595120 h 4307840"/>
-                <a:gd name="connsiteX7" fmla="*/ 436880 w 4368800"/>
-                <a:gd name="connsiteY7" fmla="*/ 2814320 h 4307840"/>
-                <a:gd name="connsiteX0" fmla="*/ 436880 w 4368800"/>
-                <a:gd name="connsiteY0" fmla="*/ 2468880 h 3962400"/>
-                <a:gd name="connsiteX1" fmla="*/ 1117600 w 4368800"/>
-                <a:gd name="connsiteY1" fmla="*/ 3342640 h 3962400"/>
-                <a:gd name="connsiteX2" fmla="*/ 3535680 w 4368800"/>
-                <a:gd name="connsiteY2" fmla="*/ 3962400 h 3962400"/>
-                <a:gd name="connsiteX3" fmla="*/ 4368800 w 4368800"/>
-                <a:gd name="connsiteY3" fmla="*/ 2580640 h 3962400"/>
-                <a:gd name="connsiteX4" fmla="*/ 3982720 w 4368800"/>
-                <a:gd name="connsiteY4" fmla="*/ 762000 h 3962400"/>
-                <a:gd name="connsiteX5" fmla="*/ 914400 w 4368800"/>
-                <a:gd name="connsiteY5" fmla="*/ 0 h 3962400"/>
-                <a:gd name="connsiteX6" fmla="*/ 0 w 4368800"/>
-                <a:gd name="connsiteY6" fmla="*/ 1249680 h 3962400"/>
-                <a:gd name="connsiteX7" fmla="*/ 436880 w 4368800"/>
-                <a:gd name="connsiteY7" fmla="*/ 2468880 h 3962400"/>
-                <a:gd name="connsiteX0" fmla="*/ 436880 w 4368800"/>
-                <a:gd name="connsiteY0" fmla="*/ 2468880 h 3962400"/>
-                <a:gd name="connsiteX1" fmla="*/ 1117600 w 4368800"/>
-                <a:gd name="connsiteY1" fmla="*/ 3342640 h 3962400"/>
-                <a:gd name="connsiteX2" fmla="*/ 3535680 w 4368800"/>
-                <a:gd name="connsiteY2" fmla="*/ 3962400 h 3962400"/>
-                <a:gd name="connsiteX3" fmla="*/ 4368800 w 4368800"/>
-                <a:gd name="connsiteY3" fmla="*/ 2580640 h 3962400"/>
-                <a:gd name="connsiteX4" fmla="*/ 3667760 w 4368800"/>
-                <a:gd name="connsiteY4" fmla="*/ 152400 h 3962400"/>
-                <a:gd name="connsiteX5" fmla="*/ 914400 w 4368800"/>
-                <a:gd name="connsiteY5" fmla="*/ 0 h 3962400"/>
-                <a:gd name="connsiteX6" fmla="*/ 0 w 4368800"/>
-                <a:gd name="connsiteY6" fmla="*/ 1249680 h 3962400"/>
-                <a:gd name="connsiteX7" fmla="*/ 436880 w 4368800"/>
-                <a:gd name="connsiteY7" fmla="*/ 2468880 h 3962400"/>
-                <a:gd name="connsiteX0" fmla="*/ 436880 w 4399280"/>
-                <a:gd name="connsiteY0" fmla="*/ 2468880 h 3962400"/>
-                <a:gd name="connsiteX1" fmla="*/ 1117600 w 4399280"/>
-                <a:gd name="connsiteY1" fmla="*/ 3342640 h 3962400"/>
-                <a:gd name="connsiteX2" fmla="*/ 3535680 w 4399280"/>
-                <a:gd name="connsiteY2" fmla="*/ 3962400 h 3962400"/>
-                <a:gd name="connsiteX3" fmla="*/ 4399280 w 4399280"/>
-                <a:gd name="connsiteY3" fmla="*/ 1524000 h 3962400"/>
-                <a:gd name="connsiteX4" fmla="*/ 3667760 w 4399280"/>
-                <a:gd name="connsiteY4" fmla="*/ 152400 h 3962400"/>
-                <a:gd name="connsiteX5" fmla="*/ 914400 w 4399280"/>
-                <a:gd name="connsiteY5" fmla="*/ 0 h 3962400"/>
-                <a:gd name="connsiteX6" fmla="*/ 0 w 4399280"/>
-                <a:gd name="connsiteY6" fmla="*/ 1249680 h 3962400"/>
-                <a:gd name="connsiteX7" fmla="*/ 436880 w 4399280"/>
-                <a:gd name="connsiteY7" fmla="*/ 2468880 h 3962400"/>
-                <a:gd name="connsiteX0" fmla="*/ 436880 w 4399280"/>
-                <a:gd name="connsiteY0" fmla="*/ 2468880 h 3962400"/>
-                <a:gd name="connsiteX1" fmla="*/ 762000 w 4399280"/>
-                <a:gd name="connsiteY1" fmla="*/ 3230880 h 3962400"/>
-                <a:gd name="connsiteX2" fmla="*/ 3535680 w 4399280"/>
-                <a:gd name="connsiteY2" fmla="*/ 3962400 h 3962400"/>
-                <a:gd name="connsiteX3" fmla="*/ 4399280 w 4399280"/>
-                <a:gd name="connsiteY3" fmla="*/ 1524000 h 3962400"/>
-                <a:gd name="connsiteX4" fmla="*/ 3667760 w 4399280"/>
-                <a:gd name="connsiteY4" fmla="*/ 152400 h 3962400"/>
-                <a:gd name="connsiteX5" fmla="*/ 914400 w 4399280"/>
-                <a:gd name="connsiteY5" fmla="*/ 0 h 3962400"/>
-                <a:gd name="connsiteX6" fmla="*/ 0 w 4399280"/>
-                <a:gd name="connsiteY6" fmla="*/ 1249680 h 3962400"/>
-                <a:gd name="connsiteX7" fmla="*/ 436880 w 4399280"/>
-                <a:gd name="connsiteY7" fmla="*/ 2468880 h 3962400"/>
-                <a:gd name="connsiteX0" fmla="*/ 0 w 4480560"/>
-                <a:gd name="connsiteY0" fmla="*/ 2316480 h 3962400"/>
-                <a:gd name="connsiteX1" fmla="*/ 843280 w 4480560"/>
-                <a:gd name="connsiteY1" fmla="*/ 3230880 h 3962400"/>
-                <a:gd name="connsiteX2" fmla="*/ 3616960 w 4480560"/>
-                <a:gd name="connsiteY2" fmla="*/ 3962400 h 3962400"/>
-                <a:gd name="connsiteX3" fmla="*/ 4480560 w 4480560"/>
-                <a:gd name="connsiteY3" fmla="*/ 1524000 h 3962400"/>
-                <a:gd name="connsiteX4" fmla="*/ 3749040 w 4480560"/>
-                <a:gd name="connsiteY4" fmla="*/ 152400 h 3962400"/>
-                <a:gd name="connsiteX5" fmla="*/ 995680 w 4480560"/>
-                <a:gd name="connsiteY5" fmla="*/ 0 h 3962400"/>
-                <a:gd name="connsiteX6" fmla="*/ 81280 w 4480560"/>
-                <a:gd name="connsiteY6" fmla="*/ 1249680 h 3962400"/>
-                <a:gd name="connsiteX7" fmla="*/ 0 w 4480560"/>
-                <a:gd name="connsiteY7" fmla="*/ 2316480 h 3962400"/>
-                <a:gd name="connsiteX0" fmla="*/ 0 w 4480560"/>
-                <a:gd name="connsiteY0" fmla="*/ 2316480 h 3302000"/>
-                <a:gd name="connsiteX1" fmla="*/ 843280 w 4480560"/>
-                <a:gd name="connsiteY1" fmla="*/ 3230880 h 3302000"/>
-                <a:gd name="connsiteX2" fmla="*/ 3606800 w 4480560"/>
-                <a:gd name="connsiteY2" fmla="*/ 3302000 h 3302000"/>
-                <a:gd name="connsiteX3" fmla="*/ 4480560 w 4480560"/>
-                <a:gd name="connsiteY3" fmla="*/ 1524000 h 3302000"/>
-                <a:gd name="connsiteX4" fmla="*/ 3749040 w 4480560"/>
-                <a:gd name="connsiteY4" fmla="*/ 152400 h 3302000"/>
-                <a:gd name="connsiteX5" fmla="*/ 995680 w 4480560"/>
-                <a:gd name="connsiteY5" fmla="*/ 0 h 3302000"/>
-                <a:gd name="connsiteX6" fmla="*/ 81280 w 4480560"/>
-                <a:gd name="connsiteY6" fmla="*/ 1249680 h 3302000"/>
-                <a:gd name="connsiteX7" fmla="*/ 0 w 4480560"/>
-                <a:gd name="connsiteY7" fmla="*/ 2316480 h 3302000"/>
-              </a:gdLst>
-              <a:ahLst/>
-              <a:cxnLst>
-                <a:cxn ang="0">
-                  <a:pos x="connsiteX0" y="connsiteY0"/>
-                </a:cxn>
-                <a:cxn ang="0">
-                  <a:pos x="connsiteX1" y="connsiteY1"/>
-                </a:cxn>
-                <a:cxn ang="0">
-                  <a:pos x="connsiteX2" y="connsiteY2"/>
-                </a:cxn>
-                <a:cxn ang="0">
-                  <a:pos x="connsiteX3" y="connsiteY3"/>
-                </a:cxn>
-                <a:cxn ang="0">
-                  <a:pos x="connsiteX4" y="connsiteY4"/>
-                </a:cxn>
-                <a:cxn ang="0">
-                  <a:pos x="connsiteX5" y="connsiteY5"/>
-                </a:cxn>
-                <a:cxn ang="0">
-                  <a:pos x="connsiteX6" y="connsiteY6"/>
-                </a:cxn>
-                <a:cxn ang="0">
-                  <a:pos x="connsiteX7" y="connsiteY7"/>
-                </a:cxn>
-              </a:cxnLst>
-              <a:rect l="l" t="t" r="r" b="b"/>
-              <a:pathLst>
-                <a:path w="4480560" h="3302000">
-                  <a:moveTo>
-                    <a:pt x="0" y="2316480"/>
-                  </a:moveTo>
-                  <a:lnTo>
-                    <a:pt x="843280" y="3230880"/>
-                  </a:lnTo>
-                  <a:lnTo>
-                    <a:pt x="3606800" y="3302000"/>
-                  </a:lnTo>
-                  <a:lnTo>
-                    <a:pt x="4480560" y="1524000"/>
-                  </a:lnTo>
-                  <a:lnTo>
-                    <a:pt x="3749040" y="152400"/>
-                  </a:lnTo>
-                  <a:lnTo>
-                    <a:pt x="995680" y="0"/>
-                  </a:lnTo>
-                  <a:lnTo>
-                    <a:pt x="81280" y="1249680"/>
-                  </a:lnTo>
-                  <a:lnTo>
-                    <a:pt x="0" y="2316480"/>
-                  </a:lnTo>
-                  <a:close/>
-                </a:path>
-              </a:pathLst>
-            </a:custGeom>
-            <a:solidFill>
-              <a:schemeClr val="accent2">
-                <a:alpha val="50000"/>
-              </a:schemeClr>
-            </a:solidFill>
-            <a:ln w="25400">
-              <a:solidFill>
-                <a:schemeClr val="tx1"/>
-              </a:solidFill>
-            </a:ln>
-          </p:spPr>
-          <p:style>
-            <a:lnRef idx="2">
-              <a:schemeClr val="accent1">
-                <a:shade val="50000"/>
-              </a:schemeClr>
-            </a:lnRef>
-            <a:fillRef idx="1">
-              <a:schemeClr val="accent1"/>
-            </a:fillRef>
-            <a:effectRef idx="0">
-              <a:schemeClr val="accent1"/>
-            </a:effectRef>
-            <a:fontRef idx="minor">
-              <a:schemeClr val="lt1"/>
-            </a:fontRef>
-          </p:style>
-          <p:txBody>
-            <a:bodyPr rtlCol="0" anchor="ctr"/>
-            <a:lstStyle/>
-            <a:p>
-              <a:pPr algn="ctr"/>
-              <a:endParaRPr lang="en-US"/>
-            </a:p>
-          </p:txBody>
-        </p:sp>
-      </p:grpSp>
-      <p:sp>
-        <p:nvSpPr>
-          <p:cNvPr id="2" name="Oval 1">
-            <a:extLst>
-              <a:ext uri="{FF2B5EF4-FFF2-40B4-BE49-F238E27FC236}">
-                <a16:creationId xmlns:a16="http://schemas.microsoft.com/office/drawing/2014/main" id="{00F12364-3C14-B242-BF14-A2CA41B28871}"/>
-              </a:ext>
-            </a:extLst>
-          </p:cNvPr>
-          <p:cNvSpPr/>
-          <p:nvPr/>
-        </p:nvSpPr>
-        <p:spPr>
-          <a:xfrm>
-            <a:off x="5796915" y="2402205"/>
-            <a:ext cx="182880" cy="182880"/>
-          </a:xfrm>
-          <a:prstGeom prst="ellipse">
-            <a:avLst/>
-          </a:prstGeom>
-          <a:solidFill>
-            <a:schemeClr val="tx1"/>
-          </a:solidFill>
-          <a:ln>
-            <a:noFill/>
-          </a:ln>
-        </p:spPr>
-        <p:style>
-          <a:lnRef idx="2">
-            <a:schemeClr val="accent1">
-              <a:shade val="50000"/>
-            </a:schemeClr>
-          </a:lnRef>
-          <a:fillRef idx="1">
-            <a:schemeClr val="accent1"/>
-          </a:fillRef>
-          <a:effectRef idx="0">
-            <a:schemeClr val="accent1"/>
-          </a:effectRef>
-          <a:fontRef idx="minor">
-            <a:schemeClr val="lt1"/>
-          </a:fontRef>
-        </p:style>
-        <p:txBody>
-          <a:bodyPr rtlCol="0" anchor="ctr"/>
-          <a:lstStyle/>
-          <a:p>
-            <a:pPr algn="ctr"/>
-            <a:endParaRPr lang="en-US" dirty="0"/>
-          </a:p>
-        </p:txBody>
-      </p:sp>
-      <p:sp>
-        <p:nvSpPr>
-          <p:cNvPr id="9" name="Oval 8">
-            <a:extLst>
-              <a:ext uri="{FF2B5EF4-FFF2-40B4-BE49-F238E27FC236}">
-                <a16:creationId xmlns:a16="http://schemas.microsoft.com/office/drawing/2014/main" id="{A4102262-050A-E141-9FA9-C10451343375}"/>
-              </a:ext>
-            </a:extLst>
-          </p:cNvPr>
-          <p:cNvSpPr/>
-          <p:nvPr/>
-        </p:nvSpPr>
-        <p:spPr>
-          <a:xfrm>
-            <a:off x="6549390" y="5343525"/>
-            <a:ext cx="182880" cy="182880"/>
-          </a:xfrm>
-          <a:prstGeom prst="ellipse">
-            <a:avLst/>
-          </a:prstGeom>
-          <a:solidFill>
-            <a:schemeClr val="tx1"/>
-          </a:solidFill>
-          <a:ln>
-            <a:noFill/>
-          </a:ln>
-        </p:spPr>
-        <p:style>
-          <a:lnRef idx="2">
-            <a:schemeClr val="accent1">
-              <a:shade val="50000"/>
-            </a:schemeClr>
-          </a:lnRef>
-          <a:fillRef idx="1">
-            <a:schemeClr val="accent1"/>
-          </a:fillRef>
-          <a:effectRef idx="0">
-            <a:schemeClr val="accent1"/>
-          </a:effectRef>
-          <a:fontRef idx="minor">
-            <a:schemeClr val="lt1"/>
-          </a:fontRef>
-        </p:style>
-        <p:txBody>
-          <a:bodyPr rtlCol="0" anchor="ctr"/>
-          <a:lstStyle/>
-          <a:p>
-            <a:pPr algn="ctr"/>
-            <a:endParaRPr lang="en-US" dirty="0"/>
-          </a:p>
-        </p:txBody>
-      </p:sp>
-    </p:spTree>
-    <p:extLst>
-      <p:ext uri="{BB962C8B-B14F-4D97-AF65-F5344CB8AC3E}">
-        <p14:creationId xmlns:p14="http://schemas.microsoft.com/office/powerpoint/2010/main" val="4103135538"/>
-      </p:ext>
-    </p:extLst>
-  </p:cSld>
-  <p:clrMapOvr>
-    <a:masterClrMapping/>
-  </p:clrMapOvr>
-</p:sld>
-</file>
-
-<file path=ppt/slides/slide44.xml><?xml version="1.0" encoding="utf-8"?>
-<p:sld xmlns:a="http://schemas.openxmlformats.org/drawingml/2006/main" xmlns:r="http://schemas.openxmlformats.org/officeDocument/2006/relationships" xmlns:p="http://schemas.openxmlformats.org/presentationml/2006/main">
-  <p:cSld>
-    <p:spTree>
-      <p:nvGrpSpPr>
-        <p:cNvPr id="1" name=""/>
-        <p:cNvGrpSpPr/>
-        <p:nvPr/>
-      </p:nvGrpSpPr>
-      <p:grpSpPr>
-        <a:xfrm>
-          <a:off x="0" y="0"/>
-          <a:ext cx="0" cy="0"/>
-          <a:chOff x="0" y="0"/>
-          <a:chExt cx="0" cy="0"/>
-        </a:xfrm>
-      </p:grpSpPr>
-      <p:sp>
-        <p:nvSpPr>
-          <p:cNvPr id="4" name="Content Placeholder 3">
-            <a:extLst>
-              <a:ext uri="{FF2B5EF4-FFF2-40B4-BE49-F238E27FC236}">
-                <a16:creationId xmlns:a16="http://schemas.microsoft.com/office/drawing/2014/main" id="{92FBBDFE-ABD2-DB49-88D2-3CCF83A47B56}"/>
-              </a:ext>
-            </a:extLst>
-          </p:cNvPr>
-          <p:cNvSpPr>
-            <a:spLocks noGrp="1"/>
-          </p:cNvSpPr>
-          <p:nvPr>
-            <p:ph sz="half" idx="1"/>
-          </p:nvPr>
-        </p:nvSpPr>
-        <p:spPr/>
-        <p:txBody>
-          <a:bodyPr>
-            <a:normAutofit fontScale="92500"/>
-          </a:bodyPr>
-          <a:lstStyle/>
-          <a:p>
-            <a:r>
-              <a:rPr lang="en-US" dirty="0"/>
-              <a:t>Connectivity stored as doubly linked list</a:t>
-            </a:r>
-          </a:p>
-        </p:txBody>
-      </p:sp>
-      <p:sp>
-        <p:nvSpPr>
-          <p:cNvPr id="41" name="Content Placeholder 40">
-            <a:extLst>
-              <a:ext uri="{FF2B5EF4-FFF2-40B4-BE49-F238E27FC236}">
-                <a16:creationId xmlns:a16="http://schemas.microsoft.com/office/drawing/2014/main" id="{2D5950BA-F364-AE40-9282-25D49CE40261}"/>
-              </a:ext>
-            </a:extLst>
-          </p:cNvPr>
-          <p:cNvSpPr>
-            <a:spLocks noGrp="1"/>
-          </p:cNvSpPr>
-          <p:nvPr>
-            <p:ph sz="half" idx="10"/>
-          </p:nvPr>
-        </p:nvSpPr>
-        <p:spPr/>
-        <p:txBody>
-          <a:bodyPr/>
-          <a:lstStyle/>
-          <a:p>
-            <a:endParaRPr lang="en-US"/>
-          </a:p>
-        </p:txBody>
-      </p:sp>
-      <p:grpSp>
-        <p:nvGrpSpPr>
-          <p:cNvPr id="8" name="Group 7">
-            <a:extLst>
-              <a:ext uri="{FF2B5EF4-FFF2-40B4-BE49-F238E27FC236}">
-                <a16:creationId xmlns:a16="http://schemas.microsoft.com/office/drawing/2014/main" id="{0FF453FD-7B4F-DB46-9B21-C1CDB90C1F3F}"/>
-              </a:ext>
-            </a:extLst>
-          </p:cNvPr>
-          <p:cNvGrpSpPr/>
-          <p:nvPr/>
-        </p:nvGrpSpPr>
-        <p:grpSpPr>
-          <a:xfrm>
-            <a:off x="2616200" y="2169160"/>
-            <a:ext cx="6959600" cy="3850640"/>
-            <a:chOff x="2397760" y="2169160"/>
-            <a:chExt cx="6959600" cy="3850640"/>
-          </a:xfrm>
-        </p:grpSpPr>
-        <p:sp>
-          <p:nvSpPr>
-            <p:cNvPr id="5" name="Freeform 4">
-              <a:extLst>
-                <a:ext uri="{FF2B5EF4-FFF2-40B4-BE49-F238E27FC236}">
-                  <a16:creationId xmlns:a16="http://schemas.microsoft.com/office/drawing/2014/main" id="{03C73BE0-F951-3B4E-9455-E4973DAA219D}"/>
-                </a:ext>
-              </a:extLst>
-            </p:cNvPr>
-            <p:cNvSpPr/>
-            <p:nvPr/>
-          </p:nvSpPr>
-          <p:spPr>
-            <a:xfrm>
-              <a:off x="2397760" y="2169160"/>
-              <a:ext cx="4521200" cy="3850640"/>
-            </a:xfrm>
-            <a:custGeom>
-              <a:avLst/>
-              <a:gdLst>
-                <a:gd name="connsiteX0" fmla="*/ 0 w 4521200"/>
-                <a:gd name="connsiteY0" fmla="*/ 1798320 h 3850640"/>
-                <a:gd name="connsiteX1" fmla="*/ 1270000 w 4521200"/>
-                <a:gd name="connsiteY1" fmla="*/ 3230880 h 3850640"/>
-                <a:gd name="connsiteX2" fmla="*/ 3688080 w 4521200"/>
-                <a:gd name="connsiteY2" fmla="*/ 3850640 h 3850640"/>
-                <a:gd name="connsiteX3" fmla="*/ 4521200 w 4521200"/>
-                <a:gd name="connsiteY3" fmla="*/ 2468880 h 3850640"/>
-                <a:gd name="connsiteX4" fmla="*/ 4135120 w 4521200"/>
-                <a:gd name="connsiteY4" fmla="*/ 650240 h 3850640"/>
-                <a:gd name="connsiteX5" fmla="*/ 2397760 w 4521200"/>
-                <a:gd name="connsiteY5" fmla="*/ 0 h 3850640"/>
-                <a:gd name="connsiteX6" fmla="*/ 304800 w 4521200"/>
-                <a:gd name="connsiteY6" fmla="*/ 904240 h 3850640"/>
-                <a:gd name="connsiteX7" fmla="*/ 0 w 4521200"/>
-                <a:gd name="connsiteY7" fmla="*/ 1798320 h 3850640"/>
-              </a:gdLst>
-              <a:ahLst/>
-              <a:cxnLst>
-                <a:cxn ang="0">
-                  <a:pos x="connsiteX0" y="connsiteY0"/>
-                </a:cxn>
-                <a:cxn ang="0">
-                  <a:pos x="connsiteX1" y="connsiteY1"/>
-                </a:cxn>
-                <a:cxn ang="0">
-                  <a:pos x="connsiteX2" y="connsiteY2"/>
-                </a:cxn>
-                <a:cxn ang="0">
-                  <a:pos x="connsiteX3" y="connsiteY3"/>
-                </a:cxn>
-                <a:cxn ang="0">
-                  <a:pos x="connsiteX4" y="connsiteY4"/>
-                </a:cxn>
-                <a:cxn ang="0">
-                  <a:pos x="connsiteX5" y="connsiteY5"/>
-                </a:cxn>
-                <a:cxn ang="0">
-                  <a:pos x="connsiteX6" y="connsiteY6"/>
-                </a:cxn>
-                <a:cxn ang="0">
-                  <a:pos x="connsiteX7" y="connsiteY7"/>
-                </a:cxn>
-              </a:cxnLst>
-              <a:rect l="l" t="t" r="r" b="b"/>
-              <a:pathLst>
-                <a:path w="4521200" h="3850640">
-                  <a:moveTo>
-                    <a:pt x="0" y="1798320"/>
-                  </a:moveTo>
-                  <a:lnTo>
-                    <a:pt x="1270000" y="3230880"/>
-                  </a:lnTo>
-                  <a:lnTo>
-                    <a:pt x="3688080" y="3850640"/>
-                  </a:lnTo>
-                  <a:lnTo>
-                    <a:pt x="4521200" y="2468880"/>
-                  </a:lnTo>
-                  <a:lnTo>
-                    <a:pt x="4135120" y="650240"/>
-                  </a:lnTo>
-                  <a:lnTo>
-                    <a:pt x="2397760" y="0"/>
-                  </a:lnTo>
-                  <a:lnTo>
-                    <a:pt x="304800" y="904240"/>
-                  </a:lnTo>
-                  <a:lnTo>
-                    <a:pt x="0" y="1798320"/>
-                  </a:lnTo>
-                  <a:close/>
-                </a:path>
-              </a:pathLst>
-            </a:custGeom>
-            <a:solidFill>
-              <a:schemeClr val="accent1">
-                <a:alpha val="50000"/>
-              </a:schemeClr>
-            </a:solidFill>
-            <a:ln w="25400">
-              <a:solidFill>
-                <a:schemeClr val="tx1"/>
-              </a:solidFill>
-            </a:ln>
-          </p:spPr>
-          <p:style>
-            <a:lnRef idx="2">
-              <a:schemeClr val="accent1">
-                <a:shade val="50000"/>
-              </a:schemeClr>
-            </a:lnRef>
-            <a:fillRef idx="1">
-              <a:schemeClr val="accent1"/>
-            </a:fillRef>
-            <a:effectRef idx="0">
-              <a:schemeClr val="accent1"/>
-            </a:effectRef>
-            <a:fontRef idx="minor">
-              <a:schemeClr val="lt1"/>
-            </a:fontRef>
-          </p:style>
-          <p:txBody>
-            <a:bodyPr rtlCol="0" anchor="ctr"/>
-            <a:lstStyle/>
-            <a:p>
-              <a:pPr algn="ctr"/>
-              <a:endParaRPr lang="en-US"/>
-            </a:p>
-          </p:txBody>
-        </p:sp>
-        <p:sp>
-          <p:nvSpPr>
-            <p:cNvPr id="6" name="Freeform 5">
-              <a:extLst>
-                <a:ext uri="{FF2B5EF4-FFF2-40B4-BE49-F238E27FC236}">
-                  <a16:creationId xmlns:a16="http://schemas.microsoft.com/office/drawing/2014/main" id="{E6772042-6B57-194D-912D-A2F81EAED0CF}"/>
-                </a:ext>
-              </a:extLst>
-            </p:cNvPr>
-            <p:cNvSpPr/>
-            <p:nvPr/>
-          </p:nvSpPr>
-          <p:spPr>
-            <a:xfrm>
-              <a:off x="4876800" y="2209800"/>
-              <a:ext cx="4480560" cy="3302000"/>
-            </a:xfrm>
-            <a:custGeom>
-              <a:avLst/>
-              <a:gdLst>
-                <a:gd name="connsiteX0" fmla="*/ 0 w 4521200"/>
-                <a:gd name="connsiteY0" fmla="*/ 1798320 h 3850640"/>
-                <a:gd name="connsiteX1" fmla="*/ 1270000 w 4521200"/>
-                <a:gd name="connsiteY1" fmla="*/ 3230880 h 3850640"/>
-                <a:gd name="connsiteX2" fmla="*/ 3688080 w 4521200"/>
-                <a:gd name="connsiteY2" fmla="*/ 3850640 h 3850640"/>
-                <a:gd name="connsiteX3" fmla="*/ 4521200 w 4521200"/>
-                <a:gd name="connsiteY3" fmla="*/ 2468880 h 3850640"/>
-                <a:gd name="connsiteX4" fmla="*/ 4135120 w 4521200"/>
-                <a:gd name="connsiteY4" fmla="*/ 650240 h 3850640"/>
-                <a:gd name="connsiteX5" fmla="*/ 2397760 w 4521200"/>
-                <a:gd name="connsiteY5" fmla="*/ 0 h 3850640"/>
-                <a:gd name="connsiteX6" fmla="*/ 304800 w 4521200"/>
-                <a:gd name="connsiteY6" fmla="*/ 904240 h 3850640"/>
-                <a:gd name="connsiteX7" fmla="*/ 0 w 4521200"/>
-                <a:gd name="connsiteY7" fmla="*/ 1798320 h 3850640"/>
-                <a:gd name="connsiteX0" fmla="*/ 0 w 4521200"/>
-                <a:gd name="connsiteY0" fmla="*/ 2255520 h 4307840"/>
-                <a:gd name="connsiteX1" fmla="*/ 1270000 w 4521200"/>
-                <a:gd name="connsiteY1" fmla="*/ 3688080 h 4307840"/>
-                <a:gd name="connsiteX2" fmla="*/ 3688080 w 4521200"/>
-                <a:gd name="connsiteY2" fmla="*/ 4307840 h 4307840"/>
-                <a:gd name="connsiteX3" fmla="*/ 4521200 w 4521200"/>
-                <a:gd name="connsiteY3" fmla="*/ 2926080 h 4307840"/>
-                <a:gd name="connsiteX4" fmla="*/ 4135120 w 4521200"/>
-                <a:gd name="connsiteY4" fmla="*/ 1107440 h 4307840"/>
-                <a:gd name="connsiteX5" fmla="*/ 2438400 w 4521200"/>
-                <a:gd name="connsiteY5" fmla="*/ 0 h 4307840"/>
-                <a:gd name="connsiteX6" fmla="*/ 304800 w 4521200"/>
-                <a:gd name="connsiteY6" fmla="*/ 1361440 h 4307840"/>
-                <a:gd name="connsiteX7" fmla="*/ 0 w 4521200"/>
-                <a:gd name="connsiteY7" fmla="*/ 2255520 h 4307840"/>
-                <a:gd name="connsiteX0" fmla="*/ 0 w 4521200"/>
-                <a:gd name="connsiteY0" fmla="*/ 2255520 h 4307840"/>
-                <a:gd name="connsiteX1" fmla="*/ 1270000 w 4521200"/>
-                <a:gd name="connsiteY1" fmla="*/ 3688080 h 4307840"/>
-                <a:gd name="connsiteX2" fmla="*/ 3688080 w 4521200"/>
-                <a:gd name="connsiteY2" fmla="*/ 4307840 h 4307840"/>
-                <a:gd name="connsiteX3" fmla="*/ 4521200 w 4521200"/>
-                <a:gd name="connsiteY3" fmla="*/ 2926080 h 4307840"/>
-                <a:gd name="connsiteX4" fmla="*/ 4135120 w 4521200"/>
-                <a:gd name="connsiteY4" fmla="*/ 1107440 h 4307840"/>
-                <a:gd name="connsiteX5" fmla="*/ 2438400 w 4521200"/>
-                <a:gd name="connsiteY5" fmla="*/ 0 h 4307840"/>
-                <a:gd name="connsiteX6" fmla="*/ 1209040 w 4521200"/>
-                <a:gd name="connsiteY6" fmla="*/ 426720 h 4307840"/>
-                <a:gd name="connsiteX7" fmla="*/ 0 w 4521200"/>
-                <a:gd name="connsiteY7" fmla="*/ 2255520 h 4307840"/>
-                <a:gd name="connsiteX0" fmla="*/ 0 w 3931920"/>
-                <a:gd name="connsiteY0" fmla="*/ 2814320 h 4307840"/>
-                <a:gd name="connsiteX1" fmla="*/ 680720 w 3931920"/>
-                <a:gd name="connsiteY1" fmla="*/ 3688080 h 4307840"/>
-                <a:gd name="connsiteX2" fmla="*/ 3098800 w 3931920"/>
-                <a:gd name="connsiteY2" fmla="*/ 4307840 h 4307840"/>
-                <a:gd name="connsiteX3" fmla="*/ 3931920 w 3931920"/>
-                <a:gd name="connsiteY3" fmla="*/ 2926080 h 4307840"/>
-                <a:gd name="connsiteX4" fmla="*/ 3545840 w 3931920"/>
-                <a:gd name="connsiteY4" fmla="*/ 1107440 h 4307840"/>
-                <a:gd name="connsiteX5" fmla="*/ 1849120 w 3931920"/>
-                <a:gd name="connsiteY5" fmla="*/ 0 h 4307840"/>
-                <a:gd name="connsiteX6" fmla="*/ 619760 w 3931920"/>
-                <a:gd name="connsiteY6" fmla="*/ 426720 h 4307840"/>
-                <a:gd name="connsiteX7" fmla="*/ 0 w 3931920"/>
-                <a:gd name="connsiteY7" fmla="*/ 2814320 h 4307840"/>
-                <a:gd name="connsiteX0" fmla="*/ 436880 w 4368800"/>
-                <a:gd name="connsiteY0" fmla="*/ 2814320 h 4307840"/>
-                <a:gd name="connsiteX1" fmla="*/ 1117600 w 4368800"/>
-                <a:gd name="connsiteY1" fmla="*/ 3688080 h 4307840"/>
-                <a:gd name="connsiteX2" fmla="*/ 3535680 w 4368800"/>
-                <a:gd name="connsiteY2" fmla="*/ 4307840 h 4307840"/>
-                <a:gd name="connsiteX3" fmla="*/ 4368800 w 4368800"/>
-                <a:gd name="connsiteY3" fmla="*/ 2926080 h 4307840"/>
-                <a:gd name="connsiteX4" fmla="*/ 3982720 w 4368800"/>
-                <a:gd name="connsiteY4" fmla="*/ 1107440 h 4307840"/>
-                <a:gd name="connsiteX5" fmla="*/ 2286000 w 4368800"/>
-                <a:gd name="connsiteY5" fmla="*/ 0 h 4307840"/>
-                <a:gd name="connsiteX6" fmla="*/ 0 w 4368800"/>
-                <a:gd name="connsiteY6" fmla="*/ 1595120 h 4307840"/>
-                <a:gd name="connsiteX7" fmla="*/ 436880 w 4368800"/>
-                <a:gd name="connsiteY7" fmla="*/ 2814320 h 4307840"/>
-                <a:gd name="connsiteX0" fmla="*/ 436880 w 4368800"/>
-                <a:gd name="connsiteY0" fmla="*/ 2468880 h 3962400"/>
-                <a:gd name="connsiteX1" fmla="*/ 1117600 w 4368800"/>
-                <a:gd name="connsiteY1" fmla="*/ 3342640 h 3962400"/>
-                <a:gd name="connsiteX2" fmla="*/ 3535680 w 4368800"/>
-                <a:gd name="connsiteY2" fmla="*/ 3962400 h 3962400"/>
-                <a:gd name="connsiteX3" fmla="*/ 4368800 w 4368800"/>
-                <a:gd name="connsiteY3" fmla="*/ 2580640 h 3962400"/>
-                <a:gd name="connsiteX4" fmla="*/ 3982720 w 4368800"/>
-                <a:gd name="connsiteY4" fmla="*/ 762000 h 3962400"/>
-                <a:gd name="connsiteX5" fmla="*/ 914400 w 4368800"/>
-                <a:gd name="connsiteY5" fmla="*/ 0 h 3962400"/>
-                <a:gd name="connsiteX6" fmla="*/ 0 w 4368800"/>
-                <a:gd name="connsiteY6" fmla="*/ 1249680 h 3962400"/>
-                <a:gd name="connsiteX7" fmla="*/ 436880 w 4368800"/>
-                <a:gd name="connsiteY7" fmla="*/ 2468880 h 3962400"/>
-                <a:gd name="connsiteX0" fmla="*/ 436880 w 4368800"/>
-                <a:gd name="connsiteY0" fmla="*/ 2468880 h 3962400"/>
-                <a:gd name="connsiteX1" fmla="*/ 1117600 w 4368800"/>
-                <a:gd name="connsiteY1" fmla="*/ 3342640 h 3962400"/>
-                <a:gd name="connsiteX2" fmla="*/ 3535680 w 4368800"/>
-                <a:gd name="connsiteY2" fmla="*/ 3962400 h 3962400"/>
-                <a:gd name="connsiteX3" fmla="*/ 4368800 w 4368800"/>
-                <a:gd name="connsiteY3" fmla="*/ 2580640 h 3962400"/>
-                <a:gd name="connsiteX4" fmla="*/ 3667760 w 4368800"/>
-                <a:gd name="connsiteY4" fmla="*/ 152400 h 3962400"/>
-                <a:gd name="connsiteX5" fmla="*/ 914400 w 4368800"/>
-                <a:gd name="connsiteY5" fmla="*/ 0 h 3962400"/>
-                <a:gd name="connsiteX6" fmla="*/ 0 w 4368800"/>
-                <a:gd name="connsiteY6" fmla="*/ 1249680 h 3962400"/>
-                <a:gd name="connsiteX7" fmla="*/ 436880 w 4368800"/>
-                <a:gd name="connsiteY7" fmla="*/ 2468880 h 3962400"/>
-                <a:gd name="connsiteX0" fmla="*/ 436880 w 4399280"/>
-                <a:gd name="connsiteY0" fmla="*/ 2468880 h 3962400"/>
-                <a:gd name="connsiteX1" fmla="*/ 1117600 w 4399280"/>
-                <a:gd name="connsiteY1" fmla="*/ 3342640 h 3962400"/>
-                <a:gd name="connsiteX2" fmla="*/ 3535680 w 4399280"/>
-                <a:gd name="connsiteY2" fmla="*/ 3962400 h 3962400"/>
-                <a:gd name="connsiteX3" fmla="*/ 4399280 w 4399280"/>
-                <a:gd name="connsiteY3" fmla="*/ 1524000 h 3962400"/>
-                <a:gd name="connsiteX4" fmla="*/ 3667760 w 4399280"/>
-                <a:gd name="connsiteY4" fmla="*/ 152400 h 3962400"/>
-                <a:gd name="connsiteX5" fmla="*/ 914400 w 4399280"/>
-                <a:gd name="connsiteY5" fmla="*/ 0 h 3962400"/>
-                <a:gd name="connsiteX6" fmla="*/ 0 w 4399280"/>
-                <a:gd name="connsiteY6" fmla="*/ 1249680 h 3962400"/>
-                <a:gd name="connsiteX7" fmla="*/ 436880 w 4399280"/>
-                <a:gd name="connsiteY7" fmla="*/ 2468880 h 3962400"/>
-                <a:gd name="connsiteX0" fmla="*/ 436880 w 4399280"/>
-                <a:gd name="connsiteY0" fmla="*/ 2468880 h 3962400"/>
-                <a:gd name="connsiteX1" fmla="*/ 762000 w 4399280"/>
-                <a:gd name="connsiteY1" fmla="*/ 3230880 h 3962400"/>
-                <a:gd name="connsiteX2" fmla="*/ 3535680 w 4399280"/>
-                <a:gd name="connsiteY2" fmla="*/ 3962400 h 3962400"/>
-                <a:gd name="connsiteX3" fmla="*/ 4399280 w 4399280"/>
-                <a:gd name="connsiteY3" fmla="*/ 1524000 h 3962400"/>
-                <a:gd name="connsiteX4" fmla="*/ 3667760 w 4399280"/>
-                <a:gd name="connsiteY4" fmla="*/ 152400 h 3962400"/>
-                <a:gd name="connsiteX5" fmla="*/ 914400 w 4399280"/>
-                <a:gd name="connsiteY5" fmla="*/ 0 h 3962400"/>
-                <a:gd name="connsiteX6" fmla="*/ 0 w 4399280"/>
-                <a:gd name="connsiteY6" fmla="*/ 1249680 h 3962400"/>
-                <a:gd name="connsiteX7" fmla="*/ 436880 w 4399280"/>
-                <a:gd name="connsiteY7" fmla="*/ 2468880 h 3962400"/>
-                <a:gd name="connsiteX0" fmla="*/ 0 w 4480560"/>
-                <a:gd name="connsiteY0" fmla="*/ 2316480 h 3962400"/>
-                <a:gd name="connsiteX1" fmla="*/ 843280 w 4480560"/>
-                <a:gd name="connsiteY1" fmla="*/ 3230880 h 3962400"/>
-                <a:gd name="connsiteX2" fmla="*/ 3616960 w 4480560"/>
-                <a:gd name="connsiteY2" fmla="*/ 3962400 h 3962400"/>
-                <a:gd name="connsiteX3" fmla="*/ 4480560 w 4480560"/>
-                <a:gd name="connsiteY3" fmla="*/ 1524000 h 3962400"/>
-                <a:gd name="connsiteX4" fmla="*/ 3749040 w 4480560"/>
-                <a:gd name="connsiteY4" fmla="*/ 152400 h 3962400"/>
-                <a:gd name="connsiteX5" fmla="*/ 995680 w 4480560"/>
-                <a:gd name="connsiteY5" fmla="*/ 0 h 3962400"/>
-                <a:gd name="connsiteX6" fmla="*/ 81280 w 4480560"/>
-                <a:gd name="connsiteY6" fmla="*/ 1249680 h 3962400"/>
-                <a:gd name="connsiteX7" fmla="*/ 0 w 4480560"/>
-                <a:gd name="connsiteY7" fmla="*/ 2316480 h 3962400"/>
-                <a:gd name="connsiteX0" fmla="*/ 0 w 4480560"/>
-                <a:gd name="connsiteY0" fmla="*/ 2316480 h 3302000"/>
-                <a:gd name="connsiteX1" fmla="*/ 843280 w 4480560"/>
-                <a:gd name="connsiteY1" fmla="*/ 3230880 h 3302000"/>
-                <a:gd name="connsiteX2" fmla="*/ 3606800 w 4480560"/>
-                <a:gd name="connsiteY2" fmla="*/ 3302000 h 3302000"/>
-                <a:gd name="connsiteX3" fmla="*/ 4480560 w 4480560"/>
-                <a:gd name="connsiteY3" fmla="*/ 1524000 h 3302000"/>
-                <a:gd name="connsiteX4" fmla="*/ 3749040 w 4480560"/>
-                <a:gd name="connsiteY4" fmla="*/ 152400 h 3302000"/>
-                <a:gd name="connsiteX5" fmla="*/ 995680 w 4480560"/>
-                <a:gd name="connsiteY5" fmla="*/ 0 h 3302000"/>
-                <a:gd name="connsiteX6" fmla="*/ 81280 w 4480560"/>
-                <a:gd name="connsiteY6" fmla="*/ 1249680 h 3302000"/>
-                <a:gd name="connsiteX7" fmla="*/ 0 w 4480560"/>
-                <a:gd name="connsiteY7" fmla="*/ 2316480 h 3302000"/>
-              </a:gdLst>
-              <a:ahLst/>
-              <a:cxnLst>
-                <a:cxn ang="0">
-                  <a:pos x="connsiteX0" y="connsiteY0"/>
-                </a:cxn>
-                <a:cxn ang="0">
-                  <a:pos x="connsiteX1" y="connsiteY1"/>
-                </a:cxn>
-                <a:cxn ang="0">
-                  <a:pos x="connsiteX2" y="connsiteY2"/>
-                </a:cxn>
-                <a:cxn ang="0">
-                  <a:pos x="connsiteX3" y="connsiteY3"/>
-                </a:cxn>
-                <a:cxn ang="0">
-                  <a:pos x="connsiteX4" y="connsiteY4"/>
-                </a:cxn>
-                <a:cxn ang="0">
-                  <a:pos x="connsiteX5" y="connsiteY5"/>
-                </a:cxn>
-                <a:cxn ang="0">
-                  <a:pos x="connsiteX6" y="connsiteY6"/>
-                </a:cxn>
-                <a:cxn ang="0">
-                  <a:pos x="connsiteX7" y="connsiteY7"/>
-                </a:cxn>
-              </a:cxnLst>
-              <a:rect l="l" t="t" r="r" b="b"/>
-              <a:pathLst>
-                <a:path w="4480560" h="3302000">
-                  <a:moveTo>
-                    <a:pt x="0" y="2316480"/>
-                  </a:moveTo>
-                  <a:lnTo>
-                    <a:pt x="843280" y="3230880"/>
-                  </a:lnTo>
-                  <a:lnTo>
-                    <a:pt x="3606800" y="3302000"/>
-                  </a:lnTo>
-                  <a:lnTo>
-                    <a:pt x="4480560" y="1524000"/>
-                  </a:lnTo>
-                  <a:lnTo>
-                    <a:pt x="3749040" y="152400"/>
-                  </a:lnTo>
-                  <a:lnTo>
-                    <a:pt x="995680" y="0"/>
-                  </a:lnTo>
-                  <a:lnTo>
-                    <a:pt x="81280" y="1249680"/>
-                  </a:lnTo>
-                  <a:lnTo>
-                    <a:pt x="0" y="2316480"/>
-                  </a:lnTo>
-                  <a:close/>
-                </a:path>
-              </a:pathLst>
-            </a:custGeom>
-            <a:solidFill>
-              <a:schemeClr val="accent2">
-                <a:alpha val="50000"/>
-              </a:schemeClr>
-            </a:solidFill>
-            <a:ln w="25400">
-              <a:solidFill>
-                <a:schemeClr val="tx1"/>
-              </a:solidFill>
-            </a:ln>
-          </p:spPr>
-          <p:style>
-            <a:lnRef idx="2">
-              <a:schemeClr val="accent1">
-                <a:shade val="50000"/>
-              </a:schemeClr>
-            </a:lnRef>
-            <a:fillRef idx="1">
-              <a:schemeClr val="accent1"/>
-            </a:fillRef>
-            <a:effectRef idx="0">
-              <a:schemeClr val="accent1"/>
-            </a:effectRef>
-            <a:fontRef idx="minor">
-              <a:schemeClr val="lt1"/>
-            </a:fontRef>
-          </p:style>
-          <p:txBody>
-            <a:bodyPr rtlCol="0" anchor="ctr"/>
-            <a:lstStyle/>
-            <a:p>
-              <a:pPr algn="ctr"/>
-              <a:endParaRPr lang="en-US"/>
-            </a:p>
-          </p:txBody>
-        </p:sp>
-      </p:grpSp>
-      <p:sp>
-        <p:nvSpPr>
-          <p:cNvPr id="2" name="Oval 1">
-            <a:extLst>
-              <a:ext uri="{FF2B5EF4-FFF2-40B4-BE49-F238E27FC236}">
-                <a16:creationId xmlns:a16="http://schemas.microsoft.com/office/drawing/2014/main" id="{00F12364-3C14-B242-BF14-A2CA41B28871}"/>
-              </a:ext>
-            </a:extLst>
-          </p:cNvPr>
-          <p:cNvSpPr/>
-          <p:nvPr/>
-        </p:nvSpPr>
-        <p:spPr>
-          <a:xfrm>
-            <a:off x="5796915" y="2402205"/>
-            <a:ext cx="182880" cy="182880"/>
-          </a:xfrm>
-          <a:prstGeom prst="ellipse">
-            <a:avLst/>
-          </a:prstGeom>
-          <a:solidFill>
-            <a:schemeClr val="tx1"/>
-          </a:solidFill>
-          <a:ln>
-            <a:noFill/>
-          </a:ln>
-        </p:spPr>
-        <p:style>
-          <a:lnRef idx="2">
-            <a:schemeClr val="accent1">
-              <a:shade val="50000"/>
-            </a:schemeClr>
-          </a:lnRef>
-          <a:fillRef idx="1">
-            <a:schemeClr val="accent1"/>
-          </a:fillRef>
-          <a:effectRef idx="0">
-            <a:schemeClr val="accent1"/>
-          </a:effectRef>
-          <a:fontRef idx="minor">
-            <a:schemeClr val="lt1"/>
-          </a:fontRef>
-        </p:style>
-        <p:txBody>
-          <a:bodyPr rtlCol="0" anchor="ctr"/>
-          <a:lstStyle/>
-          <a:p>
-            <a:pPr algn="ctr"/>
-            <a:endParaRPr lang="en-US" dirty="0"/>
-          </a:p>
-        </p:txBody>
-      </p:sp>
-      <p:sp>
-        <p:nvSpPr>
-          <p:cNvPr id="9" name="Oval 8">
-            <a:extLst>
-              <a:ext uri="{FF2B5EF4-FFF2-40B4-BE49-F238E27FC236}">
-                <a16:creationId xmlns:a16="http://schemas.microsoft.com/office/drawing/2014/main" id="{A4102262-050A-E141-9FA9-C10451343375}"/>
-              </a:ext>
-            </a:extLst>
-          </p:cNvPr>
-          <p:cNvSpPr/>
-          <p:nvPr/>
-        </p:nvSpPr>
-        <p:spPr>
-          <a:xfrm>
-            <a:off x="6549390" y="5343525"/>
-            <a:ext cx="182880" cy="182880"/>
-          </a:xfrm>
-          <a:prstGeom prst="ellipse">
-            <a:avLst/>
-          </a:prstGeom>
-          <a:solidFill>
-            <a:schemeClr val="tx1"/>
-          </a:solidFill>
-          <a:ln>
-            <a:noFill/>
-          </a:ln>
-        </p:spPr>
-        <p:style>
-          <a:lnRef idx="2">
-            <a:schemeClr val="accent1">
-              <a:shade val="50000"/>
-            </a:schemeClr>
-          </a:lnRef>
-          <a:fillRef idx="1">
-            <a:schemeClr val="accent1"/>
-          </a:fillRef>
-          <a:effectRef idx="0">
-            <a:schemeClr val="accent1"/>
-          </a:effectRef>
-          <a:fontRef idx="minor">
-            <a:schemeClr val="lt1"/>
-          </a:fontRef>
-        </p:style>
-        <p:txBody>
-          <a:bodyPr rtlCol="0" anchor="ctr"/>
-          <a:lstStyle/>
-          <a:p>
-            <a:pPr algn="ctr"/>
-            <a:endParaRPr lang="en-US" dirty="0"/>
-          </a:p>
-        </p:txBody>
-      </p:sp>
-      <p:cxnSp>
-        <p:nvCxnSpPr>
-          <p:cNvPr id="10" name="Straight Arrow Connector 9">
-            <a:extLst>
-              <a:ext uri="{FF2B5EF4-FFF2-40B4-BE49-F238E27FC236}">
-                <a16:creationId xmlns:a16="http://schemas.microsoft.com/office/drawing/2014/main" id="{0481A8B5-6FFF-3F40-9EAB-3EBA899DF9B7}"/>
-              </a:ext>
-            </a:extLst>
-          </p:cNvPr>
-          <p:cNvCxnSpPr>
-            <a:cxnSpLocks/>
-          </p:cNvCxnSpPr>
-          <p:nvPr/>
-        </p:nvCxnSpPr>
-        <p:spPr>
-          <a:xfrm flipH="1">
-            <a:off x="5174298" y="2194560"/>
-            <a:ext cx="791073" cy="1056572"/>
-          </a:xfrm>
-          <a:prstGeom prst="straightConnector1">
-            <a:avLst/>
-          </a:prstGeom>
-          <a:ln w="15875">
-            <a:solidFill>
-              <a:schemeClr val="tx1"/>
-            </a:solidFill>
-            <a:tailEnd type="triangle"/>
-          </a:ln>
-        </p:spPr>
-        <p:style>
-          <a:lnRef idx="1">
-            <a:schemeClr val="accent1"/>
-          </a:lnRef>
-          <a:fillRef idx="0">
-            <a:schemeClr val="accent1"/>
-          </a:fillRef>
-          <a:effectRef idx="0">
-            <a:schemeClr val="accent1"/>
-          </a:effectRef>
-          <a:fontRef idx="minor">
-            <a:schemeClr val="tx1"/>
-          </a:fontRef>
-        </p:style>
-      </p:cxnSp>
-      <p:cxnSp>
-        <p:nvCxnSpPr>
-          <p:cNvPr id="11" name="Straight Arrow Connector 10">
-            <a:extLst>
-              <a:ext uri="{FF2B5EF4-FFF2-40B4-BE49-F238E27FC236}">
-                <a16:creationId xmlns:a16="http://schemas.microsoft.com/office/drawing/2014/main" id="{7C0553C7-ACDA-7544-A72E-EB7E8ADB0BE1}"/>
-              </a:ext>
-            </a:extLst>
-          </p:cNvPr>
-          <p:cNvCxnSpPr>
-            <a:cxnSpLocks/>
-          </p:cNvCxnSpPr>
-          <p:nvPr/>
-        </p:nvCxnSpPr>
-        <p:spPr>
-          <a:xfrm flipH="1">
-            <a:off x="5400040" y="2299063"/>
-            <a:ext cx="791754" cy="1070598"/>
-          </a:xfrm>
-          <a:prstGeom prst="straightConnector1">
-            <a:avLst/>
-          </a:prstGeom>
-          <a:ln w="15875">
-            <a:solidFill>
-              <a:schemeClr val="tx1"/>
-            </a:solidFill>
-            <a:headEnd type="triangle"/>
-            <a:tailEnd type="none"/>
-          </a:ln>
-        </p:spPr>
-        <p:style>
-          <a:lnRef idx="1">
-            <a:schemeClr val="accent1"/>
-          </a:lnRef>
-          <a:fillRef idx="0">
-            <a:schemeClr val="accent1"/>
-          </a:fillRef>
-          <a:effectRef idx="0">
-            <a:schemeClr val="accent1"/>
-          </a:effectRef>
-          <a:fontRef idx="minor">
-            <a:schemeClr val="tx1"/>
-          </a:fontRef>
-        </p:style>
-      </p:cxnSp>
-      <p:cxnSp>
-        <p:nvCxnSpPr>
-          <p:cNvPr id="12" name="Straight Arrow Connector 11">
-            <a:extLst>
-              <a:ext uri="{FF2B5EF4-FFF2-40B4-BE49-F238E27FC236}">
-                <a16:creationId xmlns:a16="http://schemas.microsoft.com/office/drawing/2014/main" id="{31FCC641-2248-794A-A08B-C69FE88F53FE}"/>
-              </a:ext>
-            </a:extLst>
-          </p:cNvPr>
-          <p:cNvCxnSpPr>
-            <a:cxnSpLocks/>
-          </p:cNvCxnSpPr>
-          <p:nvPr/>
-        </p:nvCxnSpPr>
-        <p:spPr>
-          <a:xfrm flipH="1">
-            <a:off x="4946469" y="3600949"/>
-            <a:ext cx="82731" cy="831714"/>
-          </a:xfrm>
-          <a:prstGeom prst="straightConnector1">
-            <a:avLst/>
-          </a:prstGeom>
-          <a:ln w="15875">
-            <a:solidFill>
-              <a:schemeClr val="tx1"/>
-            </a:solidFill>
-            <a:tailEnd type="triangle"/>
-          </a:ln>
-        </p:spPr>
-        <p:style>
-          <a:lnRef idx="1">
-            <a:schemeClr val="accent1"/>
-          </a:lnRef>
-          <a:fillRef idx="0">
-            <a:schemeClr val="accent1"/>
-          </a:fillRef>
-          <a:effectRef idx="0">
-            <a:schemeClr val="accent1"/>
-          </a:effectRef>
-          <a:fontRef idx="minor">
-            <a:schemeClr val="tx1"/>
-          </a:fontRef>
-        </p:style>
-      </p:cxnSp>
-      <p:cxnSp>
-        <p:nvCxnSpPr>
-          <p:cNvPr id="16" name="Straight Arrow Connector 15">
-            <a:extLst>
-              <a:ext uri="{FF2B5EF4-FFF2-40B4-BE49-F238E27FC236}">
-                <a16:creationId xmlns:a16="http://schemas.microsoft.com/office/drawing/2014/main" id="{67AEB3E7-A1CD-B44D-A2ED-766D89AB7472}"/>
-              </a:ext>
-            </a:extLst>
-          </p:cNvPr>
-          <p:cNvCxnSpPr>
-            <a:cxnSpLocks/>
-          </p:cNvCxnSpPr>
-          <p:nvPr/>
-        </p:nvCxnSpPr>
-        <p:spPr>
-          <a:xfrm flipH="1">
-            <a:off x="5246915" y="3605303"/>
-            <a:ext cx="82731" cy="831714"/>
-          </a:xfrm>
-          <a:prstGeom prst="straightConnector1">
-            <a:avLst/>
-          </a:prstGeom>
-          <a:ln w="15875">
-            <a:solidFill>
-              <a:schemeClr val="tx1"/>
-            </a:solidFill>
-            <a:headEnd type="triangle"/>
-            <a:tailEnd type="none"/>
-          </a:ln>
-        </p:spPr>
-        <p:style>
-          <a:lnRef idx="1">
-            <a:schemeClr val="accent1"/>
-          </a:lnRef>
-          <a:fillRef idx="0">
-            <a:schemeClr val="accent1"/>
-          </a:fillRef>
-          <a:effectRef idx="0">
-            <a:schemeClr val="accent1"/>
-          </a:effectRef>
-          <a:fontRef idx="minor">
-            <a:schemeClr val="tx1"/>
-          </a:fontRef>
-        </p:style>
-      </p:cxnSp>
-      <p:cxnSp>
-        <p:nvCxnSpPr>
-          <p:cNvPr id="17" name="Straight Arrow Connector 16">
-            <a:extLst>
-              <a:ext uri="{FF2B5EF4-FFF2-40B4-BE49-F238E27FC236}">
-                <a16:creationId xmlns:a16="http://schemas.microsoft.com/office/drawing/2014/main" id="{03E3F823-1423-0A44-8AA8-0F523062D050}"/>
-              </a:ext>
-            </a:extLst>
-          </p:cNvPr>
-          <p:cNvCxnSpPr>
-            <a:cxnSpLocks/>
-          </p:cNvCxnSpPr>
-          <p:nvPr/>
-        </p:nvCxnSpPr>
-        <p:spPr>
-          <a:xfrm>
-            <a:off x="5051697" y="4665617"/>
-            <a:ext cx="695960" cy="768531"/>
-          </a:xfrm>
-          <a:prstGeom prst="straightConnector1">
-            <a:avLst/>
-          </a:prstGeom>
-          <a:ln w="15875">
-            <a:solidFill>
-              <a:schemeClr val="tx1"/>
-            </a:solidFill>
-            <a:tailEnd type="triangle"/>
-          </a:ln>
-        </p:spPr>
-        <p:style>
-          <a:lnRef idx="1">
-            <a:schemeClr val="accent1"/>
-          </a:lnRef>
-          <a:fillRef idx="0">
-            <a:schemeClr val="accent1"/>
-          </a:fillRef>
-          <a:effectRef idx="0">
-            <a:schemeClr val="accent1"/>
-          </a:effectRef>
-          <a:fontRef idx="minor">
-            <a:schemeClr val="tx1"/>
-          </a:fontRef>
-        </p:style>
-      </p:cxnSp>
-      <p:cxnSp>
-        <p:nvCxnSpPr>
-          <p:cNvPr id="20" name="Straight Arrow Connector 19">
-            <a:extLst>
-              <a:ext uri="{FF2B5EF4-FFF2-40B4-BE49-F238E27FC236}">
-                <a16:creationId xmlns:a16="http://schemas.microsoft.com/office/drawing/2014/main" id="{443D944B-AD75-2741-B487-E41A294518DB}"/>
-              </a:ext>
-            </a:extLst>
-          </p:cNvPr>
-          <p:cNvCxnSpPr>
-            <a:cxnSpLocks/>
-          </p:cNvCxnSpPr>
-          <p:nvPr/>
-        </p:nvCxnSpPr>
-        <p:spPr>
-          <a:xfrm>
-            <a:off x="5282474" y="4565469"/>
-            <a:ext cx="695960" cy="768531"/>
-          </a:xfrm>
-          <a:prstGeom prst="straightConnector1">
-            <a:avLst/>
-          </a:prstGeom>
-          <a:ln w="15875">
-            <a:solidFill>
-              <a:schemeClr val="tx1"/>
-            </a:solidFill>
-            <a:headEnd type="triangle"/>
-            <a:tailEnd type="none"/>
-          </a:ln>
-        </p:spPr>
-        <p:style>
-          <a:lnRef idx="1">
-            <a:schemeClr val="accent1"/>
-          </a:lnRef>
-          <a:fillRef idx="0">
-            <a:schemeClr val="accent1"/>
-          </a:fillRef>
-          <a:effectRef idx="0">
-            <a:schemeClr val="accent1"/>
-          </a:effectRef>
-          <a:fontRef idx="minor">
-            <a:schemeClr val="tx1"/>
-          </a:fontRef>
-        </p:style>
-      </p:cxnSp>
-      <p:cxnSp>
-        <p:nvCxnSpPr>
-          <p:cNvPr id="21" name="Straight Arrow Connector 20">
-            <a:extLst>
-              <a:ext uri="{FF2B5EF4-FFF2-40B4-BE49-F238E27FC236}">
-                <a16:creationId xmlns:a16="http://schemas.microsoft.com/office/drawing/2014/main" id="{04F2F043-01B3-F24A-842B-32B32E5110C9}"/>
-              </a:ext>
-            </a:extLst>
-          </p:cNvPr>
-          <p:cNvCxnSpPr>
-            <a:cxnSpLocks/>
-          </p:cNvCxnSpPr>
-          <p:nvPr/>
-        </p:nvCxnSpPr>
-        <p:spPr>
-          <a:xfrm>
-            <a:off x="6044475" y="5526405"/>
-            <a:ext cx="2611845" cy="73206"/>
-          </a:xfrm>
-          <a:prstGeom prst="straightConnector1">
-            <a:avLst/>
-          </a:prstGeom>
-          <a:ln w="15875">
-            <a:solidFill>
-              <a:schemeClr val="tx1"/>
-            </a:solidFill>
-            <a:tailEnd type="triangle"/>
-          </a:ln>
-        </p:spPr>
-        <p:style>
-          <a:lnRef idx="1">
-            <a:schemeClr val="accent1"/>
-          </a:lnRef>
-          <a:fillRef idx="0">
-            <a:schemeClr val="accent1"/>
-          </a:fillRef>
-          <a:effectRef idx="0">
-            <a:schemeClr val="accent1"/>
-          </a:effectRef>
-          <a:fontRef idx="minor">
-            <a:schemeClr val="tx1"/>
-          </a:fontRef>
-        </p:style>
-      </p:cxnSp>
-      <p:cxnSp>
-        <p:nvCxnSpPr>
-          <p:cNvPr id="24" name="Straight Arrow Connector 23">
-            <a:extLst>
-              <a:ext uri="{FF2B5EF4-FFF2-40B4-BE49-F238E27FC236}">
-                <a16:creationId xmlns:a16="http://schemas.microsoft.com/office/drawing/2014/main" id="{1F9D2E98-04C2-F54C-8F06-B5CEE90CE097}"/>
-              </a:ext>
-            </a:extLst>
-          </p:cNvPr>
-          <p:cNvCxnSpPr>
-            <a:cxnSpLocks/>
-          </p:cNvCxnSpPr>
-          <p:nvPr/>
-        </p:nvCxnSpPr>
-        <p:spPr>
-          <a:xfrm>
-            <a:off x="6040121" y="5339171"/>
-            <a:ext cx="2611845" cy="73206"/>
-          </a:xfrm>
-          <a:prstGeom prst="straightConnector1">
-            <a:avLst/>
-          </a:prstGeom>
-          <a:ln w="15875">
-            <a:solidFill>
-              <a:schemeClr val="tx1"/>
-            </a:solidFill>
-            <a:headEnd type="triangle"/>
-            <a:tailEnd type="none"/>
-          </a:ln>
-        </p:spPr>
-        <p:style>
-          <a:lnRef idx="1">
-            <a:schemeClr val="accent1"/>
-          </a:lnRef>
-          <a:fillRef idx="0">
-            <a:schemeClr val="accent1"/>
-          </a:fillRef>
-          <a:effectRef idx="0">
-            <a:schemeClr val="accent1"/>
-          </a:effectRef>
-          <a:fontRef idx="minor">
-            <a:schemeClr val="tx1"/>
-          </a:fontRef>
-        </p:style>
-      </p:cxnSp>
-      <p:cxnSp>
-        <p:nvCxnSpPr>
-          <p:cNvPr id="27" name="Straight Arrow Connector 26">
-            <a:extLst>
-              <a:ext uri="{FF2B5EF4-FFF2-40B4-BE49-F238E27FC236}">
-                <a16:creationId xmlns:a16="http://schemas.microsoft.com/office/drawing/2014/main" id="{35ACAFA9-3E6F-F34E-B960-4348A7BD0736}"/>
-              </a:ext>
-            </a:extLst>
-          </p:cNvPr>
-          <p:cNvCxnSpPr>
-            <a:cxnSpLocks/>
-          </p:cNvCxnSpPr>
-          <p:nvPr/>
-        </p:nvCxnSpPr>
-        <p:spPr>
-          <a:xfrm flipH="1" flipV="1">
-            <a:off x="6278881" y="2333897"/>
-            <a:ext cx="2455816" cy="148046"/>
-          </a:xfrm>
-          <a:prstGeom prst="straightConnector1">
-            <a:avLst/>
-          </a:prstGeom>
-          <a:ln w="15875">
-            <a:solidFill>
-              <a:schemeClr val="tx1"/>
-            </a:solidFill>
-            <a:headEnd type="triangle"/>
-            <a:tailEnd type="none"/>
-          </a:ln>
-        </p:spPr>
-        <p:style>
-          <a:lnRef idx="1">
-            <a:schemeClr val="accent1"/>
-          </a:lnRef>
-          <a:fillRef idx="0">
-            <a:schemeClr val="accent1"/>
-          </a:fillRef>
-          <a:effectRef idx="0">
-            <a:schemeClr val="accent1"/>
-          </a:effectRef>
-          <a:fontRef idx="minor">
-            <a:schemeClr val="tx1"/>
-          </a:fontRef>
-        </p:style>
-      </p:cxnSp>
-      <p:cxnSp>
-        <p:nvCxnSpPr>
-          <p:cNvPr id="30" name="Straight Arrow Connector 29">
-            <a:extLst>
-              <a:ext uri="{FF2B5EF4-FFF2-40B4-BE49-F238E27FC236}">
-                <a16:creationId xmlns:a16="http://schemas.microsoft.com/office/drawing/2014/main" id="{FEB60AF9-C993-0340-9DF1-06981A8BF356}"/>
-              </a:ext>
-            </a:extLst>
-          </p:cNvPr>
-          <p:cNvCxnSpPr>
-            <a:cxnSpLocks/>
-          </p:cNvCxnSpPr>
-          <p:nvPr/>
-        </p:nvCxnSpPr>
-        <p:spPr>
-          <a:xfrm flipH="1" flipV="1">
-            <a:off x="6278881" y="2111556"/>
-            <a:ext cx="2455816" cy="148046"/>
-          </a:xfrm>
-          <a:prstGeom prst="straightConnector1">
-            <a:avLst/>
-          </a:prstGeom>
-          <a:ln w="15875">
-            <a:solidFill>
-              <a:schemeClr val="tx1"/>
-            </a:solidFill>
-            <a:headEnd type="none"/>
-            <a:tailEnd type="triangle"/>
-          </a:ln>
-        </p:spPr>
-        <p:style>
-          <a:lnRef idx="1">
-            <a:schemeClr val="accent1"/>
-          </a:lnRef>
-          <a:fillRef idx="0">
-            <a:schemeClr val="accent1"/>
-          </a:fillRef>
-          <a:effectRef idx="0">
-            <a:schemeClr val="accent1"/>
-          </a:effectRef>
-          <a:fontRef idx="minor">
-            <a:schemeClr val="tx1"/>
-          </a:fontRef>
-        </p:style>
-      </p:cxnSp>
-      <p:cxnSp>
-        <p:nvCxnSpPr>
-          <p:cNvPr id="31" name="Straight Arrow Connector 30">
-            <a:extLst>
-              <a:ext uri="{FF2B5EF4-FFF2-40B4-BE49-F238E27FC236}">
-                <a16:creationId xmlns:a16="http://schemas.microsoft.com/office/drawing/2014/main" id="{1DDBB75A-2471-334C-BAF9-3D808F7C7E9E}"/>
-              </a:ext>
-            </a:extLst>
-          </p:cNvPr>
-          <p:cNvCxnSpPr>
-            <a:cxnSpLocks/>
-          </p:cNvCxnSpPr>
-          <p:nvPr/>
-        </p:nvCxnSpPr>
-        <p:spPr>
-          <a:xfrm>
-            <a:off x="8839200" y="2525486"/>
-            <a:ext cx="609600" cy="1174977"/>
-          </a:xfrm>
-          <a:prstGeom prst="straightConnector1">
-            <a:avLst/>
-          </a:prstGeom>
-          <a:ln w="15875">
-            <a:solidFill>
-              <a:schemeClr val="tx1"/>
-            </a:solidFill>
-            <a:headEnd type="none"/>
-            <a:tailEnd type="triangle"/>
-          </a:ln>
-        </p:spPr>
-        <p:style>
-          <a:lnRef idx="1">
-            <a:schemeClr val="accent1"/>
-          </a:lnRef>
-          <a:fillRef idx="0">
-            <a:schemeClr val="accent1"/>
-          </a:fillRef>
-          <a:effectRef idx="0">
-            <a:schemeClr val="accent1"/>
-          </a:effectRef>
-          <a:fontRef idx="minor">
-            <a:schemeClr val="tx1"/>
-          </a:fontRef>
-        </p:style>
-      </p:cxnSp>
-      <p:cxnSp>
-        <p:nvCxnSpPr>
-          <p:cNvPr id="34" name="Straight Arrow Connector 33">
-            <a:extLst>
-              <a:ext uri="{FF2B5EF4-FFF2-40B4-BE49-F238E27FC236}">
-                <a16:creationId xmlns:a16="http://schemas.microsoft.com/office/drawing/2014/main" id="{B8916A18-C015-C642-9F76-1F338C4066B9}"/>
-              </a:ext>
-            </a:extLst>
-          </p:cNvPr>
-          <p:cNvCxnSpPr>
-            <a:cxnSpLocks/>
-          </p:cNvCxnSpPr>
-          <p:nvPr/>
-        </p:nvCxnSpPr>
-        <p:spPr>
-          <a:xfrm>
-            <a:off x="9035823" y="2431166"/>
-            <a:ext cx="609600" cy="1174977"/>
-          </a:xfrm>
-          <a:prstGeom prst="straightConnector1">
-            <a:avLst/>
-          </a:prstGeom>
-          <a:ln w="15875">
-            <a:solidFill>
-              <a:schemeClr val="tx1"/>
-            </a:solidFill>
-            <a:headEnd type="triangle"/>
-            <a:tailEnd type="none"/>
-          </a:ln>
-        </p:spPr>
-        <p:style>
-          <a:lnRef idx="1">
-            <a:schemeClr val="accent1"/>
-          </a:lnRef>
-          <a:fillRef idx="0">
-            <a:schemeClr val="accent1"/>
-          </a:fillRef>
-          <a:effectRef idx="0">
-            <a:schemeClr val="accent1"/>
-          </a:effectRef>
-          <a:fontRef idx="minor">
-            <a:schemeClr val="tx1"/>
-          </a:fontRef>
-        </p:style>
-      </p:cxnSp>
-      <p:cxnSp>
-        <p:nvCxnSpPr>
-          <p:cNvPr id="35" name="Straight Arrow Connector 34">
-            <a:extLst>
-              <a:ext uri="{FF2B5EF4-FFF2-40B4-BE49-F238E27FC236}">
-                <a16:creationId xmlns:a16="http://schemas.microsoft.com/office/drawing/2014/main" id="{64B0A27B-18D9-9E4C-8D73-2BD289B5886A}"/>
-              </a:ext>
-            </a:extLst>
-          </p:cNvPr>
-          <p:cNvCxnSpPr>
-            <a:cxnSpLocks/>
-          </p:cNvCxnSpPr>
-          <p:nvPr/>
-        </p:nvCxnSpPr>
-        <p:spPr>
-          <a:xfrm flipV="1">
-            <a:off x="8699863" y="3788229"/>
-            <a:ext cx="766354" cy="1532708"/>
-          </a:xfrm>
-          <a:prstGeom prst="straightConnector1">
-            <a:avLst/>
-          </a:prstGeom>
-          <a:ln w="15875">
-            <a:solidFill>
-              <a:schemeClr val="tx1"/>
-            </a:solidFill>
-            <a:headEnd type="triangle"/>
-            <a:tailEnd type="none"/>
-          </a:ln>
-        </p:spPr>
-        <p:style>
-          <a:lnRef idx="1">
-            <a:schemeClr val="accent1"/>
-          </a:lnRef>
-          <a:fillRef idx="0">
-            <a:schemeClr val="accent1"/>
-          </a:fillRef>
-          <a:effectRef idx="0">
-            <a:schemeClr val="accent1"/>
-          </a:effectRef>
-          <a:fontRef idx="minor">
-            <a:schemeClr val="tx1"/>
-          </a:fontRef>
-        </p:style>
-      </p:cxnSp>
-      <p:cxnSp>
-        <p:nvCxnSpPr>
-          <p:cNvPr id="38" name="Straight Arrow Connector 37">
-            <a:extLst>
-              <a:ext uri="{FF2B5EF4-FFF2-40B4-BE49-F238E27FC236}">
-                <a16:creationId xmlns:a16="http://schemas.microsoft.com/office/drawing/2014/main" id="{C2C4B021-DD04-E243-A1F5-FFF8F7899C36}"/>
-              </a:ext>
-            </a:extLst>
-          </p:cNvPr>
-          <p:cNvCxnSpPr>
-            <a:cxnSpLocks/>
-          </p:cNvCxnSpPr>
-          <p:nvPr/>
-        </p:nvCxnSpPr>
-        <p:spPr>
-          <a:xfrm flipV="1">
-            <a:off x="8860972" y="3879669"/>
-            <a:ext cx="766354" cy="1532708"/>
-          </a:xfrm>
-          <a:prstGeom prst="straightConnector1">
-            <a:avLst/>
-          </a:prstGeom>
-          <a:ln w="15875">
-            <a:solidFill>
-              <a:schemeClr val="tx1"/>
-            </a:solidFill>
-            <a:headEnd type="none"/>
-            <a:tailEnd type="triangle"/>
-          </a:ln>
-        </p:spPr>
-        <p:style>
-          <a:lnRef idx="1">
-            <a:schemeClr val="accent1"/>
-          </a:lnRef>
-          <a:fillRef idx="0">
-            <a:schemeClr val="accent1"/>
-          </a:fillRef>
-          <a:effectRef idx="0">
-            <a:schemeClr val="accent1"/>
-          </a:effectRef>
-          <a:fontRef idx="minor">
-            <a:schemeClr val="tx1"/>
-          </a:fontRef>
-        </p:style>
-      </p:cxnSp>
-    </p:spTree>
-    <p:extLst>
-      <p:ext uri="{BB962C8B-B14F-4D97-AF65-F5344CB8AC3E}">
-        <p14:creationId xmlns:p14="http://schemas.microsoft.com/office/powerpoint/2010/main" val="3578996775"/>
-      </p:ext>
-    </p:extLst>
-  </p:cSld>
-  <p:clrMapOvr>
-    <a:masterClrMapping/>
-  </p:clrMapOvr>
-</p:sld>
-</file>
-
-<file path=ppt/slides/slide45.xml><?xml version="1.0" encoding="utf-8"?>
-<p:sld xmlns:a="http://schemas.openxmlformats.org/drawingml/2006/main" xmlns:r="http://schemas.openxmlformats.org/officeDocument/2006/relationships" xmlns:p="http://schemas.openxmlformats.org/presentationml/2006/main">
-  <p:cSld>
-    <p:spTree>
-      <p:nvGrpSpPr>
-        <p:cNvPr id="1" name=""/>
-        <p:cNvGrpSpPr/>
-        <p:nvPr/>
-      </p:nvGrpSpPr>
-      <p:grpSpPr>
-        <a:xfrm>
-          <a:off x="0" y="0"/>
-          <a:ext cx="0" cy="0"/>
-          <a:chOff x="0" y="0"/>
-          <a:chExt cx="0" cy="0"/>
-        </a:xfrm>
-      </p:grpSpPr>
-      <p:sp>
-        <p:nvSpPr>
-          <p:cNvPr id="4" name="Content Placeholder 3">
-            <a:extLst>
-              <a:ext uri="{FF2B5EF4-FFF2-40B4-BE49-F238E27FC236}">
-                <a16:creationId xmlns:a16="http://schemas.microsoft.com/office/drawing/2014/main" id="{92FBBDFE-ABD2-DB49-88D2-3CCF83A47B56}"/>
-              </a:ext>
-            </a:extLst>
-          </p:cNvPr>
-          <p:cNvSpPr>
-            <a:spLocks noGrp="1"/>
-          </p:cNvSpPr>
-          <p:nvPr>
-            <p:ph sz="half" idx="1"/>
-          </p:nvPr>
-        </p:nvSpPr>
-        <p:spPr/>
-        <p:txBody>
-          <a:bodyPr/>
-          <a:lstStyle/>
-          <a:p>
-            <a:r>
-              <a:rPr lang="en-US"/>
-              <a:t>Walk the graph</a:t>
-            </a:r>
-            <a:endParaRPr lang="en-US" dirty="0"/>
-          </a:p>
-        </p:txBody>
-      </p:sp>
-      <p:sp>
-        <p:nvSpPr>
-          <p:cNvPr id="29" name="Content Placeholder 28">
-            <a:extLst>
-              <a:ext uri="{FF2B5EF4-FFF2-40B4-BE49-F238E27FC236}">
-                <a16:creationId xmlns:a16="http://schemas.microsoft.com/office/drawing/2014/main" id="{914B95C2-932A-104E-8BFA-41502772268D}"/>
-              </a:ext>
-            </a:extLst>
-          </p:cNvPr>
-          <p:cNvSpPr>
-            <a:spLocks noGrp="1"/>
-          </p:cNvSpPr>
-          <p:nvPr>
-            <p:ph sz="half" idx="10"/>
-          </p:nvPr>
-        </p:nvSpPr>
-        <p:spPr/>
-        <p:txBody>
-          <a:bodyPr/>
-          <a:lstStyle/>
-          <a:p>
-            <a:endParaRPr lang="en-US"/>
-          </a:p>
-        </p:txBody>
-      </p:sp>
-      <p:grpSp>
-        <p:nvGrpSpPr>
-          <p:cNvPr id="8" name="Group 7">
-            <a:extLst>
-              <a:ext uri="{FF2B5EF4-FFF2-40B4-BE49-F238E27FC236}">
-                <a16:creationId xmlns:a16="http://schemas.microsoft.com/office/drawing/2014/main" id="{0FF453FD-7B4F-DB46-9B21-C1CDB90C1F3F}"/>
-              </a:ext>
-            </a:extLst>
-          </p:cNvPr>
-          <p:cNvGrpSpPr/>
-          <p:nvPr/>
-        </p:nvGrpSpPr>
-        <p:grpSpPr>
-          <a:xfrm>
-            <a:off x="2616200" y="2169160"/>
-            <a:ext cx="6959600" cy="3850640"/>
-            <a:chOff x="2397760" y="2169160"/>
-            <a:chExt cx="6959600" cy="3850640"/>
-          </a:xfrm>
-        </p:grpSpPr>
-        <p:sp>
-          <p:nvSpPr>
-            <p:cNvPr id="5" name="Freeform 4">
-              <a:extLst>
-                <a:ext uri="{FF2B5EF4-FFF2-40B4-BE49-F238E27FC236}">
-                  <a16:creationId xmlns:a16="http://schemas.microsoft.com/office/drawing/2014/main" id="{03C73BE0-F951-3B4E-9455-E4973DAA219D}"/>
-                </a:ext>
-              </a:extLst>
-            </p:cNvPr>
-            <p:cNvSpPr/>
-            <p:nvPr/>
-          </p:nvSpPr>
-          <p:spPr>
-            <a:xfrm>
-              <a:off x="2397760" y="2169160"/>
-              <a:ext cx="4521200" cy="3850640"/>
-            </a:xfrm>
-            <a:custGeom>
-              <a:avLst/>
-              <a:gdLst>
-                <a:gd name="connsiteX0" fmla="*/ 0 w 4521200"/>
-                <a:gd name="connsiteY0" fmla="*/ 1798320 h 3850640"/>
-                <a:gd name="connsiteX1" fmla="*/ 1270000 w 4521200"/>
-                <a:gd name="connsiteY1" fmla="*/ 3230880 h 3850640"/>
-                <a:gd name="connsiteX2" fmla="*/ 3688080 w 4521200"/>
-                <a:gd name="connsiteY2" fmla="*/ 3850640 h 3850640"/>
-                <a:gd name="connsiteX3" fmla="*/ 4521200 w 4521200"/>
-                <a:gd name="connsiteY3" fmla="*/ 2468880 h 3850640"/>
-                <a:gd name="connsiteX4" fmla="*/ 4135120 w 4521200"/>
-                <a:gd name="connsiteY4" fmla="*/ 650240 h 3850640"/>
-                <a:gd name="connsiteX5" fmla="*/ 2397760 w 4521200"/>
-                <a:gd name="connsiteY5" fmla="*/ 0 h 3850640"/>
-                <a:gd name="connsiteX6" fmla="*/ 304800 w 4521200"/>
-                <a:gd name="connsiteY6" fmla="*/ 904240 h 3850640"/>
-                <a:gd name="connsiteX7" fmla="*/ 0 w 4521200"/>
-                <a:gd name="connsiteY7" fmla="*/ 1798320 h 3850640"/>
-              </a:gdLst>
-              <a:ahLst/>
-              <a:cxnLst>
-                <a:cxn ang="0">
-                  <a:pos x="connsiteX0" y="connsiteY0"/>
-                </a:cxn>
-                <a:cxn ang="0">
-                  <a:pos x="connsiteX1" y="connsiteY1"/>
-                </a:cxn>
-                <a:cxn ang="0">
-                  <a:pos x="connsiteX2" y="connsiteY2"/>
-                </a:cxn>
-                <a:cxn ang="0">
-                  <a:pos x="connsiteX3" y="connsiteY3"/>
-                </a:cxn>
-                <a:cxn ang="0">
-                  <a:pos x="connsiteX4" y="connsiteY4"/>
-                </a:cxn>
-                <a:cxn ang="0">
-                  <a:pos x="connsiteX5" y="connsiteY5"/>
-                </a:cxn>
-                <a:cxn ang="0">
-                  <a:pos x="connsiteX6" y="connsiteY6"/>
-                </a:cxn>
-                <a:cxn ang="0">
-                  <a:pos x="connsiteX7" y="connsiteY7"/>
-                </a:cxn>
-              </a:cxnLst>
-              <a:rect l="l" t="t" r="r" b="b"/>
-              <a:pathLst>
-                <a:path w="4521200" h="3850640">
-                  <a:moveTo>
-                    <a:pt x="0" y="1798320"/>
-                  </a:moveTo>
-                  <a:lnTo>
-                    <a:pt x="1270000" y="3230880"/>
-                  </a:lnTo>
-                  <a:lnTo>
-                    <a:pt x="3688080" y="3850640"/>
-                  </a:lnTo>
-                  <a:lnTo>
-                    <a:pt x="4521200" y="2468880"/>
-                  </a:lnTo>
-                  <a:lnTo>
-                    <a:pt x="4135120" y="650240"/>
-                  </a:lnTo>
-                  <a:lnTo>
-                    <a:pt x="2397760" y="0"/>
-                  </a:lnTo>
-                  <a:lnTo>
-                    <a:pt x="304800" y="904240"/>
-                  </a:lnTo>
-                  <a:lnTo>
-                    <a:pt x="0" y="1798320"/>
-                  </a:lnTo>
-                  <a:close/>
-                </a:path>
-              </a:pathLst>
-            </a:custGeom>
-            <a:solidFill>
-              <a:schemeClr val="accent1">
-                <a:alpha val="50000"/>
-              </a:schemeClr>
-            </a:solidFill>
-            <a:ln w="25400">
-              <a:solidFill>
-                <a:schemeClr val="tx1"/>
-              </a:solidFill>
-            </a:ln>
-          </p:spPr>
-          <p:style>
-            <a:lnRef idx="2">
-              <a:schemeClr val="accent1">
-                <a:shade val="50000"/>
-              </a:schemeClr>
-            </a:lnRef>
-            <a:fillRef idx="1">
-              <a:schemeClr val="accent1"/>
-            </a:fillRef>
-            <a:effectRef idx="0">
-              <a:schemeClr val="accent1"/>
-            </a:effectRef>
-            <a:fontRef idx="minor">
-              <a:schemeClr val="lt1"/>
-            </a:fontRef>
-          </p:style>
-          <p:txBody>
-            <a:bodyPr rtlCol="0" anchor="ctr"/>
-            <a:lstStyle/>
-            <a:p>
-              <a:pPr algn="ctr"/>
-              <a:endParaRPr lang="en-US"/>
-            </a:p>
-          </p:txBody>
-        </p:sp>
-        <p:sp>
-          <p:nvSpPr>
-            <p:cNvPr id="6" name="Freeform 5">
-              <a:extLst>
-                <a:ext uri="{FF2B5EF4-FFF2-40B4-BE49-F238E27FC236}">
-                  <a16:creationId xmlns:a16="http://schemas.microsoft.com/office/drawing/2014/main" id="{E6772042-6B57-194D-912D-A2F81EAED0CF}"/>
-                </a:ext>
-              </a:extLst>
-            </p:cNvPr>
-            <p:cNvSpPr/>
-            <p:nvPr/>
-          </p:nvSpPr>
-          <p:spPr>
-            <a:xfrm>
-              <a:off x="4876800" y="2209800"/>
-              <a:ext cx="4480560" cy="3302000"/>
-            </a:xfrm>
-            <a:custGeom>
-              <a:avLst/>
-              <a:gdLst>
-                <a:gd name="connsiteX0" fmla="*/ 0 w 4521200"/>
-                <a:gd name="connsiteY0" fmla="*/ 1798320 h 3850640"/>
-                <a:gd name="connsiteX1" fmla="*/ 1270000 w 4521200"/>
-                <a:gd name="connsiteY1" fmla="*/ 3230880 h 3850640"/>
-                <a:gd name="connsiteX2" fmla="*/ 3688080 w 4521200"/>
-                <a:gd name="connsiteY2" fmla="*/ 3850640 h 3850640"/>
-                <a:gd name="connsiteX3" fmla="*/ 4521200 w 4521200"/>
-                <a:gd name="connsiteY3" fmla="*/ 2468880 h 3850640"/>
-                <a:gd name="connsiteX4" fmla="*/ 4135120 w 4521200"/>
-                <a:gd name="connsiteY4" fmla="*/ 650240 h 3850640"/>
-                <a:gd name="connsiteX5" fmla="*/ 2397760 w 4521200"/>
-                <a:gd name="connsiteY5" fmla="*/ 0 h 3850640"/>
-                <a:gd name="connsiteX6" fmla="*/ 304800 w 4521200"/>
-                <a:gd name="connsiteY6" fmla="*/ 904240 h 3850640"/>
-                <a:gd name="connsiteX7" fmla="*/ 0 w 4521200"/>
-                <a:gd name="connsiteY7" fmla="*/ 1798320 h 3850640"/>
-                <a:gd name="connsiteX0" fmla="*/ 0 w 4521200"/>
-                <a:gd name="connsiteY0" fmla="*/ 2255520 h 4307840"/>
-                <a:gd name="connsiteX1" fmla="*/ 1270000 w 4521200"/>
-                <a:gd name="connsiteY1" fmla="*/ 3688080 h 4307840"/>
-                <a:gd name="connsiteX2" fmla="*/ 3688080 w 4521200"/>
-                <a:gd name="connsiteY2" fmla="*/ 4307840 h 4307840"/>
-                <a:gd name="connsiteX3" fmla="*/ 4521200 w 4521200"/>
-                <a:gd name="connsiteY3" fmla="*/ 2926080 h 4307840"/>
-                <a:gd name="connsiteX4" fmla="*/ 4135120 w 4521200"/>
-                <a:gd name="connsiteY4" fmla="*/ 1107440 h 4307840"/>
-                <a:gd name="connsiteX5" fmla="*/ 2438400 w 4521200"/>
-                <a:gd name="connsiteY5" fmla="*/ 0 h 4307840"/>
-                <a:gd name="connsiteX6" fmla="*/ 304800 w 4521200"/>
-                <a:gd name="connsiteY6" fmla="*/ 1361440 h 4307840"/>
-                <a:gd name="connsiteX7" fmla="*/ 0 w 4521200"/>
-                <a:gd name="connsiteY7" fmla="*/ 2255520 h 4307840"/>
-                <a:gd name="connsiteX0" fmla="*/ 0 w 4521200"/>
-                <a:gd name="connsiteY0" fmla="*/ 2255520 h 4307840"/>
-                <a:gd name="connsiteX1" fmla="*/ 1270000 w 4521200"/>
-                <a:gd name="connsiteY1" fmla="*/ 3688080 h 4307840"/>
-                <a:gd name="connsiteX2" fmla="*/ 3688080 w 4521200"/>
-                <a:gd name="connsiteY2" fmla="*/ 4307840 h 4307840"/>
-                <a:gd name="connsiteX3" fmla="*/ 4521200 w 4521200"/>
-                <a:gd name="connsiteY3" fmla="*/ 2926080 h 4307840"/>
-                <a:gd name="connsiteX4" fmla="*/ 4135120 w 4521200"/>
-                <a:gd name="connsiteY4" fmla="*/ 1107440 h 4307840"/>
-                <a:gd name="connsiteX5" fmla="*/ 2438400 w 4521200"/>
-                <a:gd name="connsiteY5" fmla="*/ 0 h 4307840"/>
-                <a:gd name="connsiteX6" fmla="*/ 1209040 w 4521200"/>
-                <a:gd name="connsiteY6" fmla="*/ 426720 h 4307840"/>
-                <a:gd name="connsiteX7" fmla="*/ 0 w 4521200"/>
-                <a:gd name="connsiteY7" fmla="*/ 2255520 h 4307840"/>
-                <a:gd name="connsiteX0" fmla="*/ 0 w 3931920"/>
-                <a:gd name="connsiteY0" fmla="*/ 2814320 h 4307840"/>
-                <a:gd name="connsiteX1" fmla="*/ 680720 w 3931920"/>
-                <a:gd name="connsiteY1" fmla="*/ 3688080 h 4307840"/>
-                <a:gd name="connsiteX2" fmla="*/ 3098800 w 3931920"/>
-                <a:gd name="connsiteY2" fmla="*/ 4307840 h 4307840"/>
-                <a:gd name="connsiteX3" fmla="*/ 3931920 w 3931920"/>
-                <a:gd name="connsiteY3" fmla="*/ 2926080 h 4307840"/>
-                <a:gd name="connsiteX4" fmla="*/ 3545840 w 3931920"/>
-                <a:gd name="connsiteY4" fmla="*/ 1107440 h 4307840"/>
-                <a:gd name="connsiteX5" fmla="*/ 1849120 w 3931920"/>
-                <a:gd name="connsiteY5" fmla="*/ 0 h 4307840"/>
-                <a:gd name="connsiteX6" fmla="*/ 619760 w 3931920"/>
-                <a:gd name="connsiteY6" fmla="*/ 426720 h 4307840"/>
-                <a:gd name="connsiteX7" fmla="*/ 0 w 3931920"/>
-                <a:gd name="connsiteY7" fmla="*/ 2814320 h 4307840"/>
-                <a:gd name="connsiteX0" fmla="*/ 436880 w 4368800"/>
-                <a:gd name="connsiteY0" fmla="*/ 2814320 h 4307840"/>
-                <a:gd name="connsiteX1" fmla="*/ 1117600 w 4368800"/>
-                <a:gd name="connsiteY1" fmla="*/ 3688080 h 4307840"/>
-                <a:gd name="connsiteX2" fmla="*/ 3535680 w 4368800"/>
-                <a:gd name="connsiteY2" fmla="*/ 4307840 h 4307840"/>
-                <a:gd name="connsiteX3" fmla="*/ 4368800 w 4368800"/>
-                <a:gd name="connsiteY3" fmla="*/ 2926080 h 4307840"/>
-                <a:gd name="connsiteX4" fmla="*/ 3982720 w 4368800"/>
-                <a:gd name="connsiteY4" fmla="*/ 1107440 h 4307840"/>
-                <a:gd name="connsiteX5" fmla="*/ 2286000 w 4368800"/>
-                <a:gd name="connsiteY5" fmla="*/ 0 h 4307840"/>
-                <a:gd name="connsiteX6" fmla="*/ 0 w 4368800"/>
-                <a:gd name="connsiteY6" fmla="*/ 1595120 h 4307840"/>
-                <a:gd name="connsiteX7" fmla="*/ 436880 w 4368800"/>
-                <a:gd name="connsiteY7" fmla="*/ 2814320 h 4307840"/>
-                <a:gd name="connsiteX0" fmla="*/ 436880 w 4368800"/>
-                <a:gd name="connsiteY0" fmla="*/ 2468880 h 3962400"/>
-                <a:gd name="connsiteX1" fmla="*/ 1117600 w 4368800"/>
-                <a:gd name="connsiteY1" fmla="*/ 3342640 h 3962400"/>
-                <a:gd name="connsiteX2" fmla="*/ 3535680 w 4368800"/>
-                <a:gd name="connsiteY2" fmla="*/ 3962400 h 3962400"/>
-                <a:gd name="connsiteX3" fmla="*/ 4368800 w 4368800"/>
-                <a:gd name="connsiteY3" fmla="*/ 2580640 h 3962400"/>
-                <a:gd name="connsiteX4" fmla="*/ 3982720 w 4368800"/>
-                <a:gd name="connsiteY4" fmla="*/ 762000 h 3962400"/>
-                <a:gd name="connsiteX5" fmla="*/ 914400 w 4368800"/>
-                <a:gd name="connsiteY5" fmla="*/ 0 h 3962400"/>
-                <a:gd name="connsiteX6" fmla="*/ 0 w 4368800"/>
-                <a:gd name="connsiteY6" fmla="*/ 1249680 h 3962400"/>
-                <a:gd name="connsiteX7" fmla="*/ 436880 w 4368800"/>
-                <a:gd name="connsiteY7" fmla="*/ 2468880 h 3962400"/>
-                <a:gd name="connsiteX0" fmla="*/ 436880 w 4368800"/>
-                <a:gd name="connsiteY0" fmla="*/ 2468880 h 3962400"/>
-                <a:gd name="connsiteX1" fmla="*/ 1117600 w 4368800"/>
-                <a:gd name="connsiteY1" fmla="*/ 3342640 h 3962400"/>
-                <a:gd name="connsiteX2" fmla="*/ 3535680 w 4368800"/>
-                <a:gd name="connsiteY2" fmla="*/ 3962400 h 3962400"/>
-                <a:gd name="connsiteX3" fmla="*/ 4368800 w 4368800"/>
-                <a:gd name="connsiteY3" fmla="*/ 2580640 h 3962400"/>
-                <a:gd name="connsiteX4" fmla="*/ 3667760 w 4368800"/>
-                <a:gd name="connsiteY4" fmla="*/ 152400 h 3962400"/>
-                <a:gd name="connsiteX5" fmla="*/ 914400 w 4368800"/>
-                <a:gd name="connsiteY5" fmla="*/ 0 h 3962400"/>
-                <a:gd name="connsiteX6" fmla="*/ 0 w 4368800"/>
-                <a:gd name="connsiteY6" fmla="*/ 1249680 h 3962400"/>
-                <a:gd name="connsiteX7" fmla="*/ 436880 w 4368800"/>
-                <a:gd name="connsiteY7" fmla="*/ 2468880 h 3962400"/>
-                <a:gd name="connsiteX0" fmla="*/ 436880 w 4399280"/>
-                <a:gd name="connsiteY0" fmla="*/ 2468880 h 3962400"/>
-                <a:gd name="connsiteX1" fmla="*/ 1117600 w 4399280"/>
-                <a:gd name="connsiteY1" fmla="*/ 3342640 h 3962400"/>
-                <a:gd name="connsiteX2" fmla="*/ 3535680 w 4399280"/>
-                <a:gd name="connsiteY2" fmla="*/ 3962400 h 3962400"/>
-                <a:gd name="connsiteX3" fmla="*/ 4399280 w 4399280"/>
-                <a:gd name="connsiteY3" fmla="*/ 1524000 h 3962400"/>
-                <a:gd name="connsiteX4" fmla="*/ 3667760 w 4399280"/>
-                <a:gd name="connsiteY4" fmla="*/ 152400 h 3962400"/>
-                <a:gd name="connsiteX5" fmla="*/ 914400 w 4399280"/>
-                <a:gd name="connsiteY5" fmla="*/ 0 h 3962400"/>
-                <a:gd name="connsiteX6" fmla="*/ 0 w 4399280"/>
-                <a:gd name="connsiteY6" fmla="*/ 1249680 h 3962400"/>
-                <a:gd name="connsiteX7" fmla="*/ 436880 w 4399280"/>
-                <a:gd name="connsiteY7" fmla="*/ 2468880 h 3962400"/>
-                <a:gd name="connsiteX0" fmla="*/ 436880 w 4399280"/>
-                <a:gd name="connsiteY0" fmla="*/ 2468880 h 3962400"/>
-                <a:gd name="connsiteX1" fmla="*/ 762000 w 4399280"/>
-                <a:gd name="connsiteY1" fmla="*/ 3230880 h 3962400"/>
-                <a:gd name="connsiteX2" fmla="*/ 3535680 w 4399280"/>
-                <a:gd name="connsiteY2" fmla="*/ 3962400 h 3962400"/>
-                <a:gd name="connsiteX3" fmla="*/ 4399280 w 4399280"/>
-                <a:gd name="connsiteY3" fmla="*/ 1524000 h 3962400"/>
-                <a:gd name="connsiteX4" fmla="*/ 3667760 w 4399280"/>
-                <a:gd name="connsiteY4" fmla="*/ 152400 h 3962400"/>
-                <a:gd name="connsiteX5" fmla="*/ 914400 w 4399280"/>
-                <a:gd name="connsiteY5" fmla="*/ 0 h 3962400"/>
-                <a:gd name="connsiteX6" fmla="*/ 0 w 4399280"/>
-                <a:gd name="connsiteY6" fmla="*/ 1249680 h 3962400"/>
-                <a:gd name="connsiteX7" fmla="*/ 436880 w 4399280"/>
-                <a:gd name="connsiteY7" fmla="*/ 2468880 h 3962400"/>
-                <a:gd name="connsiteX0" fmla="*/ 0 w 4480560"/>
-                <a:gd name="connsiteY0" fmla="*/ 2316480 h 3962400"/>
-                <a:gd name="connsiteX1" fmla="*/ 843280 w 4480560"/>
-                <a:gd name="connsiteY1" fmla="*/ 3230880 h 3962400"/>
-                <a:gd name="connsiteX2" fmla="*/ 3616960 w 4480560"/>
-                <a:gd name="connsiteY2" fmla="*/ 3962400 h 3962400"/>
-                <a:gd name="connsiteX3" fmla="*/ 4480560 w 4480560"/>
-                <a:gd name="connsiteY3" fmla="*/ 1524000 h 3962400"/>
-                <a:gd name="connsiteX4" fmla="*/ 3749040 w 4480560"/>
-                <a:gd name="connsiteY4" fmla="*/ 152400 h 3962400"/>
-                <a:gd name="connsiteX5" fmla="*/ 995680 w 4480560"/>
-                <a:gd name="connsiteY5" fmla="*/ 0 h 3962400"/>
-                <a:gd name="connsiteX6" fmla="*/ 81280 w 4480560"/>
-                <a:gd name="connsiteY6" fmla="*/ 1249680 h 3962400"/>
-                <a:gd name="connsiteX7" fmla="*/ 0 w 4480560"/>
-                <a:gd name="connsiteY7" fmla="*/ 2316480 h 3962400"/>
-                <a:gd name="connsiteX0" fmla="*/ 0 w 4480560"/>
-                <a:gd name="connsiteY0" fmla="*/ 2316480 h 3302000"/>
-                <a:gd name="connsiteX1" fmla="*/ 843280 w 4480560"/>
-                <a:gd name="connsiteY1" fmla="*/ 3230880 h 3302000"/>
-                <a:gd name="connsiteX2" fmla="*/ 3606800 w 4480560"/>
-                <a:gd name="connsiteY2" fmla="*/ 3302000 h 3302000"/>
-                <a:gd name="connsiteX3" fmla="*/ 4480560 w 4480560"/>
-                <a:gd name="connsiteY3" fmla="*/ 1524000 h 3302000"/>
-                <a:gd name="connsiteX4" fmla="*/ 3749040 w 4480560"/>
-                <a:gd name="connsiteY4" fmla="*/ 152400 h 3302000"/>
-                <a:gd name="connsiteX5" fmla="*/ 995680 w 4480560"/>
-                <a:gd name="connsiteY5" fmla="*/ 0 h 3302000"/>
-                <a:gd name="connsiteX6" fmla="*/ 81280 w 4480560"/>
-                <a:gd name="connsiteY6" fmla="*/ 1249680 h 3302000"/>
-                <a:gd name="connsiteX7" fmla="*/ 0 w 4480560"/>
-                <a:gd name="connsiteY7" fmla="*/ 2316480 h 3302000"/>
-              </a:gdLst>
-              <a:ahLst/>
-              <a:cxnLst>
-                <a:cxn ang="0">
-                  <a:pos x="connsiteX0" y="connsiteY0"/>
-                </a:cxn>
-                <a:cxn ang="0">
-                  <a:pos x="connsiteX1" y="connsiteY1"/>
-                </a:cxn>
-                <a:cxn ang="0">
-                  <a:pos x="connsiteX2" y="connsiteY2"/>
-                </a:cxn>
-                <a:cxn ang="0">
-                  <a:pos x="connsiteX3" y="connsiteY3"/>
-                </a:cxn>
-                <a:cxn ang="0">
-                  <a:pos x="connsiteX4" y="connsiteY4"/>
-                </a:cxn>
-                <a:cxn ang="0">
-                  <a:pos x="connsiteX5" y="connsiteY5"/>
-                </a:cxn>
-                <a:cxn ang="0">
-                  <a:pos x="connsiteX6" y="connsiteY6"/>
-                </a:cxn>
-                <a:cxn ang="0">
-                  <a:pos x="connsiteX7" y="connsiteY7"/>
-                </a:cxn>
-              </a:cxnLst>
-              <a:rect l="l" t="t" r="r" b="b"/>
-              <a:pathLst>
-                <a:path w="4480560" h="3302000">
-                  <a:moveTo>
-                    <a:pt x="0" y="2316480"/>
-                  </a:moveTo>
-                  <a:lnTo>
-                    <a:pt x="843280" y="3230880"/>
-                  </a:lnTo>
-                  <a:lnTo>
-                    <a:pt x="3606800" y="3302000"/>
-                  </a:lnTo>
-                  <a:lnTo>
-                    <a:pt x="4480560" y="1524000"/>
-                  </a:lnTo>
-                  <a:lnTo>
-                    <a:pt x="3749040" y="152400"/>
-                  </a:lnTo>
-                  <a:lnTo>
-                    <a:pt x="995680" y="0"/>
-                  </a:lnTo>
-                  <a:lnTo>
-                    <a:pt x="81280" y="1249680"/>
-                  </a:lnTo>
-                  <a:lnTo>
-                    <a:pt x="0" y="2316480"/>
-                  </a:lnTo>
-                  <a:close/>
-                </a:path>
-              </a:pathLst>
-            </a:custGeom>
-            <a:solidFill>
-              <a:schemeClr val="accent2">
-                <a:alpha val="50000"/>
-              </a:schemeClr>
-            </a:solidFill>
-            <a:ln w="25400">
-              <a:solidFill>
-                <a:schemeClr val="tx1"/>
-              </a:solidFill>
-            </a:ln>
-          </p:spPr>
-          <p:style>
-            <a:lnRef idx="2">
-              <a:schemeClr val="accent1">
-                <a:shade val="50000"/>
-              </a:schemeClr>
-            </a:lnRef>
-            <a:fillRef idx="1">
-              <a:schemeClr val="accent1"/>
-            </a:fillRef>
-            <a:effectRef idx="0">
-              <a:schemeClr val="accent1"/>
-            </a:effectRef>
-            <a:fontRef idx="minor">
-              <a:schemeClr val="lt1"/>
-            </a:fontRef>
-          </p:style>
-          <p:txBody>
-            <a:bodyPr rtlCol="0" anchor="ctr"/>
-            <a:lstStyle/>
-            <a:p>
-              <a:pPr algn="ctr"/>
-              <a:endParaRPr lang="en-US"/>
-            </a:p>
-          </p:txBody>
-        </p:sp>
-      </p:grpSp>
-      <p:sp>
-        <p:nvSpPr>
-          <p:cNvPr id="2" name="Oval 1">
-            <a:extLst>
-              <a:ext uri="{FF2B5EF4-FFF2-40B4-BE49-F238E27FC236}">
-                <a16:creationId xmlns:a16="http://schemas.microsoft.com/office/drawing/2014/main" id="{00F12364-3C14-B242-BF14-A2CA41B28871}"/>
-              </a:ext>
-            </a:extLst>
-          </p:cNvPr>
-          <p:cNvSpPr/>
-          <p:nvPr/>
-        </p:nvSpPr>
-        <p:spPr>
-          <a:xfrm>
-            <a:off x="5796915" y="2402205"/>
-            <a:ext cx="182880" cy="182880"/>
-          </a:xfrm>
-          <a:prstGeom prst="ellipse">
-            <a:avLst/>
-          </a:prstGeom>
-          <a:solidFill>
-            <a:schemeClr val="tx1"/>
-          </a:solidFill>
-          <a:ln>
-            <a:noFill/>
-          </a:ln>
-        </p:spPr>
-        <p:style>
-          <a:lnRef idx="2">
-            <a:schemeClr val="accent1">
-              <a:shade val="50000"/>
-            </a:schemeClr>
-          </a:lnRef>
-          <a:fillRef idx="1">
-            <a:schemeClr val="accent1"/>
-          </a:fillRef>
-          <a:effectRef idx="0">
-            <a:schemeClr val="accent1"/>
-          </a:effectRef>
-          <a:fontRef idx="minor">
-            <a:schemeClr val="lt1"/>
-          </a:fontRef>
-        </p:style>
-        <p:txBody>
-          <a:bodyPr rtlCol="0" anchor="ctr"/>
-          <a:lstStyle/>
-          <a:p>
-            <a:pPr algn="ctr"/>
-            <a:endParaRPr lang="en-US" dirty="0"/>
-          </a:p>
-        </p:txBody>
-      </p:sp>
-      <p:sp>
-        <p:nvSpPr>
-          <p:cNvPr id="9" name="Oval 8">
-            <a:extLst>
-              <a:ext uri="{FF2B5EF4-FFF2-40B4-BE49-F238E27FC236}">
-                <a16:creationId xmlns:a16="http://schemas.microsoft.com/office/drawing/2014/main" id="{A4102262-050A-E141-9FA9-C10451343375}"/>
-              </a:ext>
-            </a:extLst>
-          </p:cNvPr>
-          <p:cNvSpPr/>
-          <p:nvPr/>
-        </p:nvSpPr>
-        <p:spPr>
-          <a:xfrm>
-            <a:off x="6549390" y="5343525"/>
-            <a:ext cx="182880" cy="182880"/>
-          </a:xfrm>
-          <a:prstGeom prst="ellipse">
-            <a:avLst/>
-          </a:prstGeom>
-          <a:solidFill>
-            <a:schemeClr val="tx1"/>
-          </a:solidFill>
-          <a:ln>
-            <a:noFill/>
-          </a:ln>
-        </p:spPr>
-        <p:style>
-          <a:lnRef idx="2">
-            <a:schemeClr val="accent1">
-              <a:shade val="50000"/>
-            </a:schemeClr>
-          </a:lnRef>
-          <a:fillRef idx="1">
-            <a:schemeClr val="accent1"/>
-          </a:fillRef>
-          <a:effectRef idx="0">
-            <a:schemeClr val="accent1"/>
-          </a:effectRef>
-          <a:fontRef idx="minor">
-            <a:schemeClr val="lt1"/>
-          </a:fontRef>
-        </p:style>
-        <p:txBody>
-          <a:bodyPr rtlCol="0" anchor="ctr"/>
-          <a:lstStyle/>
-          <a:p>
-            <a:pPr algn="ctr"/>
-            <a:endParaRPr lang="en-US" dirty="0"/>
-          </a:p>
-        </p:txBody>
-      </p:sp>
-      <p:cxnSp>
-        <p:nvCxnSpPr>
-          <p:cNvPr id="10" name="Straight Arrow Connector 9">
-            <a:extLst>
-              <a:ext uri="{FF2B5EF4-FFF2-40B4-BE49-F238E27FC236}">
-                <a16:creationId xmlns:a16="http://schemas.microsoft.com/office/drawing/2014/main" id="{0481A8B5-6FFF-3F40-9EAB-3EBA899DF9B7}"/>
-              </a:ext>
-            </a:extLst>
-          </p:cNvPr>
-          <p:cNvCxnSpPr>
-            <a:cxnSpLocks/>
-          </p:cNvCxnSpPr>
-          <p:nvPr/>
-        </p:nvCxnSpPr>
-        <p:spPr>
-          <a:xfrm flipH="1">
-            <a:off x="5174299" y="2525486"/>
-            <a:ext cx="573358" cy="725646"/>
-          </a:xfrm>
-          <a:prstGeom prst="straightConnector1">
-            <a:avLst/>
-          </a:prstGeom>
-          <a:ln w="15875">
-            <a:solidFill>
-              <a:schemeClr val="tx1"/>
-            </a:solidFill>
-            <a:tailEnd type="triangle"/>
-          </a:ln>
-        </p:spPr>
-        <p:style>
-          <a:lnRef idx="1">
-            <a:schemeClr val="accent1"/>
-          </a:lnRef>
-          <a:fillRef idx="0">
-            <a:schemeClr val="accent1"/>
-          </a:fillRef>
-          <a:effectRef idx="0">
-            <a:schemeClr val="accent1"/>
-          </a:effectRef>
-          <a:fontRef idx="minor">
-            <a:schemeClr val="tx1"/>
-          </a:fontRef>
-        </p:style>
-      </p:cxnSp>
-      <p:cxnSp>
-        <p:nvCxnSpPr>
-          <p:cNvPr id="12" name="Straight Arrow Connector 11">
-            <a:extLst>
-              <a:ext uri="{FF2B5EF4-FFF2-40B4-BE49-F238E27FC236}">
-                <a16:creationId xmlns:a16="http://schemas.microsoft.com/office/drawing/2014/main" id="{31FCC641-2248-794A-A08B-C69FE88F53FE}"/>
-              </a:ext>
-            </a:extLst>
-          </p:cNvPr>
-          <p:cNvCxnSpPr>
-            <a:cxnSpLocks/>
-          </p:cNvCxnSpPr>
-          <p:nvPr/>
-        </p:nvCxnSpPr>
-        <p:spPr>
-          <a:xfrm flipH="1">
-            <a:off x="4946469" y="3600949"/>
-            <a:ext cx="82731" cy="831714"/>
-          </a:xfrm>
-          <a:prstGeom prst="straightConnector1">
-            <a:avLst/>
-          </a:prstGeom>
-          <a:ln w="15875">
-            <a:solidFill>
-              <a:schemeClr val="tx1"/>
-            </a:solidFill>
-            <a:tailEnd type="triangle"/>
-          </a:ln>
-        </p:spPr>
-        <p:style>
-          <a:lnRef idx="1">
-            <a:schemeClr val="accent1"/>
-          </a:lnRef>
-          <a:fillRef idx="0">
-            <a:schemeClr val="accent1"/>
-          </a:fillRef>
-          <a:effectRef idx="0">
-            <a:schemeClr val="accent1"/>
-          </a:effectRef>
-          <a:fontRef idx="minor">
-            <a:schemeClr val="tx1"/>
-          </a:fontRef>
-        </p:style>
-      </p:cxnSp>
-      <p:cxnSp>
-        <p:nvCxnSpPr>
-          <p:cNvPr id="17" name="Straight Arrow Connector 16">
-            <a:extLst>
-              <a:ext uri="{FF2B5EF4-FFF2-40B4-BE49-F238E27FC236}">
-                <a16:creationId xmlns:a16="http://schemas.microsoft.com/office/drawing/2014/main" id="{03E3F823-1423-0A44-8AA8-0F523062D050}"/>
-              </a:ext>
-            </a:extLst>
-          </p:cNvPr>
-          <p:cNvCxnSpPr>
-            <a:cxnSpLocks/>
-          </p:cNvCxnSpPr>
-          <p:nvPr/>
-        </p:nvCxnSpPr>
-        <p:spPr>
-          <a:xfrm>
-            <a:off x="5051697" y="4665617"/>
-            <a:ext cx="695960" cy="768531"/>
-          </a:xfrm>
-          <a:prstGeom prst="straightConnector1">
-            <a:avLst/>
-          </a:prstGeom>
-          <a:ln w="15875">
-            <a:solidFill>
-              <a:schemeClr val="tx1"/>
-            </a:solidFill>
-            <a:tailEnd type="triangle"/>
-          </a:ln>
-        </p:spPr>
-        <p:style>
-          <a:lnRef idx="1">
-            <a:schemeClr val="accent1"/>
-          </a:lnRef>
-          <a:fillRef idx="0">
-            <a:schemeClr val="accent1"/>
-          </a:fillRef>
-          <a:effectRef idx="0">
-            <a:schemeClr val="accent1"/>
-          </a:effectRef>
-          <a:fontRef idx="minor">
-            <a:schemeClr val="tx1"/>
-          </a:fontRef>
-        </p:style>
-      </p:cxnSp>
-      <p:cxnSp>
-        <p:nvCxnSpPr>
-          <p:cNvPr id="21" name="Straight Arrow Connector 20">
-            <a:extLst>
-              <a:ext uri="{FF2B5EF4-FFF2-40B4-BE49-F238E27FC236}">
-                <a16:creationId xmlns:a16="http://schemas.microsoft.com/office/drawing/2014/main" id="{04F2F043-01B3-F24A-842B-32B32E5110C9}"/>
-              </a:ext>
-            </a:extLst>
-          </p:cNvPr>
-          <p:cNvCxnSpPr>
-            <a:cxnSpLocks/>
-          </p:cNvCxnSpPr>
-          <p:nvPr/>
-        </p:nvCxnSpPr>
-        <p:spPr>
-          <a:xfrm>
-            <a:off x="6044475" y="5526405"/>
-            <a:ext cx="495662" cy="20955"/>
-          </a:xfrm>
-          <a:prstGeom prst="straightConnector1">
-            <a:avLst/>
-          </a:prstGeom>
-          <a:ln w="15875">
-            <a:solidFill>
-              <a:schemeClr val="tx1"/>
-            </a:solidFill>
-            <a:tailEnd type="triangle"/>
-          </a:ln>
-        </p:spPr>
-        <p:style>
-          <a:lnRef idx="1">
-            <a:schemeClr val="accent1"/>
-          </a:lnRef>
-          <a:fillRef idx="0">
-            <a:schemeClr val="accent1"/>
-          </a:fillRef>
-          <a:effectRef idx="0">
-            <a:schemeClr val="accent1"/>
-          </a:effectRef>
-          <a:fontRef idx="minor">
-            <a:schemeClr val="tx1"/>
-          </a:fontRef>
-        </p:style>
-      </p:cxnSp>
-      <p:cxnSp>
-        <p:nvCxnSpPr>
-          <p:cNvPr id="24" name="Straight Arrow Connector 23">
-            <a:extLst>
-              <a:ext uri="{FF2B5EF4-FFF2-40B4-BE49-F238E27FC236}">
-                <a16:creationId xmlns:a16="http://schemas.microsoft.com/office/drawing/2014/main" id="{1F9D2E98-04C2-F54C-8F06-B5CEE90CE097}"/>
-              </a:ext>
-            </a:extLst>
-          </p:cNvPr>
-          <p:cNvCxnSpPr>
-            <a:cxnSpLocks/>
-          </p:cNvCxnSpPr>
-          <p:nvPr/>
-        </p:nvCxnSpPr>
-        <p:spPr>
-          <a:xfrm flipH="1">
-            <a:off x="6818812" y="4720046"/>
-            <a:ext cx="400594" cy="644434"/>
-          </a:xfrm>
-          <a:prstGeom prst="straightConnector1">
-            <a:avLst/>
-          </a:prstGeom>
-          <a:ln w="15875">
-            <a:solidFill>
-              <a:schemeClr val="tx1"/>
-            </a:solidFill>
-            <a:headEnd type="triangle"/>
-            <a:tailEnd type="none"/>
-          </a:ln>
-        </p:spPr>
-        <p:style>
-          <a:lnRef idx="1">
-            <a:schemeClr val="accent1"/>
-          </a:lnRef>
-          <a:fillRef idx="0">
-            <a:schemeClr val="accent1"/>
-          </a:fillRef>
-          <a:effectRef idx="0">
-            <a:schemeClr val="accent1"/>
-          </a:effectRef>
-          <a:fontRef idx="minor">
-            <a:schemeClr val="tx1"/>
-          </a:fontRef>
-        </p:style>
-      </p:cxnSp>
-      <p:cxnSp>
-        <p:nvCxnSpPr>
-          <p:cNvPr id="30" name="Straight Arrow Connector 29">
-            <a:extLst>
-              <a:ext uri="{FF2B5EF4-FFF2-40B4-BE49-F238E27FC236}">
-                <a16:creationId xmlns:a16="http://schemas.microsoft.com/office/drawing/2014/main" id="{FEB60AF9-C993-0340-9DF1-06981A8BF356}"/>
-              </a:ext>
-            </a:extLst>
-          </p:cNvPr>
-          <p:cNvCxnSpPr>
-            <a:cxnSpLocks/>
-          </p:cNvCxnSpPr>
-          <p:nvPr/>
-        </p:nvCxnSpPr>
-        <p:spPr>
-          <a:xfrm flipH="1" flipV="1">
-            <a:off x="6043749" y="2429691"/>
-            <a:ext cx="731520" cy="278675"/>
-          </a:xfrm>
-          <a:prstGeom prst="straightConnector1">
-            <a:avLst/>
-          </a:prstGeom>
-          <a:ln w="15875">
-            <a:solidFill>
-              <a:schemeClr val="tx1"/>
-            </a:solidFill>
-            <a:headEnd type="none"/>
-            <a:tailEnd type="triangle"/>
-          </a:ln>
-        </p:spPr>
-        <p:style>
-          <a:lnRef idx="1">
-            <a:schemeClr val="accent1"/>
-          </a:lnRef>
-          <a:fillRef idx="0">
-            <a:schemeClr val="accent1"/>
-          </a:fillRef>
-          <a:effectRef idx="0">
-            <a:schemeClr val="accent1"/>
-          </a:effectRef>
-          <a:fontRef idx="minor">
-            <a:schemeClr val="tx1"/>
-          </a:fontRef>
-        </p:style>
-      </p:cxnSp>
-      <p:cxnSp>
-        <p:nvCxnSpPr>
-          <p:cNvPr id="35" name="Straight Arrow Connector 34">
-            <a:extLst>
-              <a:ext uri="{FF2B5EF4-FFF2-40B4-BE49-F238E27FC236}">
-                <a16:creationId xmlns:a16="http://schemas.microsoft.com/office/drawing/2014/main" id="{64B0A27B-18D9-9E4C-8D73-2BD289B5886A}"/>
-              </a:ext>
-            </a:extLst>
-          </p:cNvPr>
-          <p:cNvCxnSpPr>
-            <a:cxnSpLocks/>
-          </p:cNvCxnSpPr>
-          <p:nvPr/>
-        </p:nvCxnSpPr>
-        <p:spPr>
-          <a:xfrm>
-            <a:off x="6862354" y="2838994"/>
-            <a:ext cx="374469" cy="1715589"/>
-          </a:xfrm>
-          <a:prstGeom prst="straightConnector1">
-            <a:avLst/>
-          </a:prstGeom>
-          <a:ln w="15875">
-            <a:solidFill>
-              <a:schemeClr val="tx1"/>
-            </a:solidFill>
-            <a:headEnd type="triangle"/>
-            <a:tailEnd type="none"/>
-          </a:ln>
-        </p:spPr>
-        <p:style>
-          <a:lnRef idx="1">
-            <a:schemeClr val="accent1"/>
-          </a:lnRef>
-          <a:fillRef idx="0">
-            <a:schemeClr val="accent1"/>
-          </a:fillRef>
-          <a:effectRef idx="0">
-            <a:schemeClr val="accent1"/>
-          </a:effectRef>
-          <a:fontRef idx="minor">
-            <a:schemeClr val="tx1"/>
-          </a:fontRef>
-        </p:style>
-      </p:cxnSp>
-    </p:spTree>
-    <p:extLst>
-      <p:ext uri="{BB962C8B-B14F-4D97-AF65-F5344CB8AC3E}">
-        <p14:creationId xmlns:p14="http://schemas.microsoft.com/office/powerpoint/2010/main" val="1326958582"/>
-      </p:ext>
-    </p:extLst>
-  </p:cSld>
-  <p:clrMapOvr>
-    <a:masterClrMapping/>
-  </p:clrMapOvr>
-</p:sld>
-</file>
-
-<file path=ppt/slides/slide46.xml><?xml version="1.0" encoding="utf-8"?>
-<p:sld xmlns:a="http://schemas.openxmlformats.org/drawingml/2006/main" xmlns:r="http://schemas.openxmlformats.org/officeDocument/2006/relationships" xmlns:p="http://schemas.openxmlformats.org/presentationml/2006/main">
-  <p:cSld>
-    <p:spTree>
-      <p:nvGrpSpPr>
-        <p:cNvPr id="1" name=""/>
-        <p:cNvGrpSpPr/>
-        <p:nvPr/>
-      </p:nvGrpSpPr>
-      <p:grpSpPr>
-        <a:xfrm>
-          <a:off x="0" y="0"/>
-          <a:ext cx="0" cy="0"/>
-          <a:chOff x="0" y="0"/>
-          <a:chExt cx="0" cy="0"/>
-        </a:xfrm>
-      </p:grpSpPr>
-      <mc:AlternateContent xmlns:mc="http://schemas.openxmlformats.org/markup-compatibility/2006" xmlns:a14="http://schemas.microsoft.com/office/drawing/2010/main">
-        <mc:Choice Requires="a14">
-          <p:sp>
-            <p:nvSpPr>
-              <p:cNvPr id="5" name="Content Placeholder 4">
-                <a:extLst>
-                  <a:ext uri="{FF2B5EF4-FFF2-40B4-BE49-F238E27FC236}">
-                    <a16:creationId xmlns:a16="http://schemas.microsoft.com/office/drawing/2014/main" id="{08FB8E5C-B4BF-7D4A-AC10-47599C4D3554}"/>
-                  </a:ext>
-                </a:extLst>
-              </p:cNvPr>
-              <p:cNvSpPr>
-                <a:spLocks noGrp="1"/>
-              </p:cNvSpPr>
-              <p:nvPr>
-                <p:ph sz="half" idx="1"/>
-              </p:nvPr>
-            </p:nvSpPr>
-            <p:spPr/>
-            <p:txBody>
-              <a:bodyPr>
-                <a:normAutofit/>
-              </a:bodyPr>
-              <a:lstStyle/>
-              <a:p>
-                <a:r>
-                  <a:rPr lang="en-US" altLang="en-US" dirty="0"/>
-                  <a:t>Analysis</a:t>
-                </a:r>
-              </a:p>
-              <a:p>
-                <a:pPr lvl="1"/>
-                <a:r>
-                  <a:rPr lang="en-US" altLang="en-US" dirty="0"/>
-                  <a:t>Preprocessing: Intersection finding </a:t>
-                </a:r>
-                <a14:m>
-                  <m:oMath xmlns:m="http://schemas.openxmlformats.org/officeDocument/2006/math">
-                    <m:r>
-                      <a:rPr lang="en-US" altLang="en-US" i="1" dirty="0">
-                        <a:latin typeface="Cambria Math" panose="02040503050406030204" pitchFamily="18" charset="0"/>
-                      </a:rPr>
-                      <m:t>𝑂</m:t>
-                    </m:r>
-                    <m:r>
-                      <a:rPr lang="en-US" altLang="en-US" i="1" dirty="0">
-                        <a:latin typeface="Cambria Math" panose="02040503050406030204" pitchFamily="18" charset="0"/>
-                      </a:rPr>
-                      <m:t>((</m:t>
-                    </m:r>
-                    <m:r>
-                      <a:rPr lang="en-US" altLang="en-US" i="1" dirty="0">
-                        <a:latin typeface="Cambria Math" panose="02040503050406030204" pitchFamily="18" charset="0"/>
-                      </a:rPr>
-                      <m:t>𝑁</m:t>
-                    </m:r>
-                    <m:r>
-                      <a:rPr lang="en-US" altLang="en-US" i="1" dirty="0">
-                        <a:latin typeface="Cambria Math" panose="02040503050406030204" pitchFamily="18" charset="0"/>
-                      </a:rPr>
-                      <m:t> + </m:t>
-                    </m:r>
-                    <m:r>
-                      <a:rPr lang="en-US" altLang="en-US" i="1" dirty="0">
-                        <a:latin typeface="Cambria Math" panose="02040503050406030204" pitchFamily="18" charset="0"/>
-                      </a:rPr>
-                      <m:t>𝐾</m:t>
-                    </m:r>
-                    <m:r>
-                      <a:rPr lang="en-US" altLang="en-US" i="1" dirty="0">
-                        <a:latin typeface="Cambria Math" panose="02040503050406030204" pitchFamily="18" charset="0"/>
-                      </a:rPr>
-                      <m:t>) </m:t>
-                    </m:r>
-                    <m:r>
-                      <m:rPr>
-                        <m:sty m:val="p"/>
-                      </m:rPr>
-                      <a:rPr lang="en-US" altLang="en-US" i="1" dirty="0">
-                        <a:latin typeface="Cambria Math" panose="02040503050406030204" pitchFamily="18" charset="0"/>
-                      </a:rPr>
-                      <m:t>log</m:t>
-                    </m:r>
-                    <m:r>
-                      <a:rPr lang="en-US" altLang="en-US" i="1" dirty="0">
-                        <a:latin typeface="Cambria Math" panose="02040503050406030204" pitchFamily="18" charset="0"/>
-                      </a:rPr>
-                      <m:t>⁡</m:t>
-                    </m:r>
-                    <m:r>
-                      <a:rPr lang="en-US" altLang="en-US" i="1" dirty="0">
-                        <a:latin typeface="Cambria Math" panose="02040503050406030204" pitchFamily="18" charset="0"/>
-                      </a:rPr>
-                      <m:t>𝑁</m:t>
-                    </m:r>
-                    <m:r>
-                      <a:rPr lang="en-US" altLang="en-US" i="1" dirty="0">
-                        <a:latin typeface="Cambria Math" panose="02040503050406030204" pitchFamily="18" charset="0"/>
-                      </a:rPr>
-                      <m:t>)</m:t>
-                    </m:r>
-                  </m:oMath>
-                </a14:m>
-                <a:endParaRPr lang="en-US" altLang="en-US" dirty="0"/>
-              </a:p>
-              <a:p>
-                <a:pPr lvl="1"/>
-                <a:r>
-                  <a:rPr lang="en-US" altLang="en-US" dirty="0"/>
-                  <a:t>Query: </a:t>
-                </a:r>
-                <a14:m>
-                  <m:oMath xmlns:m="http://schemas.openxmlformats.org/officeDocument/2006/math">
-                    <m:r>
-                      <a:rPr lang="en-US" altLang="en-US" i="1" dirty="0" smtClean="0">
-                        <a:latin typeface="Cambria Math" panose="02040503050406030204" pitchFamily="18" charset="0"/>
-                      </a:rPr>
-                      <m:t>𝑂</m:t>
-                    </m:r>
-                    <m:r>
-                      <a:rPr lang="en-US" altLang="en-US" i="1" dirty="0" smtClean="0">
-                        <a:latin typeface="Cambria Math" panose="02040503050406030204" pitchFamily="18" charset="0"/>
-                      </a:rPr>
-                      <m:t>(</m:t>
-                    </m:r>
-                    <m:r>
-                      <a:rPr lang="en-US" altLang="en-US" b="0" i="1" dirty="0" smtClean="0">
-                        <a:latin typeface="Cambria Math" panose="02040503050406030204" pitchFamily="18" charset="0"/>
-                      </a:rPr>
-                      <m:t>𝑁</m:t>
-                    </m:r>
-                    <m:r>
-                      <a:rPr lang="en-US" altLang="en-US" b="0" i="1" dirty="0" smtClean="0">
-                        <a:latin typeface="Cambria Math" panose="02040503050406030204" pitchFamily="18" charset="0"/>
-                      </a:rPr>
-                      <m:t>+</m:t>
-                    </m:r>
-                    <m:r>
-                      <a:rPr lang="en-US" altLang="en-US" b="0" i="1" dirty="0" smtClean="0">
-                        <a:latin typeface="Cambria Math" panose="02040503050406030204" pitchFamily="18" charset="0"/>
-                      </a:rPr>
-                      <m:t>𝑀</m:t>
-                    </m:r>
-                    <m:r>
-                      <a:rPr lang="en-US" altLang="en-US" i="1" dirty="0" smtClean="0">
-                        <a:latin typeface="Cambria Math" panose="02040503050406030204" pitchFamily="18" charset="0"/>
-                      </a:rPr>
-                      <m:t>)</m:t>
-                    </m:r>
-                  </m:oMath>
-                </a14:m>
-                <a:r>
-                  <a:rPr lang="en-US" altLang="en-US" dirty="0"/>
-                  <a:t> </a:t>
-                </a:r>
-              </a:p>
-              <a:p>
-                <a:pPr lvl="1"/>
-                <a:r>
-                  <a:rPr lang="en-US" altLang="en-US" dirty="0"/>
-                  <a:t>Storage: </a:t>
-                </a:r>
-                <a14:m>
-                  <m:oMath xmlns:m="http://schemas.openxmlformats.org/officeDocument/2006/math">
-                    <m:r>
-                      <a:rPr lang="en-US" altLang="en-US" i="1" dirty="0" smtClean="0">
-                        <a:latin typeface="Cambria Math" panose="02040503050406030204" pitchFamily="18" charset="0"/>
-                      </a:rPr>
-                      <m:t>𝑂</m:t>
-                    </m:r>
-                    <m:r>
-                      <a:rPr lang="en-US" altLang="en-US" i="1" dirty="0" smtClean="0">
-                        <a:latin typeface="Cambria Math" panose="02040503050406030204" pitchFamily="18" charset="0"/>
-                      </a:rPr>
-                      <m:t>(</m:t>
-                    </m:r>
-                    <m:r>
-                      <a:rPr lang="en-US" altLang="en-US" i="1" dirty="0" smtClean="0">
-                        <a:latin typeface="Cambria Math" panose="02040503050406030204" pitchFamily="18" charset="0"/>
-                      </a:rPr>
-                      <m:t>𝑁</m:t>
-                    </m:r>
-                    <m:r>
-                      <a:rPr lang="en-US" altLang="en-US" i="1" dirty="0" smtClean="0">
-                        <a:latin typeface="Cambria Math" panose="02040503050406030204" pitchFamily="18" charset="0"/>
-                      </a:rPr>
-                      <m:t>+</m:t>
-                    </m:r>
-                    <m:r>
-                      <a:rPr lang="en-US" altLang="en-US" b="0" i="1" dirty="0" smtClean="0">
-                        <a:latin typeface="Cambria Math" panose="02040503050406030204" pitchFamily="18" charset="0"/>
-                      </a:rPr>
-                      <m:t>𝑀</m:t>
-                    </m:r>
-                    <m:r>
-                      <a:rPr lang="en-US" altLang="en-US" i="1" dirty="0" smtClean="0">
-                        <a:latin typeface="Cambria Math" panose="02040503050406030204" pitchFamily="18" charset="0"/>
-                      </a:rPr>
-                      <m:t>)</m:t>
-                    </m:r>
-                  </m:oMath>
-                </a14:m>
-                <a:r>
-                  <a:rPr lang="en-US" altLang="en-US" dirty="0"/>
-                  <a:t> edge links</a:t>
-                </a:r>
-              </a:p>
-              <a:p>
-                <a:pPr marL="457200" lvl="1" indent="0">
-                  <a:buNone/>
-                </a:pPr>
-                <a:endParaRPr lang="en-US" altLang="en-US" dirty="0"/>
-              </a:p>
-              <a:p>
-                <a:r>
-                  <a:rPr lang="en-US" altLang="en-US" dirty="0"/>
-                  <a:t>Can we do any better?</a:t>
-                </a:r>
-                <a:endParaRPr lang="en-US" dirty="0"/>
-              </a:p>
-            </p:txBody>
-          </p:sp>
-        </mc:Choice>
-        <mc:Fallback xmlns="">
-          <p:sp>
-            <p:nvSpPr>
-              <p:cNvPr id="5" name="Content Placeholder 4">
-                <a:extLst>
-                  <a:ext uri="{FF2B5EF4-FFF2-40B4-BE49-F238E27FC236}">
-                    <a16:creationId xmlns:a16="http://schemas.microsoft.com/office/drawing/2014/main" id="{08FB8E5C-B4BF-7D4A-AC10-47599C4D3554}"/>
-                  </a:ext>
-                </a:extLst>
-              </p:cNvPr>
-              <p:cNvSpPr>
-                <a:spLocks noGrp="1" noRot="1" noChangeAspect="1" noMove="1" noResize="1" noEditPoints="1" noAdjustHandles="1" noChangeArrowheads="1" noChangeShapeType="1" noTextEdit="1"/>
-              </p:cNvSpPr>
-              <p:nvPr>
-                <p:ph sz="half" idx="1"/>
-              </p:nvPr>
-            </p:nvSpPr>
-            <p:spPr>
-              <a:blipFill>
-                <a:blip r:embed="rId2"/>
-                <a:stretch>
-                  <a:fillRect l="-1517"/>
-                </a:stretch>
-              </a:blipFill>
-            </p:spPr>
-            <p:txBody>
-              <a:bodyPr/>
-              <a:lstStyle/>
-              <a:p>
-                <a:r>
-                  <a:rPr lang="en-US">
-                    <a:noFill/>
-                  </a:rPr>
-                  <a:t> </a:t>
-                </a:r>
-              </a:p>
-            </p:txBody>
-          </p:sp>
-        </mc:Fallback>
-      </mc:AlternateContent>
-      <p:sp>
-        <p:nvSpPr>
-          <p:cNvPr id="4" name="Content Placeholder 3">
-            <a:extLst>
-              <a:ext uri="{FF2B5EF4-FFF2-40B4-BE49-F238E27FC236}">
-                <a16:creationId xmlns:a16="http://schemas.microsoft.com/office/drawing/2014/main" id="{CD880477-E166-1E42-A923-AC957B2866C2}"/>
-              </a:ext>
-            </a:extLst>
-          </p:cNvPr>
-          <p:cNvSpPr>
-            <a:spLocks noGrp="1"/>
-          </p:cNvSpPr>
-          <p:nvPr>
-            <p:ph sz="half" idx="10"/>
-          </p:nvPr>
-        </p:nvSpPr>
-        <p:spPr/>
-        <p:txBody>
-          <a:bodyPr/>
-          <a:lstStyle/>
-          <a:p>
-            <a:endParaRPr lang="en-US"/>
-          </a:p>
-        </p:txBody>
-      </p:sp>
-      <p:sp>
-        <p:nvSpPr>
-          <p:cNvPr id="7" name="Content Placeholder 6">
-            <a:extLst>
-              <a:ext uri="{FF2B5EF4-FFF2-40B4-BE49-F238E27FC236}">
-                <a16:creationId xmlns:a16="http://schemas.microsoft.com/office/drawing/2014/main" id="{92E9DA3B-554D-344C-BB46-FC40292FEF53}"/>
-              </a:ext>
-            </a:extLst>
-          </p:cNvPr>
-          <p:cNvSpPr>
-            <a:spLocks noGrp="1"/>
-          </p:cNvSpPr>
-          <p:nvPr>
-            <p:ph sz="half" idx="11"/>
-          </p:nvPr>
-        </p:nvSpPr>
-        <p:spPr/>
-        <p:txBody>
-          <a:bodyPr/>
-          <a:lstStyle/>
-          <a:p>
-            <a:r>
-              <a:rPr lang="en-US" altLang="en-US"/>
-              <a:t>Intersection of line segment</a:t>
-            </a:r>
-            <a:endParaRPr lang="en-US" dirty="0"/>
-          </a:p>
-        </p:txBody>
-      </p:sp>
-    </p:spTree>
-    <p:extLst>
-      <p:ext uri="{BB962C8B-B14F-4D97-AF65-F5344CB8AC3E}">
-        <p14:creationId xmlns:p14="http://schemas.microsoft.com/office/powerpoint/2010/main" val="3688041515"/>
-      </p:ext>
-    </p:extLst>
-  </p:cSld>
-  <p:clrMapOvr>
-    <a:masterClrMapping/>
-  </p:clrMapOvr>
-  <p:transition/>
-</p:sld>
-</file>
-
-<file path=ppt/slides/slide47.xml><?xml version="1.0" encoding="utf-8"?>
 <p:sld xmlns:a="http://schemas.openxmlformats.org/drawingml/2006/main" xmlns:r="http://schemas.openxmlformats.org/officeDocument/2006/relationships" xmlns:p="http://schemas.openxmlformats.org/presentationml/2006/main">
   <p:cSld>
     <p:spTree>

--- a/L03-intersection.pptx
+++ b/L03-intersection.pptx
@@ -253,7 +253,7 @@
           <a:p>
             <a:fld id="{C787A165-4FDD-49E5-9F6D-D505BB88ABC6}" type="datetimeFigureOut">
               <a:rPr lang="en-US" smtClean="0"/>
-              <a:t>7/25/19</a:t>
+              <a:t>9/9/19</a:t>
             </a:fld>
             <a:endParaRPr lang="en-US"/>
           </a:p>
@@ -419,7 +419,7 @@
           <a:p>
             <a:fld id="{5D612DD9-5214-4F09-A917-0755DC49A4D5}" type="datetimeFigureOut">
               <a:rPr lang="en-US" smtClean="0"/>
-              <a:t>7/25/19</a:t>
+              <a:t>9/9/19</a:t>
             </a:fld>
             <a:endParaRPr lang="en-US"/>
           </a:p>
@@ -1633,7 +1633,7 @@
           </a:ln>
           <a:extLst>
             <a:ext uri="{909E8E84-426E-40dd-AFC4-6F175D3DCCD1}">
-              <a14:hiddenFill xmlns="" xmlns:a14="http://schemas.microsoft.com/office/drawing/2010/main">
+              <a14:hiddenFill xmlns:a14="http://schemas.microsoft.com/office/drawing/2010/main" xmlns="">
                 <a:solidFill>
                   <a:srgbClr val="FFFFFF"/>
                 </a:solidFill>
@@ -1679,7 +1679,7 @@
           </a:ln>
           <a:extLst>
             <a:ext uri="{909E8E84-426E-40dd-AFC4-6F175D3DCCD1}">
-              <a14:hiddenFill xmlns="" xmlns:a14="http://schemas.microsoft.com/office/drawing/2010/main">
+              <a14:hiddenFill xmlns:a14="http://schemas.microsoft.com/office/drawing/2010/main" xmlns="">
                 <a:solidFill>
                   <a:srgbClr val="FFFFFF"/>
                 </a:solidFill>
@@ -1725,7 +1725,7 @@
           </a:ln>
           <a:extLst>
             <a:ext uri="{909E8E84-426E-40dd-AFC4-6F175D3DCCD1}">
-              <a14:hiddenFill xmlns="" xmlns:a14="http://schemas.microsoft.com/office/drawing/2010/main">
+              <a14:hiddenFill xmlns:a14="http://schemas.microsoft.com/office/drawing/2010/main" xmlns="">
                 <a:solidFill>
                   <a:srgbClr val="FFFFFF"/>
                 </a:solidFill>
@@ -1769,7 +1769,7 @@
           </a:ln>
           <a:extLst>
             <a:ext uri="{909E8E84-426E-40dd-AFC4-6F175D3DCCD1}">
-              <a14:hiddenFill xmlns="" xmlns:a14="http://schemas.microsoft.com/office/drawing/2010/main">
+              <a14:hiddenFill xmlns:a14="http://schemas.microsoft.com/office/drawing/2010/main" xmlns="">
                 <a:solidFill>
                   <a:srgbClr val="FFFFFF"/>
                 </a:solidFill>
@@ -1815,7 +1815,7 @@
           </a:ln>
           <a:extLst>
             <a:ext uri="{909E8E84-426E-40dd-AFC4-6F175D3DCCD1}">
-              <a14:hiddenFill xmlns="" xmlns:a14="http://schemas.microsoft.com/office/drawing/2010/main">
+              <a14:hiddenFill xmlns:a14="http://schemas.microsoft.com/office/drawing/2010/main" xmlns="">
                 <a:solidFill>
                   <a:srgbClr val="FFFFFF"/>
                 </a:solidFill>
@@ -1861,7 +1861,7 @@
           </a:ln>
           <a:extLst>
             <a:ext uri="{909E8E84-426E-40dd-AFC4-6F175D3DCCD1}">
-              <a14:hiddenFill xmlns="" xmlns:a14="http://schemas.microsoft.com/office/drawing/2010/main">
+              <a14:hiddenFill xmlns:a14="http://schemas.microsoft.com/office/drawing/2010/main" xmlns="">
                 <a:solidFill>
                   <a:srgbClr val="FFFFFF"/>
                 </a:solidFill>
@@ -7491,7 +7491,7 @@
           <a:p>
             <a:fld id="{6E39BF48-6E0A-4E37-BB05-8DF70571673D}" type="datetimeFigureOut">
               <a:rPr lang="en-US" smtClean="0"/>
-              <a:t>7/25/19</a:t>
+              <a:t>9/9/19</a:t>
             </a:fld>
             <a:endParaRPr lang="en-US"/>
           </a:p>
@@ -28531,25 +28531,19 @@
           <a:p>
             <a:r>
               <a:rPr lang="en-US" altLang="en-US" dirty="0"/>
-              <a:t>	Compare rectangle x-interval to 			active set for overlap.</a:t>
+              <a:t>Compare rectangle x-interval to active set for overlap.</a:t>
             </a:r>
           </a:p>
           <a:p>
             <a:r>
               <a:rPr lang="en-US" altLang="en-US" dirty="0"/>
-              <a:t>	Add rectangle x-interval to active 		set.</a:t>
+              <a:t>Add rectangle x-interval to active set.</a:t>
             </a:r>
           </a:p>
           <a:p>
             <a:r>
               <a:rPr lang="en-US" altLang="en-US" dirty="0"/>
-              <a:t>At the ending interval:</a:t>
-            </a:r>
-          </a:p>
-          <a:p>
-            <a:r>
-              <a:rPr lang="en-US" altLang="en-US" dirty="0"/>
-              <a:t>	Remove rectangle X-interval from active set.</a:t>
+              <a:t>At the ending interval remove rectangle X-interval from active set.</a:t>
             </a:r>
           </a:p>
         </p:txBody>
@@ -38491,56 +38485,6 @@
           <a:chExt cx="0" cy="0"/>
         </a:xfrm>
       </p:grpSpPr>
-      <p:sp>
-        <p:nvSpPr>
-          <p:cNvPr id="2" name="Title 1">
-            <a:extLst>
-              <a:ext uri="{FF2B5EF4-FFF2-40B4-BE49-F238E27FC236}">
-                <a16:creationId xmlns:a16="http://schemas.microsoft.com/office/drawing/2014/main" id="{0914FEB4-D03F-8B45-8634-2DF18B96133F}"/>
-              </a:ext>
-            </a:extLst>
-          </p:cNvPr>
-          <p:cNvSpPr>
-            <a:spLocks noGrp="1"/>
-          </p:cNvSpPr>
-          <p:nvPr>
-            <p:ph type="title"/>
-          </p:nvPr>
-        </p:nvSpPr>
-        <p:spPr/>
-        <p:txBody>
-          <a:bodyPr/>
-          <a:lstStyle/>
-          <a:p>
-            <a:endParaRPr lang="en-US"/>
-          </a:p>
-        </p:txBody>
-      </p:sp>
-      <p:sp>
-        <p:nvSpPr>
-          <p:cNvPr id="3" name="Content Placeholder 2">
-            <a:extLst>
-              <a:ext uri="{FF2B5EF4-FFF2-40B4-BE49-F238E27FC236}">
-                <a16:creationId xmlns:a16="http://schemas.microsoft.com/office/drawing/2014/main" id="{80922B61-F77E-F44F-BBC3-7740B9F71DB6}"/>
-              </a:ext>
-            </a:extLst>
-          </p:cNvPr>
-          <p:cNvSpPr>
-            <a:spLocks noGrp="1"/>
-          </p:cNvSpPr>
-          <p:nvPr>
-            <p:ph idx="1"/>
-          </p:nvPr>
-        </p:nvSpPr>
-        <p:spPr/>
-        <p:txBody>
-          <a:bodyPr/>
-          <a:lstStyle/>
-          <a:p>
-            <a:endParaRPr lang="en-US"/>
-          </a:p>
-        </p:txBody>
-      </p:sp>
     </p:spTree>
     <p:extLst>
       <p:ext uri="{BB962C8B-B14F-4D97-AF65-F5344CB8AC3E}">
